--- a/doc/L'exportation en ligne de commande.pptx
+++ b/doc/L'exportation en ligne de commande.pptx
@@ -5,7 +5,7 @@
     <p:sldMasterId id="2147483648" r:id="rId1"/>
   </p:sldMasterIdLst>
   <p:notesMasterIdLst>
-    <p:notesMasterId r:id="rId13"/>
+    <p:notesMasterId r:id="rId16"/>
   </p:notesMasterIdLst>
   <p:sldIdLst>
     <p:sldId id="256" r:id="rId2"/>
@@ -19,6 +19,9 @@
     <p:sldId id="264" r:id="rId10"/>
     <p:sldId id="265" r:id="rId11"/>
     <p:sldId id="266" r:id="rId12"/>
+    <p:sldId id="267" r:id="rId13"/>
+    <p:sldId id="268" r:id="rId14"/>
+    <p:sldId id="269" r:id="rId15"/>
   </p:sldIdLst>
   <p:sldSz cx="9144000" cy="6858000" type="screen4x3"/>
   <p:notesSz cx="6858000" cy="9144000"/>
@@ -202,7 +205,7 @@
           <a:p>
             <a:fld id="{1C127075-C14B-40A4-B712-C37EF82237B7}" type="datetimeFigureOut">
               <a:rPr lang="fr-FR" smtClean="0"/>
-              <a:t>26/05/2017</a:t>
+              <a:t>27/05/2017</a:t>
             </a:fld>
             <a:endParaRPr lang="fr-FR"/>
           </a:p>
@@ -735,7 +738,7 @@
           <a:p>
             <a:fld id="{F133F15D-4772-4F92-A78B-779C7D721DD8}" type="datetimeFigureOut">
               <a:rPr lang="fr-FR" smtClean="0"/>
-              <a:t>26/05/2017</a:t>
+              <a:t>27/05/2017</a:t>
             </a:fld>
             <a:endParaRPr lang="fr-FR"/>
           </a:p>
@@ -905,7 +908,7 @@
           <a:p>
             <a:fld id="{F133F15D-4772-4F92-A78B-779C7D721DD8}" type="datetimeFigureOut">
               <a:rPr lang="fr-FR" smtClean="0"/>
-              <a:t>26/05/2017</a:t>
+              <a:t>27/05/2017</a:t>
             </a:fld>
             <a:endParaRPr lang="fr-FR"/>
           </a:p>
@@ -1085,7 +1088,7 @@
           <a:p>
             <a:fld id="{F133F15D-4772-4F92-A78B-779C7D721DD8}" type="datetimeFigureOut">
               <a:rPr lang="fr-FR" smtClean="0"/>
-              <a:t>26/05/2017</a:t>
+              <a:t>27/05/2017</a:t>
             </a:fld>
             <a:endParaRPr lang="fr-FR"/>
           </a:p>
@@ -1255,7 +1258,7 @@
           <a:p>
             <a:fld id="{F133F15D-4772-4F92-A78B-779C7D721DD8}" type="datetimeFigureOut">
               <a:rPr lang="fr-FR" smtClean="0"/>
-              <a:t>26/05/2017</a:t>
+              <a:t>27/05/2017</a:t>
             </a:fld>
             <a:endParaRPr lang="fr-FR"/>
           </a:p>
@@ -1501,7 +1504,7 @@
           <a:p>
             <a:fld id="{F133F15D-4772-4F92-A78B-779C7D721DD8}" type="datetimeFigureOut">
               <a:rPr lang="fr-FR" smtClean="0"/>
-              <a:t>26/05/2017</a:t>
+              <a:t>27/05/2017</a:t>
             </a:fld>
             <a:endParaRPr lang="fr-FR"/>
           </a:p>
@@ -1789,7 +1792,7 @@
           <a:p>
             <a:fld id="{F133F15D-4772-4F92-A78B-779C7D721DD8}" type="datetimeFigureOut">
               <a:rPr lang="fr-FR" smtClean="0"/>
-              <a:t>26/05/2017</a:t>
+              <a:t>27/05/2017</a:t>
             </a:fld>
             <a:endParaRPr lang="fr-FR"/>
           </a:p>
@@ -2211,7 +2214,7 @@
           <a:p>
             <a:fld id="{F133F15D-4772-4F92-A78B-779C7D721DD8}" type="datetimeFigureOut">
               <a:rPr lang="fr-FR" smtClean="0"/>
-              <a:t>26/05/2017</a:t>
+              <a:t>27/05/2017</a:t>
             </a:fld>
             <a:endParaRPr lang="fr-FR"/>
           </a:p>
@@ -2329,7 +2332,7 @@
           <a:p>
             <a:fld id="{F133F15D-4772-4F92-A78B-779C7D721DD8}" type="datetimeFigureOut">
               <a:rPr lang="fr-FR" smtClean="0"/>
-              <a:t>26/05/2017</a:t>
+              <a:t>27/05/2017</a:t>
             </a:fld>
             <a:endParaRPr lang="fr-FR"/>
           </a:p>
@@ -2424,7 +2427,7 @@
           <a:p>
             <a:fld id="{F133F15D-4772-4F92-A78B-779C7D721DD8}" type="datetimeFigureOut">
               <a:rPr lang="fr-FR" smtClean="0"/>
-              <a:t>26/05/2017</a:t>
+              <a:t>27/05/2017</a:t>
             </a:fld>
             <a:endParaRPr lang="fr-FR"/>
           </a:p>
@@ -2701,7 +2704,7 @@
           <a:p>
             <a:fld id="{F133F15D-4772-4F92-A78B-779C7D721DD8}" type="datetimeFigureOut">
               <a:rPr lang="fr-FR" smtClean="0"/>
-              <a:t>26/05/2017</a:t>
+              <a:t>27/05/2017</a:t>
             </a:fld>
             <a:endParaRPr lang="fr-FR"/>
           </a:p>
@@ -2954,7 +2957,7 @@
           <a:p>
             <a:fld id="{F133F15D-4772-4F92-A78B-779C7D721DD8}" type="datetimeFigureOut">
               <a:rPr lang="fr-FR" smtClean="0"/>
-              <a:t>26/05/2017</a:t>
+              <a:t>27/05/2017</a:t>
             </a:fld>
             <a:endParaRPr lang="fr-FR"/>
           </a:p>
@@ -3167,7 +3170,7 @@
           <a:p>
             <a:fld id="{F133F15D-4772-4F92-A78B-779C7D721DD8}" type="datetimeFigureOut">
               <a:rPr lang="fr-FR" smtClean="0"/>
-              <a:t>26/05/2017</a:t>
+              <a:t>27/05/2017</a:t>
             </a:fld>
             <a:endParaRPr lang="fr-FR"/>
           </a:p>
@@ -3598,14 +3601,6 @@
               </a:rPr>
               <a:t>commande</a:t>
             </a:r>
-            <a:endParaRPr lang="fr-FR" sz="3200" dirty="0" smtClean="0">
-              <a:solidFill>
-                <a:schemeClr val="tx2">
-                  <a:lumMod val="60000"/>
-                  <a:lumOff val="40000"/>
-                </a:schemeClr>
-              </a:solidFill>
-            </a:endParaRPr>
           </a:p>
           <a:p>
             <a:pPr algn="r"/>
@@ -3958,11 +3953,7 @@
           <a:p>
             <a:r>
               <a:rPr lang="fr-FR" sz="2400" dirty="0" smtClean="0"/>
-              <a:t>Ajout </a:t>
-            </a:r>
-            <a:r>
-              <a:rPr lang="fr-FR" sz="2400" dirty="0" smtClean="0"/>
-              <a:t>d’une valeur autorisée</a:t>
+              <a:t>Ajout d’une valeur autorisée</a:t>
             </a:r>
             <a:endParaRPr lang="fr-FR" sz="2400" dirty="0"/>
           </a:p>
@@ -4173,15 +4164,7 @@
                   <a:schemeClr val="tx2"/>
                 </a:solidFill>
               </a:rPr>
-              <a:t>{ "f</a:t>
-            </a:r>
-            <a:r>
-              <a:rPr lang="fr-FR" sz="1200" dirty="0">
-                <a:solidFill>
-                  <a:schemeClr val="tx2"/>
-                </a:solidFill>
-              </a:rPr>
-              <a:t>",		new </a:t>
+              <a:t>{ "f",		new </a:t>
             </a:r>
             <a:r>
               <a:rPr lang="fr-FR" sz="1200" dirty="0" err="1">
@@ -4481,7 +4464,7 @@
 </p:sld>
 </file>
 
-<file path=ppt/slides/slide2.xml><?xml version="1.0" encoding="utf-8"?>
+<file path=ppt/slides/slide12.xml><?xml version="1.0" encoding="utf-8"?>
 <p:sld xmlns:a="http://schemas.openxmlformats.org/drawingml/2006/main" xmlns:r="http://schemas.openxmlformats.org/officeDocument/2006/relationships" xmlns:p="http://schemas.openxmlformats.org/presentationml/2006/main">
   <p:cSld>
     <p:spTree>
@@ -4498,32 +4481,6 @@
           <a:chExt cx="0" cy="0"/>
         </a:xfrm>
       </p:grpSpPr>
-      <p:sp>
-        <p:nvSpPr>
-          <p:cNvPr id="3" name="Espace réservé du contenu 2"/>
-          <p:cNvSpPr>
-            <a:spLocks noGrp="1"/>
-          </p:cNvSpPr>
-          <p:nvPr>
-            <p:ph idx="1"/>
-          </p:nvPr>
-        </p:nvSpPr>
-        <p:spPr>
-          <a:xfrm>
-            <a:off x="457200" y="692696"/>
-            <a:ext cx="8229600" cy="4525963"/>
-          </a:xfrm>
-        </p:spPr>
-        <p:txBody>
-          <a:bodyPr>
-            <a:normAutofit/>
-          </a:bodyPr>
-          <a:lstStyle/>
-          <a:p>
-            <a:endParaRPr lang="fr-FR" sz="1800" dirty="0"/>
-          </a:p>
-        </p:txBody>
-      </p:sp>
       <p:sp>
         <p:nvSpPr>
           <p:cNvPr id="4" name="ZoneTexte 3"/>
@@ -4571,16 +4528,266 @@
           <a:p>
             <a:r>
               <a:rPr lang="fr-FR" sz="2400" dirty="0" smtClean="0"/>
-              <a:t>Sommaire</a:t>
+              <a:t>L’algorithme – 1</a:t>
+            </a:r>
+            <a:r>
+              <a:rPr lang="fr-FR" sz="2400" baseline="30000" dirty="0" smtClean="0"/>
+              <a:t>ère</a:t>
+            </a:r>
+            <a:r>
+              <a:rPr lang="fr-FR" sz="2400" dirty="0" smtClean="0"/>
+              <a:t> partie</a:t>
             </a:r>
             <a:endParaRPr lang="fr-FR" sz="2400" dirty="0"/>
+          </a:p>
+        </p:txBody>
+      </p:sp>
+      <p:sp>
+        <p:nvSpPr>
+          <p:cNvPr id="9" name="ZoneTexte 8"/>
+          <p:cNvSpPr txBox="1"/>
+          <p:nvPr/>
+        </p:nvSpPr>
+        <p:spPr>
+          <a:xfrm>
+            <a:off x="395536" y="1124744"/>
+            <a:ext cx="184731" cy="369332"/>
+          </a:xfrm>
+          <a:prstGeom prst="rect">
+            <a:avLst/>
+          </a:prstGeom>
+          <a:noFill/>
+        </p:spPr>
+        <p:txBody>
+          <a:bodyPr wrap="none" rtlCol="0">
+            <a:spAutoFit/>
+          </a:bodyPr>
+          <a:lstStyle/>
+          <a:p>
+            <a:endParaRPr lang="fr-FR" dirty="0"/>
+          </a:p>
+        </p:txBody>
+      </p:sp>
+      <p:sp>
+        <p:nvSpPr>
+          <p:cNvPr id="2" name="ZoneTexte 1"/>
+          <p:cNvSpPr txBox="1"/>
+          <p:nvPr/>
+        </p:nvSpPr>
+        <p:spPr>
+          <a:xfrm>
+            <a:off x="179513" y="620688"/>
+            <a:ext cx="8712968" cy="2677656"/>
+          </a:xfrm>
+          <a:prstGeom prst="rect">
+            <a:avLst/>
+          </a:prstGeom>
+          <a:noFill/>
+        </p:spPr>
+        <p:txBody>
+          <a:bodyPr wrap="square" rtlCol="0">
+            <a:spAutoFit/>
+          </a:bodyPr>
+          <a:lstStyle/>
+          <a:p>
+            <a:r>
+              <a:rPr lang="fr-FR" sz="1200" dirty="0" smtClean="0"/>
+              <a:t>Tout d’abord </a:t>
+            </a:r>
+            <a:r>
+              <a:rPr lang="fr-FR" sz="1200" dirty="0"/>
+              <a:t>il faut savoir que les paramètres sont transmis au C# dans un tableau de string</a:t>
+            </a:r>
+          </a:p>
+          <a:p>
+            <a:r>
+              <a:rPr lang="fr-FR" sz="1200" dirty="0"/>
+              <a:t> </a:t>
+            </a:r>
+          </a:p>
+          <a:p>
+            <a:r>
+              <a:rPr lang="fr-FR" sz="1200" dirty="0"/>
+              <a:t>Donc pour une ligne comme celle-ci : </a:t>
+            </a:r>
+            <a:r>
+              <a:rPr lang="fr-FR" sz="1200" dirty="0" err="1"/>
+              <a:t>CarMasterCmdExport</a:t>
+            </a:r>
+            <a:r>
+              <a:rPr lang="fr-FR" sz="1200" dirty="0"/>
+              <a:t> « C:\monfichier.json » « C:\Planches » /s:1 /</a:t>
+            </a:r>
+            <a:r>
+              <a:rPr lang="fr-FR" sz="1200" dirty="0" err="1"/>
+              <a:t>f:png</a:t>
+            </a:r>
+            <a:endParaRPr lang="fr-FR" sz="1200" dirty="0"/>
+          </a:p>
+          <a:p>
+            <a:r>
+              <a:rPr lang="fr-FR" sz="1200" dirty="0"/>
+              <a:t>Le C# reçoit le tableau suivant :  { « C:\monfichier.json », « C:\Planches », « /s:1 »,  « /</a:t>
+            </a:r>
+            <a:r>
+              <a:rPr lang="fr-FR" sz="1200" dirty="0" err="1"/>
+              <a:t>f:png</a:t>
+            </a:r>
+            <a:r>
+              <a:rPr lang="fr-FR" sz="1200" dirty="0"/>
+              <a:t> » }</a:t>
+            </a:r>
+          </a:p>
+          <a:p>
+            <a:r>
+              <a:rPr lang="fr-FR" sz="1200" dirty="0"/>
+              <a:t> </a:t>
+            </a:r>
+          </a:p>
+          <a:p>
+            <a:r>
+              <a:rPr lang="fr-FR" sz="1200" dirty="0" smtClean="0"/>
+              <a:t>1 – Instanciation d’un </a:t>
+            </a:r>
+            <a:r>
+              <a:rPr lang="fr-FR" sz="1200" dirty="0"/>
+              <a:t>un objet </a:t>
+            </a:r>
+            <a:r>
+              <a:rPr lang="fr-FR" sz="1200" dirty="0" err="1"/>
+              <a:t>Parameters</a:t>
+            </a:r>
+            <a:r>
+              <a:rPr lang="fr-FR" sz="1200" dirty="0"/>
+              <a:t> dont tous les attributs sont à </a:t>
+            </a:r>
+            <a:r>
+              <a:rPr lang="fr-FR" sz="1200" dirty="0" err="1"/>
+              <a:t>null</a:t>
+            </a:r>
+            <a:r>
+              <a:rPr lang="fr-FR" sz="1200" dirty="0" smtClean="0"/>
+              <a:t>.</a:t>
+            </a:r>
+          </a:p>
+          <a:p>
+            <a:endParaRPr lang="fr-FR" sz="1200" dirty="0"/>
+          </a:p>
+          <a:p>
+            <a:r>
+              <a:rPr lang="fr-FR" sz="1200" dirty="0"/>
+              <a:t>2 – </a:t>
+            </a:r>
+            <a:r>
+              <a:rPr lang="fr-FR" sz="1200" dirty="0" smtClean="0"/>
+              <a:t>On part </a:t>
+            </a:r>
+            <a:r>
+              <a:rPr lang="fr-FR" sz="1200" dirty="0"/>
+              <a:t>du principe que les deux premiers paramètres sont forcément le fichier </a:t>
+            </a:r>
+            <a:r>
+              <a:rPr lang="fr-FR" sz="1200" dirty="0" err="1"/>
+              <a:t>json</a:t>
+            </a:r>
+            <a:r>
+              <a:rPr lang="fr-FR" sz="1200" dirty="0"/>
+              <a:t> et le dossier cible. (c’est peut-être une erreur, mais c’est un parti-pris)</a:t>
+            </a:r>
+          </a:p>
+          <a:p>
+            <a:r>
+              <a:rPr lang="fr-FR" sz="1200" dirty="0"/>
+              <a:t> </a:t>
+            </a:r>
+            <a:r>
+              <a:rPr lang="fr-FR" sz="1200" dirty="0" smtClean="0"/>
+              <a:t>     Récupération de ces deux premiers paramètres, contrôle </a:t>
+            </a:r>
+            <a:r>
+              <a:rPr lang="fr-FR" sz="1200" dirty="0"/>
+              <a:t>que ce sont des chemins qui existes (</a:t>
+            </a:r>
+            <a:r>
+              <a:rPr lang="fr-FR" sz="1200" b="1" dirty="0"/>
+              <a:t>sinon levée d’exception</a:t>
+            </a:r>
+            <a:r>
+              <a:rPr lang="fr-FR" sz="1200" dirty="0"/>
+              <a:t>), </a:t>
+            </a:r>
+            <a:r>
+              <a:rPr lang="fr-FR" sz="1200" dirty="0" smtClean="0"/>
+              <a:t>et alimentation de l’objet </a:t>
+            </a:r>
+            <a:r>
+              <a:rPr lang="fr-FR" sz="1200" dirty="0" err="1"/>
+              <a:t>Parameters</a:t>
+            </a:r>
+            <a:r>
+              <a:rPr lang="fr-FR" sz="1200" dirty="0"/>
+              <a:t>.</a:t>
+            </a:r>
+          </a:p>
+          <a:p>
+            <a:endParaRPr lang="fr-FR" sz="1200" dirty="0" smtClean="0"/>
+          </a:p>
+          <a:p>
+            <a:r>
+              <a:rPr lang="fr-FR" sz="1200" dirty="0" smtClean="0"/>
+              <a:t>4 </a:t>
+            </a:r>
+            <a:r>
+              <a:rPr lang="fr-FR" sz="1200" dirty="0"/>
+              <a:t>– </a:t>
+            </a:r>
+            <a:r>
+              <a:rPr lang="fr-FR" sz="1200" dirty="0" smtClean="0"/>
+              <a:t>Traitement </a:t>
+            </a:r>
+            <a:r>
+              <a:rPr lang="fr-FR" sz="1200" dirty="0"/>
+              <a:t>les paramètres suivants en partant du principe que ce sont tous des options du type </a:t>
+            </a:r>
+            <a:r>
+              <a:rPr lang="fr-FR" sz="1200" b="1" dirty="0"/>
+              <a:t>/&lt;nom&gt; :&lt;valeur&gt;</a:t>
+            </a:r>
+            <a:r>
+              <a:rPr lang="fr-FR" sz="1200" dirty="0"/>
+              <a:t> ou </a:t>
+            </a:r>
+            <a:r>
+              <a:rPr lang="fr-FR" sz="1200" b="1" dirty="0"/>
+              <a:t>/&lt;nom&gt;</a:t>
+            </a:r>
+            <a:r>
+              <a:rPr lang="fr-FR" sz="1200" dirty="0"/>
+              <a:t>. </a:t>
+            </a:r>
+            <a:endParaRPr lang="fr-FR" sz="1200" dirty="0" smtClean="0"/>
+          </a:p>
+          <a:p>
+            <a:r>
+              <a:rPr lang="fr-FR" sz="1200" dirty="0" smtClean="0"/>
+              <a:t>Le </a:t>
+            </a:r>
+            <a:r>
+              <a:rPr lang="fr-FR" sz="1200" dirty="0"/>
+              <a:t>traitement est </a:t>
+            </a:r>
+            <a:r>
+              <a:rPr lang="fr-FR" sz="1200" dirty="0" smtClean="0"/>
+              <a:t>détaillé sur la diapo suivante.</a:t>
+            </a:r>
+            <a:endParaRPr lang="fr-FR" sz="1200" dirty="0"/>
           </a:p>
         </p:txBody>
       </p:sp>
     </p:spTree>
     <p:extLst>
       <p:ext uri="{BB962C8B-B14F-4D97-AF65-F5344CB8AC3E}">
-        <p14:creationId xmlns:p14="http://schemas.microsoft.com/office/powerpoint/2010/main" val="117156479"/>
+        <p14:creationId xmlns:p14="http://schemas.microsoft.com/office/powerpoint/2010/main" val="2387607845"/>
       </p:ext>
     </p:extLst>
   </p:cSld>
@@ -4590,7 +4797,7 @@
 </p:sld>
 </file>
 
-<file path=ppt/slides/slide3.xml><?xml version="1.0" encoding="utf-8"?>
+<file path=ppt/slides/slide13.xml><?xml version="1.0" encoding="utf-8"?>
 <p:sld xmlns:a="http://schemas.openxmlformats.org/drawingml/2006/main" xmlns:r="http://schemas.openxmlformats.org/officeDocument/2006/relationships" xmlns:p="http://schemas.openxmlformats.org/presentationml/2006/main">
   <p:cSld>
     <p:spTree>
@@ -4654,7 +4861,15 @@
           <a:p>
             <a:r>
               <a:rPr lang="fr-FR" sz="2400" dirty="0" smtClean="0"/>
-              <a:t>La ligne de commande</a:t>
+              <a:t>L’algorithme – 1</a:t>
+            </a:r>
+            <a:r>
+              <a:rPr lang="fr-FR" sz="2400" baseline="30000" dirty="0" smtClean="0"/>
+              <a:t>ère</a:t>
+            </a:r>
+            <a:r>
+              <a:rPr lang="fr-FR" sz="2400" dirty="0" smtClean="0"/>
+              <a:t> partie – Traitement des options</a:t>
             </a:r>
             <a:endParaRPr lang="fr-FR" sz="2400" dirty="0"/>
           </a:p>
@@ -4688,14 +4903,14 @@
       </p:sp>
       <p:sp>
         <p:nvSpPr>
-          <p:cNvPr id="3" name="ZoneTexte 2"/>
+          <p:cNvPr id="2" name="ZoneTexte 1"/>
           <p:cNvSpPr txBox="1"/>
           <p:nvPr/>
         </p:nvSpPr>
         <p:spPr>
           <a:xfrm>
-            <a:off x="292235" y="739868"/>
-            <a:ext cx="8528237" cy="2677656"/>
+            <a:off x="179513" y="620688"/>
+            <a:ext cx="8712968" cy="5262979"/>
           </a:xfrm>
           <a:prstGeom prst="rect">
             <a:avLst/>
@@ -4709,189 +4924,478 @@
           <a:lstStyle/>
           <a:p>
             <a:r>
-              <a:rPr lang="fr-FR" sz="1200" dirty="0" smtClean="0"/>
-              <a:t>La ligne de commande est composé de quatre éléments :</a:t>
+              <a:rPr lang="fr-FR" sz="1200" dirty="0"/>
+              <a:t>A partir de l’indice 2, </a:t>
+            </a:r>
+            <a:r>
+              <a:rPr lang="fr-FR" sz="1200" dirty="0" smtClean="0"/>
+              <a:t>le tableau des arguments (ou paramètres) est parcouru </a:t>
+            </a:r>
+            <a:r>
+              <a:rPr lang="fr-FR" sz="1200" dirty="0"/>
+              <a:t>et pour chaque paramètre </a:t>
+            </a:r>
+            <a:r>
+              <a:rPr lang="fr-FR" sz="1200" dirty="0" smtClean="0"/>
+              <a:t>:</a:t>
             </a:r>
           </a:p>
           <a:p>
             <a:endParaRPr lang="fr-FR" sz="1200" dirty="0"/>
           </a:p>
           <a:p>
-            <a:pPr marL="285750" indent="-285750">
+            <a:pPr marL="171450" lvl="0" indent="-171450">
               <a:buFont typeface="Arial" panose="020B0604020202020204" pitchFamily="34" charset="0"/>
               <a:buChar char="•"/>
             </a:pPr>
             <a:r>
-              <a:rPr lang="fr-FR" sz="1200" dirty="0" smtClean="0"/>
-              <a:t>Le nom </a:t>
-            </a:r>
-            <a:r>
-              <a:rPr lang="fr-FR" sz="1200" dirty="0"/>
-              <a:t>du programme : </a:t>
+              <a:rPr lang="fr-FR" sz="1200" dirty="0"/>
+              <a:t>Extraction du nom du paramètre qui est </a:t>
+            </a:r>
+            <a:r>
+              <a:rPr lang="fr-FR" sz="1200" dirty="0" smtClean="0"/>
+              <a:t>:</a:t>
+            </a:r>
+            <a:endParaRPr lang="fr-FR" sz="1200" dirty="0"/>
+          </a:p>
+          <a:p>
+            <a:pPr marL="628650" lvl="1" indent="-171450">
+              <a:buFont typeface="Arial" panose="020B0604020202020204" pitchFamily="34" charset="0"/>
+              <a:buChar char="•"/>
+            </a:pPr>
+            <a:r>
+              <a:rPr lang="fr-FR" sz="1200" dirty="0"/>
+              <a:t>La sous-chaîne après « / » et avant « : » pour les paramètres qui ont une valeur (qui ont un « : »)</a:t>
+            </a:r>
+          </a:p>
+          <a:p>
+            <a:pPr marL="628650" lvl="1" indent="-171450">
+              <a:buFont typeface="Arial" panose="020B0604020202020204" pitchFamily="34" charset="0"/>
+              <a:buChar char="•"/>
+            </a:pPr>
+            <a:r>
+              <a:rPr lang="fr-FR" sz="1200" dirty="0"/>
+              <a:t>La sous-chaîne après « / » pour les paramètres qui n’ont pas de valeur  (qui n’ont pas de « : </a:t>
+            </a:r>
+            <a:r>
+              <a:rPr lang="fr-FR" sz="1200" dirty="0" smtClean="0"/>
+              <a:t>»)</a:t>
+            </a:r>
+            <a:endParaRPr lang="fr-FR" sz="1200" dirty="0"/>
+          </a:p>
+          <a:p>
+            <a:pPr marL="171450" lvl="0" indent="-171450">
+              <a:buFont typeface="Arial" panose="020B0604020202020204" pitchFamily="34" charset="0"/>
+              <a:buChar char="•"/>
+            </a:pPr>
+            <a:r>
+              <a:rPr lang="fr-FR" sz="1200" dirty="0"/>
+              <a:t>Extraction de la valeur du paramètre qui est </a:t>
+            </a:r>
+            <a:r>
+              <a:rPr lang="fr-FR" sz="1200" dirty="0" smtClean="0"/>
+              <a:t> :</a:t>
+            </a:r>
+            <a:endParaRPr lang="fr-FR" sz="1200" dirty="0"/>
+          </a:p>
+          <a:p>
+            <a:pPr marL="628650" lvl="1" indent="-171450">
+              <a:buFont typeface="Arial" panose="020B0604020202020204" pitchFamily="34" charset="0"/>
+              <a:buChar char="•"/>
+            </a:pPr>
+            <a:r>
+              <a:rPr lang="fr-FR" sz="1200" dirty="0"/>
+              <a:t>Si il y a « : », la sous-chaine après « : »</a:t>
+            </a:r>
+          </a:p>
+          <a:p>
+            <a:pPr marL="628650" lvl="1" indent="-171450">
+              <a:buFont typeface="Arial" panose="020B0604020202020204" pitchFamily="34" charset="0"/>
+              <a:buChar char="•"/>
+            </a:pPr>
+            <a:r>
+              <a:rPr lang="fr-FR" sz="1200" dirty="0"/>
+              <a:t>Si il n’y a pas « : », on a affaire à un paramètre de type booléen et sa présence seule signifie que la valeur du booléen est à vrai (Note, un paramètre booléen ne peut être un paramètre obligatoire (ah… en écrivant cette phrase, je crois qu’il y a une coquille dans mon code J</a:t>
+            </a:r>
+            <a:r>
+              <a:rPr lang="fr-FR" sz="1200" dirty="0" smtClean="0"/>
+              <a:t>)).</a:t>
+            </a:r>
+            <a:endParaRPr lang="fr-FR" sz="1200" dirty="0"/>
+          </a:p>
+          <a:p>
+            <a:pPr marL="171450" lvl="0" indent="-171450">
+              <a:buFont typeface="Arial" panose="020B0604020202020204" pitchFamily="34" charset="0"/>
+              <a:buChar char="•"/>
+            </a:pPr>
+            <a:r>
+              <a:rPr lang="fr-FR" sz="1200" dirty="0" smtClean="0"/>
+              <a:t>Recherche du </a:t>
+            </a:r>
+            <a:r>
+              <a:rPr lang="fr-FR" sz="1200" dirty="0"/>
+              <a:t>nom </a:t>
+            </a:r>
+            <a:r>
+              <a:rPr lang="fr-FR" sz="1200" dirty="0" smtClean="0"/>
+              <a:t>du paramètre dans </a:t>
+            </a:r>
+            <a:r>
+              <a:rPr lang="fr-FR" sz="1200" dirty="0"/>
+              <a:t>le </a:t>
+            </a:r>
+            <a:r>
+              <a:rPr lang="fr-FR" sz="1200" dirty="0" err="1"/>
+              <a:t>dictionnary</a:t>
+            </a:r>
+            <a:r>
+              <a:rPr lang="fr-FR" sz="1200" dirty="0"/>
+              <a:t> (les noms servent de clé</a:t>
+            </a:r>
+            <a:r>
+              <a:rPr lang="fr-FR" sz="1200" dirty="0" smtClean="0"/>
+              <a:t>).</a:t>
+            </a:r>
+            <a:endParaRPr lang="fr-FR" sz="1200" dirty="0"/>
+          </a:p>
+          <a:p>
+            <a:pPr marL="171450" lvl="0" indent="-171450">
+              <a:buFont typeface="Arial" panose="020B0604020202020204" pitchFamily="34" charset="0"/>
+              <a:buChar char="•"/>
+            </a:pPr>
+            <a:r>
+              <a:rPr lang="fr-FR" sz="1200" dirty="0"/>
+              <a:t>Si le nom du paramètre saisi n’est pas dans le </a:t>
+            </a:r>
+            <a:r>
+              <a:rPr lang="fr-FR" sz="1200" dirty="0" err="1"/>
+              <a:t>dictionnary</a:t>
+            </a:r>
+            <a:r>
+              <a:rPr lang="fr-FR" sz="1200" dirty="0"/>
+              <a:t>, </a:t>
+            </a:r>
+            <a:r>
+              <a:rPr lang="fr-FR" sz="1200" b="1" dirty="0" smtClean="0"/>
+              <a:t>une exception est levée.</a:t>
+            </a:r>
+            <a:endParaRPr lang="fr-FR" sz="1200" dirty="0"/>
+          </a:p>
+          <a:p>
+            <a:pPr marL="171450" lvl="0" indent="-171450">
+              <a:buFont typeface="Arial" panose="020B0604020202020204" pitchFamily="34" charset="0"/>
+              <a:buChar char="•"/>
+            </a:pPr>
+            <a:r>
+              <a:rPr lang="fr-FR" sz="1200" dirty="0" smtClean="0"/>
+              <a:t>Récupération du </a:t>
+            </a:r>
+            <a:r>
+              <a:rPr lang="fr-FR" sz="1200" dirty="0" err="1"/>
+              <a:t>PrmInfos</a:t>
+            </a:r>
+            <a:r>
+              <a:rPr lang="fr-FR" sz="1200" dirty="0"/>
+              <a:t> ou </a:t>
+            </a:r>
+            <a:r>
+              <a:rPr lang="fr-FR" sz="1200" dirty="0" err="1"/>
+              <a:t>OptPrmInfo</a:t>
+            </a:r>
+            <a:r>
+              <a:rPr lang="fr-FR" sz="1200" dirty="0"/>
+              <a:t> qui est en valeur dans le </a:t>
             </a:r>
             <a:r>
               <a:rPr lang="fr-FR" sz="1200" dirty="0" err="1" smtClean="0"/>
-              <a:t>CardMasterCmdExport</a:t>
-            </a:r>
-            <a:endParaRPr lang="fr-FR" sz="1200" dirty="0" smtClean="0"/>
-          </a:p>
-          <a:p>
-            <a:pPr marL="285750" indent="-285750">
+              <a:t>Dictionnary</a:t>
+            </a:r>
+            <a:r>
+              <a:rPr lang="fr-FR" sz="1200" dirty="0" smtClean="0"/>
+              <a:t>. Ce </a:t>
+            </a:r>
+            <a:r>
+              <a:rPr lang="fr-FR" sz="1200" dirty="0" err="1"/>
+              <a:t>PrmInfos</a:t>
+            </a:r>
+            <a:r>
+              <a:rPr lang="fr-FR" sz="1200" dirty="0"/>
+              <a:t> ou </a:t>
+            </a:r>
+            <a:r>
+              <a:rPr lang="fr-FR" sz="1200" dirty="0" err="1"/>
+              <a:t>OptPrmInfo</a:t>
+            </a:r>
+            <a:r>
+              <a:rPr lang="fr-FR" sz="1200" dirty="0"/>
+              <a:t> contient </a:t>
+            </a:r>
+            <a:r>
+              <a:rPr lang="fr-FR" sz="1200" dirty="0" smtClean="0"/>
+              <a:t>entre autre le </a:t>
+            </a:r>
+            <a:r>
+              <a:rPr lang="fr-FR" sz="1200" dirty="0"/>
+              <a:t>nom de l’attribut à alimenter sur </a:t>
+            </a:r>
+            <a:r>
+              <a:rPr lang="fr-FR" sz="1200" dirty="0" smtClean="0"/>
+              <a:t>l’objet </a:t>
+            </a:r>
+            <a:r>
+              <a:rPr lang="fr-FR" sz="1200" dirty="0" err="1" smtClean="0"/>
+              <a:t>Parameters</a:t>
+            </a:r>
+            <a:r>
+              <a:rPr lang="fr-FR" sz="1200" dirty="0"/>
+              <a:t>.</a:t>
+            </a:r>
+          </a:p>
+          <a:p>
+            <a:pPr marL="171450" lvl="0" indent="-171450">
+              <a:buFont typeface="Arial" panose="020B0604020202020204" pitchFamily="34" charset="0"/>
+              <a:buChar char="•"/>
+            </a:pPr>
+            <a:r>
+              <a:rPr lang="fr-FR" sz="1200" dirty="0"/>
+              <a:t>Avec le nom de l’attribut et par réflexion </a:t>
+            </a:r>
+            <a:r>
+              <a:rPr lang="fr-FR" sz="1200" dirty="0" smtClean="0"/>
+              <a:t>récupération du </a:t>
+            </a:r>
+            <a:r>
+              <a:rPr lang="fr-FR" sz="1200" dirty="0"/>
+              <a:t>setter du </a:t>
+            </a:r>
+            <a:r>
+              <a:rPr lang="fr-FR" sz="1200" dirty="0" err="1"/>
+              <a:t>Parameters</a:t>
+            </a:r>
+            <a:r>
+              <a:rPr lang="fr-FR" sz="1200" dirty="0"/>
+              <a:t> correspondant à </a:t>
+            </a:r>
+            <a:r>
+              <a:rPr lang="fr-FR" sz="1200" dirty="0" smtClean="0"/>
+              <a:t>l’attribut.</a:t>
+            </a:r>
+            <a:endParaRPr lang="fr-FR" sz="1200" dirty="0"/>
+          </a:p>
+          <a:p>
+            <a:pPr marL="171450" lvl="0" indent="-171450">
+              <a:buFont typeface="Arial" panose="020B0604020202020204" pitchFamily="34" charset="0"/>
+              <a:buChar char="•"/>
+            </a:pPr>
+            <a:r>
+              <a:rPr lang="fr-FR" sz="1200" dirty="0"/>
+              <a:t>Par réflexion, </a:t>
+            </a:r>
+            <a:r>
+              <a:rPr lang="fr-FR" sz="1200" dirty="0" smtClean="0"/>
+              <a:t>récupération sur le setter du </a:t>
+            </a:r>
+            <a:r>
+              <a:rPr lang="fr-FR" sz="1200" dirty="0"/>
+              <a:t>type de paramètre attendu </a:t>
+            </a:r>
+            <a:r>
+              <a:rPr lang="fr-FR" sz="1200" dirty="0" smtClean="0"/>
+              <a:t>(type </a:t>
+            </a:r>
+            <a:r>
+              <a:rPr lang="fr-FR" sz="1200" dirty="0"/>
+              <a:t>du paramètre à passer au setter</a:t>
+            </a:r>
+            <a:r>
+              <a:rPr lang="fr-FR" sz="1200" dirty="0" smtClean="0"/>
+              <a:t>).</a:t>
+            </a:r>
+            <a:endParaRPr lang="fr-FR" sz="1200" dirty="0"/>
+          </a:p>
+          <a:p>
+            <a:pPr marL="171450" lvl="0" indent="-171450">
+              <a:buFont typeface="Arial" panose="020B0604020202020204" pitchFamily="34" charset="0"/>
+              <a:buChar char="•"/>
+            </a:pPr>
+            <a:r>
+              <a:rPr lang="fr-FR" sz="1200" dirty="0" smtClean="0"/>
+              <a:t>Si </a:t>
+            </a:r>
+            <a:r>
+              <a:rPr lang="fr-FR" sz="1200" dirty="0"/>
+              <a:t>la valeur ne correspond </a:t>
+            </a:r>
+            <a:r>
+              <a:rPr lang="fr-FR" sz="1200" dirty="0" smtClean="0"/>
+              <a:t>pas au type attendu alors </a:t>
+            </a:r>
+            <a:r>
+              <a:rPr lang="fr-FR" sz="1200" b="1" dirty="0" smtClean="0"/>
+              <a:t>levé d’une </a:t>
+            </a:r>
+            <a:r>
+              <a:rPr lang="fr-FR" sz="1200" b="1" dirty="0"/>
+              <a:t>erreur</a:t>
+            </a:r>
+            <a:r>
+              <a:rPr lang="fr-FR" sz="1200" dirty="0"/>
+              <a:t> (le seul cas où </a:t>
+            </a:r>
+            <a:r>
+              <a:rPr lang="fr-FR" sz="1200" dirty="0" smtClean="0"/>
+              <a:t>c’est testé c’est </a:t>
+            </a:r>
+            <a:r>
+              <a:rPr lang="fr-FR" sz="1200" dirty="0"/>
+              <a:t>si </a:t>
+            </a:r>
+            <a:r>
+              <a:rPr lang="fr-FR" sz="1200" dirty="0" smtClean="0"/>
+              <a:t>un </a:t>
+            </a:r>
+            <a:r>
+              <a:rPr lang="fr-FR" sz="1200" dirty="0" err="1"/>
+              <a:t>int</a:t>
+            </a:r>
+            <a:r>
+              <a:rPr lang="fr-FR" sz="1200" dirty="0"/>
+              <a:t> </a:t>
+            </a:r>
+            <a:r>
+              <a:rPr lang="fr-FR" sz="1200" dirty="0" smtClean="0"/>
+              <a:t>est attendu et </a:t>
+            </a:r>
+            <a:r>
+              <a:rPr lang="fr-FR" sz="1200" dirty="0"/>
+              <a:t>que la valeur n’en est pas un</a:t>
+            </a:r>
+            <a:r>
+              <a:rPr lang="fr-FR" sz="1200" dirty="0" smtClean="0"/>
+              <a:t>).</a:t>
+            </a:r>
+            <a:endParaRPr lang="fr-FR" sz="1200" dirty="0"/>
+          </a:p>
+          <a:p>
+            <a:pPr marL="171450" lvl="0" indent="-171450">
+              <a:buFont typeface="Arial" panose="020B0604020202020204" pitchFamily="34" charset="0"/>
+              <a:buChar char="•"/>
+            </a:pPr>
+            <a:r>
+              <a:rPr lang="fr-FR" sz="1200" dirty="0"/>
+              <a:t>Si </a:t>
+            </a:r>
+            <a:r>
+              <a:rPr lang="fr-FR" sz="1200" dirty="0" smtClean="0"/>
+              <a:t>le </a:t>
+            </a:r>
+            <a:r>
+              <a:rPr lang="fr-FR" sz="1200" dirty="0" err="1" smtClean="0"/>
+              <a:t>PrmInfos</a:t>
+            </a:r>
+            <a:r>
+              <a:rPr lang="fr-FR" sz="1200" dirty="0" smtClean="0"/>
+              <a:t> </a:t>
+            </a:r>
+            <a:r>
+              <a:rPr lang="fr-FR" sz="1200" dirty="0"/>
+              <a:t>ou </a:t>
+            </a:r>
+            <a:r>
+              <a:rPr lang="fr-FR" sz="1200" dirty="0" err="1"/>
+              <a:t>OptPrmInfos</a:t>
+            </a:r>
+            <a:r>
+              <a:rPr lang="fr-FR" sz="1200" dirty="0"/>
+              <a:t> a une liste de valeurs autorisées, je vérifie que la valeur est dans cette liste, si elle n’y est pas </a:t>
+            </a:r>
+            <a:r>
+              <a:rPr lang="fr-FR" sz="1200" b="1" dirty="0" smtClean="0"/>
+              <a:t>une erreur est levée.</a:t>
+            </a:r>
+            <a:endParaRPr lang="fr-FR" sz="1200" dirty="0"/>
+          </a:p>
+          <a:p>
+            <a:pPr marL="171450" lvl="0" indent="-171450">
+              <a:buFont typeface="Arial" panose="020B0604020202020204" pitchFamily="34" charset="0"/>
+              <a:buChar char="•"/>
+            </a:pPr>
+            <a:r>
+              <a:rPr lang="fr-FR" sz="1200" dirty="0"/>
+              <a:t>Par réflexion toujours, </a:t>
+            </a:r>
+            <a:r>
+              <a:rPr lang="fr-FR" sz="1200" dirty="0" smtClean="0"/>
+              <a:t>alimentation de </a:t>
+            </a:r>
+            <a:r>
+              <a:rPr lang="fr-FR" sz="1200" dirty="0"/>
+              <a:t>l’attribut du </a:t>
+            </a:r>
+            <a:r>
+              <a:rPr lang="fr-FR" sz="1200" dirty="0" err="1"/>
+              <a:t>Parameters</a:t>
+            </a:r>
+            <a:r>
+              <a:rPr lang="fr-FR" sz="1200" dirty="0"/>
+              <a:t> via le setter avec la valeur trouvée plus </a:t>
+            </a:r>
+            <a:r>
+              <a:rPr lang="fr-FR" sz="1200" dirty="0" smtClean="0"/>
+              <a:t>haut.</a:t>
+            </a:r>
+            <a:endParaRPr lang="fr-FR" sz="1200" dirty="0"/>
+          </a:p>
+          <a:p>
+            <a:pPr marL="171450" indent="-171450">
               <a:buFont typeface="Arial" panose="020B0604020202020204" pitchFamily="34" charset="0"/>
               <a:buChar char="•"/>
             </a:pPr>
             <a:endParaRPr lang="fr-FR" sz="1200" dirty="0"/>
           </a:p>
           <a:p>
-            <a:pPr marL="285750" indent="-285750">
-              <a:buFont typeface="Arial" panose="020B0604020202020204" pitchFamily="34" charset="0"/>
-              <a:buChar char="•"/>
-            </a:pPr>
-            <a:r>
-              <a:rPr lang="fr-FR" sz="1200" dirty="0" smtClean="0"/>
-              <a:t>Le chemin du fichier du projet </a:t>
-            </a:r>
-            <a:r>
-              <a:rPr lang="fr-FR" sz="1200" dirty="0" err="1" smtClean="0"/>
-              <a:t>json</a:t>
-            </a:r>
-            <a:endParaRPr lang="fr-FR" sz="1200" dirty="0" smtClean="0"/>
-          </a:p>
-          <a:p>
-            <a:pPr marL="285750" indent="-285750">
-              <a:buFont typeface="Arial" panose="020B0604020202020204" pitchFamily="34" charset="0"/>
-              <a:buChar char="•"/>
-            </a:pPr>
+            <a:r>
+              <a:rPr lang="fr-FR" sz="1200" dirty="0"/>
+              <a:t>A partir de là soit une erreur a été levée, soit tous les paramètres saisis sur la ligne de commande ont été posés sur mon objet </a:t>
+            </a:r>
+            <a:r>
+              <a:rPr lang="fr-FR" sz="1200" dirty="0" err="1"/>
+              <a:t>Parameters</a:t>
+            </a:r>
+            <a:r>
+              <a:rPr lang="fr-FR" sz="1200" dirty="0" smtClean="0"/>
+              <a:t>.</a:t>
+            </a:r>
+          </a:p>
+          <a:p>
             <a:endParaRPr lang="fr-FR" sz="1200" dirty="0"/>
           </a:p>
           <a:p>
-            <a:pPr marL="285750" indent="-285750">
-              <a:buFont typeface="Arial" panose="020B0604020202020204" pitchFamily="34" charset="0"/>
-              <a:buChar char="•"/>
-            </a:pPr>
-            <a:r>
-              <a:rPr lang="fr-FR" sz="1200" dirty="0" smtClean="0"/>
-              <a:t>Le chemin de destination</a:t>
-            </a:r>
-          </a:p>
-          <a:p>
-            <a:pPr marL="285750" indent="-285750">
-              <a:buFont typeface="Arial" panose="020B0604020202020204" pitchFamily="34" charset="0"/>
-              <a:buChar char="•"/>
-            </a:pPr>
+            <a:r>
+              <a:rPr lang="fr-FR" sz="1200" dirty="0"/>
+              <a:t>Déjà on est pas mal</a:t>
+            </a:r>
+            <a:r>
+              <a:rPr lang="fr-FR" sz="1200" dirty="0" smtClean="0"/>
+              <a:t>.</a:t>
+            </a:r>
+          </a:p>
+          <a:p>
             <a:endParaRPr lang="fr-FR" sz="1200" dirty="0"/>
           </a:p>
           <a:p>
-            <a:pPr marL="285750" indent="-285750">
-              <a:buFont typeface="Arial" panose="020B0604020202020204" pitchFamily="34" charset="0"/>
-              <a:buChar char="•"/>
-            </a:pPr>
-            <a:r>
-              <a:rPr lang="fr-FR" sz="1200" dirty="0" smtClean="0"/>
-              <a:t>Les paramètres d’exportation</a:t>
-            </a:r>
-          </a:p>
-          <a:p>
-            <a:pPr marL="285750" indent="-285750">
-              <a:buFont typeface="Arial" panose="020B0604020202020204" pitchFamily="34" charset="0"/>
-              <a:buChar char="•"/>
-            </a:pPr>
-            <a:endParaRPr lang="fr-FR" sz="1200" dirty="0" smtClean="0"/>
-          </a:p>
-          <a:p>
-            <a:pPr marL="285750" indent="-285750">
-              <a:buFont typeface="Arial" panose="020B0604020202020204" pitchFamily="34" charset="0"/>
-              <a:buChar char="•"/>
-            </a:pPr>
+            <a:r>
+              <a:rPr lang="fr-FR" sz="1200" dirty="0" smtClean="0"/>
+              <a:t>Voyons la diapo suivante pour la deuxième partie.</a:t>
+            </a:r>
             <a:endParaRPr lang="fr-FR" sz="1200" dirty="0"/>
-          </a:p>
-          <a:p>
-            <a:r>
-              <a:rPr lang="fr-FR" sz="1200" dirty="0" smtClean="0"/>
-              <a:t>Ce qui donne par exemple : </a:t>
-            </a:r>
-          </a:p>
-          <a:p>
-            <a:endParaRPr lang="fr-FR" sz="1200" dirty="0"/>
-          </a:p>
-          <a:p>
-            <a:pPr algn="ctr"/>
-            <a:r>
-              <a:rPr lang="fr-FR" sz="1200" dirty="0" err="1" smtClean="0">
-                <a:solidFill>
-                  <a:schemeClr val="tx2"/>
-                </a:solidFill>
-              </a:rPr>
-              <a:t>CardMasterCmdExport</a:t>
-            </a:r>
-            <a:r>
-              <a:rPr lang="fr-FR" sz="1200" dirty="0" smtClean="0">
-                <a:solidFill>
-                  <a:schemeClr val="tx2"/>
-                </a:solidFill>
-              </a:rPr>
-              <a:t> "C:\Naruto.json</a:t>
-            </a:r>
-            <a:r>
-              <a:rPr lang="fr-FR" sz="1200" dirty="0">
-                <a:solidFill>
-                  <a:schemeClr val="tx2"/>
-                </a:solidFill>
-              </a:rPr>
-              <a:t>" "</a:t>
-            </a:r>
-            <a:r>
-              <a:rPr lang="fr-FR" sz="1200" dirty="0" smtClean="0">
-                <a:solidFill>
-                  <a:schemeClr val="tx2"/>
-                </a:solidFill>
-              </a:rPr>
-              <a:t>F:\Planches\" </a:t>
-            </a:r>
-            <a:r>
-              <a:rPr lang="fr-FR" sz="1200" dirty="0">
-                <a:solidFill>
-                  <a:schemeClr val="tx2"/>
-                </a:solidFill>
-              </a:rPr>
-              <a:t>/</a:t>
-            </a:r>
-            <a:r>
-              <a:rPr lang="fr-FR" sz="1200" dirty="0" err="1">
-                <a:solidFill>
-                  <a:schemeClr val="tx2"/>
-                </a:solidFill>
-              </a:rPr>
-              <a:t>m:board</a:t>
-            </a:r>
-            <a:r>
-              <a:rPr lang="fr-FR" sz="1200" dirty="0">
-                <a:solidFill>
-                  <a:schemeClr val="tx2"/>
-                </a:solidFill>
-              </a:rPr>
-              <a:t> /s:1 /</a:t>
-            </a:r>
-            <a:r>
-              <a:rPr lang="fr-FR" sz="1200" dirty="0" err="1">
-                <a:solidFill>
-                  <a:schemeClr val="tx2"/>
-                </a:solidFill>
-              </a:rPr>
-              <a:t>backside</a:t>
-            </a:r>
-            <a:endParaRPr lang="fr-FR" sz="1200" dirty="0">
-              <a:solidFill>
-                <a:schemeClr val="tx2"/>
-              </a:solidFill>
-            </a:endParaRPr>
           </a:p>
         </p:txBody>
       </p:sp>
     </p:spTree>
     <p:extLst>
       <p:ext uri="{BB962C8B-B14F-4D97-AF65-F5344CB8AC3E}">
-        <p14:creationId xmlns:p14="http://schemas.microsoft.com/office/powerpoint/2010/main" val="3344874847"/>
+        <p14:creationId xmlns:p14="http://schemas.microsoft.com/office/powerpoint/2010/main" val="780484362"/>
       </p:ext>
     </p:extLst>
   </p:cSld>
@@ -4901,7 +5405,7 @@
 </p:sld>
 </file>
 
-<file path=ppt/slides/slide4.xml><?xml version="1.0" encoding="utf-8"?>
+<file path=ppt/slides/slide14.xml><?xml version="1.0" encoding="utf-8"?>
 <p:sld xmlns:a="http://schemas.openxmlformats.org/drawingml/2006/main" xmlns:r="http://schemas.openxmlformats.org/officeDocument/2006/relationships" xmlns:p="http://schemas.openxmlformats.org/presentationml/2006/main">
   <p:cSld>
     <p:spTree>
@@ -4965,11 +5469,7 @@
           <a:p>
             <a:r>
               <a:rPr lang="fr-FR" sz="2400" dirty="0" smtClean="0"/>
-              <a:t>Les </a:t>
-            </a:r>
-            <a:r>
-              <a:rPr lang="fr-FR" sz="2400" dirty="0" smtClean="0"/>
-              <a:t>paramètres</a:t>
+              <a:t>L’algorithme – 2ème partie</a:t>
             </a:r>
             <a:endParaRPr lang="fr-FR" sz="2400" dirty="0"/>
           </a:p>
@@ -5003,14 +5503,14 @@
       </p:sp>
       <p:sp>
         <p:nvSpPr>
-          <p:cNvPr id="10" name="ZoneTexte 9"/>
+          <p:cNvPr id="2" name="ZoneTexte 1"/>
           <p:cNvSpPr txBox="1"/>
           <p:nvPr/>
         </p:nvSpPr>
         <p:spPr>
           <a:xfrm>
-            <a:off x="251521" y="671691"/>
-            <a:ext cx="8784976" cy="6001643"/>
+            <a:off x="179513" y="620688"/>
+            <a:ext cx="8712968" cy="6186309"/>
           </a:xfrm>
           <a:prstGeom prst="rect">
             <a:avLst/>
@@ -5025,375 +5525,625 @@
           <a:p>
             <a:r>
               <a:rPr lang="fr-FR" sz="1200" dirty="0" smtClean="0"/>
-              <a:t>Les paramètres sont préfixés de « / » et permettent de définir comment sera effectué l’exportation.</a:t>
-            </a:r>
-          </a:p>
-          <a:p>
-            <a:endParaRPr lang="fr-FR" sz="1200" u="sng" dirty="0" smtClean="0"/>
-          </a:p>
-          <a:p>
-            <a:endParaRPr lang="fr-FR" sz="1200" u="sng" dirty="0" smtClean="0"/>
-          </a:p>
-          <a:p>
-            <a:r>
-              <a:rPr lang="fr-FR" sz="1200" u="sng" dirty="0" smtClean="0"/>
-              <a:t>Il </a:t>
-            </a:r>
-            <a:r>
-              <a:rPr lang="fr-FR" sz="1200" u="sng" dirty="0" smtClean="0"/>
-              <a:t>existe deux sortes de paramètres :</a:t>
-            </a:r>
-          </a:p>
-          <a:p>
-            <a:pPr marL="171450" indent="-171450">
+              <a:t>L’objet </a:t>
+            </a:r>
+            <a:r>
+              <a:rPr lang="fr-FR" sz="1200" dirty="0" err="1"/>
+              <a:t>parameters</a:t>
+            </a:r>
+            <a:r>
+              <a:rPr lang="fr-FR" sz="1200" dirty="0"/>
+              <a:t> dont tous les attributs sont initialisé à </a:t>
+            </a:r>
+            <a:r>
+              <a:rPr lang="fr-FR" sz="1200" dirty="0" err="1"/>
+              <a:t>null</a:t>
+            </a:r>
+            <a:r>
+              <a:rPr lang="fr-FR" sz="1200" dirty="0"/>
+              <a:t> (donc tous </a:t>
+            </a:r>
+            <a:r>
+              <a:rPr lang="fr-FR" sz="1200" dirty="0" err="1"/>
+              <a:t>Nullable</a:t>
+            </a:r>
+            <a:r>
+              <a:rPr lang="fr-FR" sz="1200" dirty="0"/>
+              <a:t>) ne peut, à la fin de </a:t>
+            </a:r>
+            <a:r>
+              <a:rPr lang="fr-FR" sz="1200" dirty="0" smtClean="0"/>
+              <a:t>l’</a:t>
+            </a:r>
+            <a:r>
+              <a:rPr lang="fr-FR" sz="1200" dirty="0" err="1" smtClean="0"/>
+              <a:t>algo</a:t>
+            </a:r>
+            <a:r>
+              <a:rPr lang="fr-FR" sz="1200" dirty="0" smtClean="0"/>
+              <a:t> </a:t>
+            </a:r>
+            <a:r>
+              <a:rPr lang="fr-FR" sz="1200" dirty="0"/>
+              <a:t>avoir un des attributs qui reste à </a:t>
+            </a:r>
+            <a:r>
+              <a:rPr lang="fr-FR" sz="1200" dirty="0" err="1"/>
+              <a:t>null</a:t>
+            </a:r>
+            <a:r>
+              <a:rPr lang="fr-FR" sz="1200" dirty="0"/>
+              <a:t>, sinon c’est qu’il y a un problème dans la ligne de commande.</a:t>
+            </a:r>
+          </a:p>
+          <a:p>
+            <a:r>
+              <a:rPr lang="fr-FR" sz="1200" dirty="0"/>
+              <a:t>Donc la suite </a:t>
+            </a:r>
+            <a:r>
+              <a:rPr lang="fr-FR" sz="1200" dirty="0" smtClean="0"/>
+              <a:t>va faire en sorte que l’objet </a:t>
+            </a:r>
+            <a:r>
+              <a:rPr lang="fr-FR" sz="1200" dirty="0" err="1" smtClean="0"/>
+              <a:t>Parameters</a:t>
+            </a:r>
+            <a:r>
+              <a:rPr lang="fr-FR" sz="1200" dirty="0" smtClean="0"/>
+              <a:t> soit complet</a:t>
+            </a:r>
+            <a:r>
+              <a:rPr lang="fr-FR" sz="1200" dirty="0"/>
+              <a:t> :</a:t>
+            </a:r>
+          </a:p>
+          <a:p>
+            <a:r>
+              <a:rPr lang="fr-FR" sz="1200" dirty="0"/>
+              <a:t> </a:t>
+            </a:r>
+          </a:p>
+          <a:p>
+            <a:pPr marL="171450" lvl="0" indent="-171450">
               <a:buFont typeface="Arial" panose="020B0604020202020204" pitchFamily="34" charset="0"/>
               <a:buChar char="•"/>
             </a:pPr>
-            <a:endParaRPr lang="fr-FR" sz="1200" dirty="0" smtClean="0"/>
-          </a:p>
-          <a:p>
-            <a:pPr marL="171450" indent="-171450">
+            <a:r>
+              <a:rPr lang="fr-FR" sz="1200" dirty="0" smtClean="0"/>
+              <a:t>Boucle </a:t>
+            </a:r>
+            <a:r>
+              <a:rPr lang="fr-FR" sz="1200" dirty="0"/>
+              <a:t>sur tous les </a:t>
+            </a:r>
+            <a:r>
+              <a:rPr lang="fr-FR" sz="1200" dirty="0" err="1"/>
+              <a:t>PrmInfos</a:t>
+            </a:r>
+            <a:r>
+              <a:rPr lang="fr-FR" sz="1200" dirty="0"/>
+              <a:t>/</a:t>
+            </a:r>
+            <a:r>
+              <a:rPr lang="fr-FR" sz="1200" dirty="0" err="1"/>
+              <a:t>OptPrmInfos</a:t>
+            </a:r>
+            <a:r>
+              <a:rPr lang="fr-FR" sz="1200" dirty="0"/>
+              <a:t> du </a:t>
+            </a:r>
+            <a:r>
+              <a:rPr lang="fr-FR" sz="1200" dirty="0" err="1"/>
+              <a:t>Dictionnay</a:t>
+            </a:r>
+            <a:r>
+              <a:rPr lang="fr-FR" sz="1200" dirty="0"/>
+              <a:t> (boucle sur les Values), et pour </a:t>
+            </a:r>
+            <a:r>
+              <a:rPr lang="fr-FR" sz="1200" dirty="0" smtClean="0"/>
+              <a:t>chacun :</a:t>
+            </a:r>
+            <a:endParaRPr lang="fr-FR" sz="1200" dirty="0"/>
+          </a:p>
+          <a:p>
+            <a:pPr marL="628650" lvl="1" indent="-171450">
               <a:buFont typeface="Arial" panose="020B0604020202020204" pitchFamily="34" charset="0"/>
               <a:buChar char="•"/>
             </a:pPr>
             <a:r>
-              <a:rPr lang="fr-FR" sz="1200" dirty="0" smtClean="0"/>
-              <a:t>Les paramètres obligatoires : </a:t>
-            </a:r>
-          </a:p>
-          <a:p>
-            <a:pPr lvl="1"/>
-            <a:r>
-              <a:rPr lang="fr-FR" sz="1200" dirty="0" smtClean="0"/>
-              <a:t>Ce sont des paramètres </a:t>
-            </a:r>
-            <a:r>
-              <a:rPr lang="fr-FR" sz="1200" dirty="0"/>
-              <a:t>que l’utilisateur </a:t>
-            </a:r>
-            <a:r>
-              <a:rPr lang="fr-FR" sz="1200" u="sng" dirty="0"/>
-              <a:t>doit</a:t>
-            </a:r>
-            <a:r>
-              <a:rPr lang="fr-FR" sz="1200" dirty="0"/>
-              <a:t> définir car </a:t>
-            </a:r>
-            <a:r>
-              <a:rPr lang="fr-FR" sz="1200" dirty="0" smtClean="0"/>
-              <a:t>ils n’ont </a:t>
-            </a:r>
-            <a:r>
-              <a:rPr lang="fr-FR" sz="1200" dirty="0"/>
-              <a:t>pas de </a:t>
-            </a:r>
-            <a:r>
-              <a:rPr lang="fr-FR" sz="1200" dirty="0" smtClean="0"/>
-              <a:t>valeur </a:t>
-            </a:r>
-            <a:r>
-              <a:rPr lang="fr-FR" sz="1200" dirty="0"/>
-              <a:t>par défaut.</a:t>
-            </a:r>
-          </a:p>
-          <a:p>
-            <a:pPr marL="171450" indent="-171450">
+              <a:rPr lang="fr-FR" sz="1200" dirty="0" err="1" smtClean="0"/>
+              <a:t>Récupèration</a:t>
+            </a:r>
+            <a:r>
+              <a:rPr lang="fr-FR" sz="1200" dirty="0" smtClean="0"/>
+              <a:t> du </a:t>
+            </a:r>
+            <a:r>
+              <a:rPr lang="fr-FR" sz="1200" dirty="0"/>
+              <a:t>nom de l’attribut sur l’objet </a:t>
+            </a:r>
+            <a:r>
+              <a:rPr lang="fr-FR" sz="1200" dirty="0" err="1" smtClean="0"/>
+              <a:t>Parameters</a:t>
+            </a:r>
+            <a:r>
+              <a:rPr lang="fr-FR" sz="1200" dirty="0" smtClean="0"/>
+              <a:t>.</a:t>
+            </a:r>
+            <a:endParaRPr lang="fr-FR" sz="1200" dirty="0"/>
+          </a:p>
+          <a:p>
+            <a:pPr marL="628650" lvl="1" indent="-171450">
               <a:buFont typeface="Arial" panose="020B0604020202020204" pitchFamily="34" charset="0"/>
               <a:buChar char="•"/>
             </a:pPr>
-            <a:endParaRPr lang="fr-FR" sz="1200" dirty="0" smtClean="0"/>
-          </a:p>
-          <a:p>
-            <a:pPr marL="171450" indent="-171450">
+            <a:r>
+              <a:rPr lang="fr-FR" sz="1200" dirty="0" smtClean="0"/>
+              <a:t>Récupération de </a:t>
+            </a:r>
+            <a:r>
+              <a:rPr lang="fr-FR" sz="1200" dirty="0"/>
+              <a:t>la méthode getter correspondante de </a:t>
+            </a:r>
+            <a:r>
+              <a:rPr lang="fr-FR" sz="1200" dirty="0" smtClean="0"/>
+              <a:t>l’objet </a:t>
+            </a:r>
+            <a:r>
+              <a:rPr lang="fr-FR" sz="1200" dirty="0" err="1" smtClean="0"/>
+              <a:t>Parameters</a:t>
+            </a:r>
+            <a:r>
+              <a:rPr lang="fr-FR" sz="1200" dirty="0" smtClean="0"/>
+              <a:t>.</a:t>
+            </a:r>
+            <a:endParaRPr lang="fr-FR" sz="1200" dirty="0"/>
+          </a:p>
+          <a:p>
+            <a:pPr marL="628650" lvl="1" indent="-171450">
               <a:buFont typeface="Arial" panose="020B0604020202020204" pitchFamily="34" charset="0"/>
               <a:buChar char="•"/>
             </a:pPr>
             <a:r>
-              <a:rPr lang="fr-FR" sz="1200" dirty="0" smtClean="0"/>
-              <a:t>Les paramètres optionnels :</a:t>
-            </a:r>
-          </a:p>
-          <a:p>
-            <a:pPr lvl="1"/>
-            <a:r>
-              <a:rPr lang="fr-FR" sz="1200" dirty="0" smtClean="0"/>
-              <a:t>Ce sont des paramètres que l’utilisateur n’est pas obligé de définir. Ces paramètres ont une valeur </a:t>
-            </a:r>
-            <a:r>
-              <a:rPr lang="fr-FR" sz="1200" dirty="0"/>
-              <a:t>par défaut</a:t>
+              <a:rPr lang="fr-FR" sz="1200" dirty="0"/>
+              <a:t>A partir du getter, et par </a:t>
+            </a:r>
+            <a:r>
+              <a:rPr lang="fr-FR" sz="1200" dirty="0" smtClean="0"/>
+              <a:t>réflexion, </a:t>
+            </a:r>
+            <a:r>
+              <a:rPr lang="fr-FR" sz="1200" dirty="0" err="1" smtClean="0"/>
+              <a:t>récupèration</a:t>
+            </a:r>
+            <a:r>
+              <a:rPr lang="fr-FR" sz="1200" dirty="0" smtClean="0"/>
+              <a:t> de </a:t>
+            </a:r>
+            <a:r>
+              <a:rPr lang="fr-FR" sz="1200" dirty="0"/>
+              <a:t>la valeur de l’attribut de l’objet </a:t>
+            </a:r>
+            <a:r>
+              <a:rPr lang="fr-FR" sz="1200" dirty="0" err="1" smtClean="0"/>
+              <a:t>Parameters</a:t>
             </a:r>
             <a:r>
               <a:rPr lang="fr-FR" sz="1200" dirty="0" smtClean="0"/>
               <a:t>.</a:t>
             </a:r>
-          </a:p>
-          <a:p>
-            <a:pPr marL="0" lvl="1"/>
             <a:endParaRPr lang="fr-FR" sz="1200" dirty="0"/>
           </a:p>
           <a:p>
-            <a:pPr marL="0" lvl="1"/>
-            <a:endParaRPr lang="fr-FR" sz="1200" dirty="0" smtClean="0"/>
-          </a:p>
-          <a:p>
-            <a:pPr marL="0" lvl="1"/>
-            <a:r>
-              <a:rPr lang="fr-FR" sz="1200" u="sng" dirty="0" smtClean="0"/>
-              <a:t>Les paramètres peuvent être « à valeur » ou « à présence »</a:t>
-            </a:r>
-          </a:p>
-          <a:p>
-            <a:pPr marL="0" lvl="1"/>
-            <a:endParaRPr lang="fr-FR" sz="1200" dirty="0"/>
-          </a:p>
-          <a:p>
-            <a:pPr marL="171450" lvl="1" indent="-171450">
+            <a:pPr marL="1085850" lvl="2" indent="-171450">
               <a:buFont typeface="Arial" panose="020B0604020202020204" pitchFamily="34" charset="0"/>
               <a:buChar char="•"/>
             </a:pPr>
             <a:r>
-              <a:rPr lang="fr-FR" sz="1200" dirty="0" smtClean="0"/>
-              <a:t>Les paramètres « à valeur » doivent… avoir une valeur, et se présentent sous cette forme : /&lt;</a:t>
-            </a:r>
-            <a:r>
-              <a:rPr lang="fr-FR" sz="1200" dirty="0" err="1" smtClean="0"/>
-              <a:t>nom_paramètre</a:t>
-            </a:r>
-            <a:r>
-              <a:rPr lang="fr-FR" sz="1200" dirty="0" smtClean="0"/>
-              <a:t>&gt;:&lt;</a:t>
-            </a:r>
-            <a:r>
-              <a:rPr lang="fr-FR" sz="1200" dirty="0" err="1" smtClean="0"/>
-              <a:t>valeur_paramètre</a:t>
-            </a:r>
-            <a:r>
-              <a:rPr lang="fr-FR" sz="1200" dirty="0" smtClean="0"/>
-              <a:t>&gt;</a:t>
-            </a:r>
-          </a:p>
-          <a:p>
-            <a:pPr marL="171450" lvl="1" indent="-171450">
+              <a:rPr lang="fr-FR" sz="1200" dirty="0"/>
+              <a:t>Si la valeur n’est pas nulle, c’est que l’attribut a été alimenté par la 1</a:t>
+            </a:r>
+            <a:r>
+              <a:rPr lang="fr-FR" sz="1200" baseline="30000" dirty="0"/>
+              <a:t>ère</a:t>
+            </a:r>
+            <a:r>
+              <a:rPr lang="fr-FR" sz="1200" dirty="0"/>
+              <a:t> partie de l’</a:t>
+            </a:r>
+            <a:r>
+              <a:rPr lang="fr-FR" sz="1200" dirty="0" err="1"/>
+              <a:t>algo</a:t>
+            </a:r>
+            <a:r>
+              <a:rPr lang="fr-FR" sz="1200" dirty="0"/>
+              <a:t> vue plus haut </a:t>
+            </a:r>
+            <a:r>
+              <a:rPr lang="fr-FR" sz="1200" dirty="0" smtClean="0">
+                <a:sym typeface="Wingdings" panose="05000000000000000000" pitchFamily="2" charset="2"/>
+              </a:rPr>
+              <a:t></a:t>
+            </a:r>
+            <a:r>
+              <a:rPr lang="fr-FR" sz="1200" dirty="0" smtClean="0"/>
+              <a:t> </a:t>
+            </a:r>
+            <a:r>
+              <a:rPr lang="fr-FR" sz="1200" dirty="0"/>
+              <a:t>ok la ligne de commande </a:t>
+            </a:r>
+            <a:r>
+              <a:rPr lang="fr-FR" sz="1200" dirty="0" smtClean="0"/>
+              <a:t>a </a:t>
+            </a:r>
+            <a:r>
+              <a:rPr lang="fr-FR" sz="1200" dirty="0"/>
+              <a:t>permis de </a:t>
+            </a:r>
+            <a:r>
+              <a:rPr lang="fr-FR" sz="1200" dirty="0" smtClean="0"/>
+              <a:t>l’alimenter.</a:t>
+            </a:r>
+            <a:endParaRPr lang="fr-FR" sz="1200" dirty="0"/>
+          </a:p>
+          <a:p>
+            <a:pPr marL="1085850" lvl="2" indent="-171450">
               <a:buFont typeface="Arial" panose="020B0604020202020204" pitchFamily="34" charset="0"/>
               <a:buChar char="•"/>
             </a:pPr>
+            <a:r>
+              <a:rPr lang="fr-FR" sz="1200" dirty="0"/>
+              <a:t>Si la valeur est nulle, il s’agit d’un paramètre non saisi dans la ligne de commande et donc l’attribut n’a pas été alimenté par la 1</a:t>
+            </a:r>
+            <a:r>
+              <a:rPr lang="fr-FR" sz="1200" baseline="30000" dirty="0"/>
+              <a:t>ère</a:t>
+            </a:r>
+            <a:r>
+              <a:rPr lang="fr-FR" sz="1200" dirty="0"/>
+              <a:t> partie de l’</a:t>
+            </a:r>
+            <a:r>
+              <a:rPr lang="fr-FR" sz="1200" dirty="0" err="1"/>
+              <a:t>algo</a:t>
+            </a:r>
+            <a:r>
+              <a:rPr lang="fr-FR" sz="1200" dirty="0"/>
+              <a:t>. </a:t>
+            </a:r>
             <a:endParaRPr lang="fr-FR" sz="1200" dirty="0" smtClean="0"/>
           </a:p>
           <a:p>
-            <a:pPr marL="171450" lvl="1" indent="-171450">
+            <a:pPr lvl="2"/>
+            <a:r>
+              <a:rPr lang="fr-FR" sz="1200" dirty="0" smtClean="0"/>
+              <a:t>     Deux </a:t>
+            </a:r>
+            <a:r>
+              <a:rPr lang="fr-FR" sz="1200" dirty="0"/>
+              <a:t>cas :</a:t>
+            </a:r>
+          </a:p>
+          <a:p>
+            <a:pPr marL="1543050" lvl="3" indent="-171450">
               <a:buFont typeface="Arial" panose="020B0604020202020204" pitchFamily="34" charset="0"/>
               <a:buChar char="•"/>
             </a:pPr>
             <a:r>
-              <a:rPr lang="fr-FR" sz="1200" dirty="0" smtClean="0"/>
-              <a:t>Les paramètre « à présence » doivent être présent dans la ligne de commande. Ils correspondent à un </a:t>
-            </a:r>
-            <a:r>
-              <a:rPr lang="fr-FR" sz="1200" dirty="0" err="1" smtClean="0"/>
-              <a:t>bouléen</a:t>
-            </a:r>
-            <a:r>
-              <a:rPr lang="fr-FR" sz="1200" dirty="0" smtClean="0"/>
-              <a:t> à « </a:t>
-            </a:r>
-            <a:r>
-              <a:rPr lang="fr-FR" sz="1200" dirty="0" err="1" smtClean="0"/>
-              <a:t>true</a:t>
-            </a:r>
-            <a:r>
-              <a:rPr lang="fr-FR" sz="1200" dirty="0" smtClean="0"/>
-              <a:t> » si ils sont présents ou à « false » si il sont absents. Ils se présentent sous cette forme : /&lt;</a:t>
-            </a:r>
-            <a:r>
-              <a:rPr lang="fr-FR" sz="1200" dirty="0" err="1" smtClean="0"/>
-              <a:t>nom_paramètre</a:t>
-            </a:r>
-            <a:r>
-              <a:rPr lang="fr-FR" sz="1200" dirty="0" smtClean="0"/>
-              <a:t>&gt;</a:t>
-            </a:r>
-          </a:p>
-          <a:p>
-            <a:pPr marL="171450" lvl="1" indent="-171450">
+              <a:rPr lang="fr-FR" sz="1200" dirty="0"/>
+              <a:t>Il s’agit d’un paramètre optionnel (</a:t>
+            </a:r>
+            <a:r>
+              <a:rPr lang="fr-FR" sz="1200" dirty="0" err="1"/>
+              <a:t>OptPrmInfos</a:t>
+            </a:r>
+            <a:r>
+              <a:rPr lang="fr-FR" sz="1200" dirty="0"/>
+              <a:t>), tout va bien : </a:t>
+            </a:r>
+          </a:p>
+          <a:p>
+            <a:pPr marL="2000250" lvl="4" indent="-171450">
               <a:buFont typeface="Arial" panose="020B0604020202020204" pitchFamily="34" charset="0"/>
               <a:buChar char="•"/>
             </a:pPr>
+            <a:r>
+              <a:rPr lang="fr-FR" sz="1200" dirty="0" smtClean="0"/>
+              <a:t>Récupération </a:t>
+            </a:r>
+            <a:r>
+              <a:rPr lang="fr-FR" sz="1200" dirty="0"/>
+              <a:t>la valeur par défaut sur mon </a:t>
+            </a:r>
+            <a:r>
+              <a:rPr lang="fr-FR" sz="1200" dirty="0" err="1" smtClean="0"/>
+              <a:t>OptPrmInfos</a:t>
+            </a:r>
+            <a:r>
+              <a:rPr lang="fr-FR" sz="1200" dirty="0"/>
+              <a:t>.</a:t>
+            </a:r>
             <a:endParaRPr lang="fr-FR" sz="1200" dirty="0"/>
           </a:p>
           <a:p>
-            <a:pPr marL="0" lvl="1"/>
-            <a:endParaRPr lang="fr-FR" sz="1200" dirty="0" smtClean="0"/>
-          </a:p>
-          <a:p>
-            <a:pPr marL="0" lvl="1"/>
-            <a:r>
-              <a:rPr lang="fr-FR" sz="1200" u="sng" dirty="0" smtClean="0"/>
-              <a:t>Il existe trois </a:t>
-            </a:r>
-            <a:r>
-              <a:rPr lang="fr-FR" sz="1200" u="sng" dirty="0" smtClean="0"/>
-              <a:t>types </a:t>
-            </a:r>
-            <a:r>
-              <a:rPr lang="fr-FR" sz="1200" u="sng" dirty="0" smtClean="0"/>
-              <a:t>de valeurs de paramètre :</a:t>
-            </a:r>
-          </a:p>
-          <a:p>
-            <a:pPr marL="0" lvl="1"/>
-            <a:endParaRPr lang="fr-FR" sz="1200" dirty="0" smtClean="0"/>
-          </a:p>
-          <a:p>
-            <a:pPr marL="171450" lvl="1" indent="-171450">
+            <a:pPr marL="2000250" lvl="4" indent="-171450">
               <a:buFont typeface="Arial" panose="020B0604020202020204" pitchFamily="34" charset="0"/>
               <a:buChar char="•"/>
             </a:pPr>
             <a:r>
-              <a:rPr lang="fr-FR" sz="1200" dirty="0" smtClean="0"/>
-              <a:t>Chaînes de caractère : </a:t>
-            </a:r>
-            <a:r>
-              <a:rPr lang="fr-FR" sz="1200" dirty="0"/>
-              <a:t>/&lt;</a:t>
+              <a:rPr lang="fr-FR" sz="1200" dirty="0"/>
+              <a:t>Grace au nom d’attribut du </a:t>
             </a:r>
             <a:r>
               <a:rPr lang="fr-FR" sz="1200" dirty="0" err="1"/>
-              <a:t>nom_paramètre</a:t>
-            </a:r>
-            <a:r>
-              <a:rPr lang="fr-FR" sz="1200" dirty="0"/>
-              <a:t>&gt;:&lt;</a:t>
+              <a:t>Parameters</a:t>
+            </a:r>
+            <a:r>
+              <a:rPr lang="fr-FR" sz="1200" dirty="0"/>
+              <a:t> récupéré plus haut, et par réflexion, </a:t>
+            </a:r>
+            <a:r>
+              <a:rPr lang="fr-FR" sz="1200" dirty="0" smtClean="0"/>
+              <a:t>récupération de </a:t>
+            </a:r>
+            <a:r>
+              <a:rPr lang="fr-FR" sz="1200" dirty="0"/>
+              <a:t>la méthode setter de </a:t>
+            </a:r>
+            <a:r>
+              <a:rPr lang="fr-FR" sz="1200" dirty="0" smtClean="0"/>
+              <a:t>l’objet </a:t>
             </a:r>
             <a:r>
               <a:rPr lang="fr-FR" sz="1200" dirty="0" err="1" smtClean="0"/>
-              <a:t>valeur_paramètre_string</a:t>
-            </a:r>
-            <a:r>
-              <a:rPr lang="fr-FR" sz="1200" dirty="0" smtClean="0"/>
-              <a:t>&gt; : accepte n’importe quel valeur sans espace ni « : »</a:t>
-            </a:r>
-          </a:p>
-          <a:p>
-            <a:pPr marL="171450" lvl="1" indent="-171450">
+              <a:t>Parameters</a:t>
+            </a:r>
+            <a:r>
+              <a:rPr lang="fr-FR" sz="1200" dirty="0" smtClean="0"/>
+              <a:t>.</a:t>
+            </a:r>
+            <a:endParaRPr lang="fr-FR" sz="1200" dirty="0"/>
+          </a:p>
+          <a:p>
+            <a:pPr marL="2000250" lvl="4" indent="-171450">
               <a:buFont typeface="Arial" panose="020B0604020202020204" pitchFamily="34" charset="0"/>
               <a:buChar char="•"/>
             </a:pPr>
-            <a:endParaRPr lang="fr-FR" sz="1200" dirty="0"/>
-          </a:p>
-          <a:p>
-            <a:pPr marL="171450" lvl="1" indent="-171450">
+            <a:r>
+              <a:rPr lang="fr-FR" sz="1200" dirty="0"/>
+              <a:t>Grace au </a:t>
+            </a:r>
+            <a:r>
+              <a:rPr lang="fr-FR" sz="1200" dirty="0" smtClean="0"/>
+              <a:t>setter, </a:t>
+            </a:r>
+            <a:r>
+              <a:rPr lang="fr-FR" sz="1200" dirty="0"/>
+              <a:t>et par </a:t>
+            </a:r>
+            <a:r>
+              <a:rPr lang="fr-FR" sz="1200" dirty="0" smtClean="0"/>
+              <a:t>réflexion, alimentation de </a:t>
+            </a:r>
+            <a:r>
+              <a:rPr lang="fr-FR" sz="1200" dirty="0"/>
+              <a:t>l’attribut du </a:t>
+            </a:r>
+            <a:r>
+              <a:rPr lang="fr-FR" sz="1200" dirty="0" err="1"/>
+              <a:t>Parameters</a:t>
+            </a:r>
+            <a:r>
+              <a:rPr lang="fr-FR" sz="1200" dirty="0"/>
+              <a:t> avec la valeur par défaut.</a:t>
+            </a:r>
+          </a:p>
+          <a:p>
+            <a:pPr marL="1543050" lvl="3" indent="-171450">
               <a:buFont typeface="Arial" panose="020B0604020202020204" pitchFamily="34" charset="0"/>
               <a:buChar char="•"/>
             </a:pPr>
             <a:r>
-              <a:rPr lang="fr-FR" sz="1200" dirty="0" smtClean="0"/>
-              <a:t>Entier : </a:t>
-            </a:r>
-            <a:r>
-              <a:rPr lang="fr-FR" sz="1200" dirty="0"/>
-              <a:t>/&lt;</a:t>
+              <a:rPr lang="fr-FR" sz="1200" dirty="0"/>
+              <a:t>Il s’agit d’un paramètre obligatoire (</a:t>
             </a:r>
             <a:r>
               <a:rPr lang="fr-FR" sz="1200" dirty="0" err="1"/>
-              <a:t>nom_paramètre</a:t>
-            </a:r>
-            <a:r>
-              <a:rPr lang="fr-FR" sz="1200" dirty="0"/>
-              <a:t>&gt;:&lt;</a:t>
-            </a:r>
-            <a:r>
-              <a:rPr lang="fr-FR" sz="1200" dirty="0" err="1" smtClean="0"/>
-              <a:t>valeur_paramètre_int</a:t>
-            </a:r>
-            <a:r>
-              <a:rPr lang="fr-FR" sz="1200" dirty="0" smtClean="0"/>
-              <a:t>&gt; : accepte les entiers seulement</a:t>
-            </a:r>
-          </a:p>
-          <a:p>
-            <a:pPr marL="171450" lvl="1" indent="-171450">
+              <a:t>PrmInfos</a:t>
+            </a:r>
+            <a:r>
+              <a:rPr lang="fr-FR" sz="1200" dirty="0"/>
+              <a:t>), rien ne va plus :</a:t>
+            </a:r>
+          </a:p>
+          <a:p>
+            <a:pPr marL="2000250" lvl="4" indent="-171450">
               <a:buFont typeface="Arial" panose="020B0604020202020204" pitchFamily="34" charset="0"/>
               <a:buChar char="•"/>
             </a:pPr>
+            <a:r>
+              <a:rPr lang="fr-FR" sz="1200" dirty="0"/>
+              <a:t>Etant obligatoire, il n’a pas de valeur par défaut (normal), </a:t>
+            </a:r>
+            <a:r>
+              <a:rPr lang="fr-FR" sz="1200" dirty="0" smtClean="0"/>
+              <a:t>il n’y a </a:t>
+            </a:r>
+            <a:r>
+              <a:rPr lang="fr-FR" sz="1200" dirty="0"/>
+              <a:t>donc pas de moyen de l’alimenter si la ligne de commande ne le défini pas </a:t>
+            </a:r>
+            <a:r>
+              <a:rPr lang="fr-FR" sz="1200" dirty="0" smtClean="0">
+                <a:sym typeface="Wingdings" panose="05000000000000000000" pitchFamily="2" charset="2"/>
+              </a:rPr>
+              <a:t></a:t>
+            </a:r>
+            <a:r>
+              <a:rPr lang="fr-FR" sz="1200" dirty="0" smtClean="0"/>
+              <a:t> </a:t>
+            </a:r>
+            <a:r>
+              <a:rPr lang="fr-FR" sz="1200" b="1" dirty="0" smtClean="0"/>
+              <a:t>levée d’une erreur</a:t>
+            </a:r>
             <a:endParaRPr lang="fr-FR" sz="1200" dirty="0"/>
           </a:p>
           <a:p>
-            <a:pPr marL="171450" lvl="1" indent="-171450">
+            <a:r>
+              <a:rPr lang="fr-FR" sz="1200" dirty="0"/>
+              <a:t> </a:t>
+            </a:r>
+          </a:p>
+          <a:p>
+            <a:r>
+              <a:rPr lang="fr-FR" sz="1200" dirty="0"/>
+              <a:t>A cette étape soit une erreur a été </a:t>
+            </a:r>
+            <a:r>
+              <a:rPr lang="fr-FR" sz="1200" dirty="0" smtClean="0"/>
+              <a:t>levée, </a:t>
+            </a:r>
+            <a:r>
+              <a:rPr lang="fr-FR" sz="1200" dirty="0"/>
+              <a:t>soit </a:t>
+            </a:r>
+            <a:r>
+              <a:rPr lang="fr-FR" sz="1200" dirty="0" smtClean="0"/>
+              <a:t>l’objet </a:t>
+            </a:r>
+            <a:r>
+              <a:rPr lang="fr-FR" sz="1200" dirty="0" err="1"/>
+              <a:t>Parameters</a:t>
+            </a:r>
+            <a:r>
+              <a:rPr lang="fr-FR" sz="1200" dirty="0"/>
+              <a:t> a tous ces attributs alimentés avec les paramètres saisi sur la ligne de commande ou avec les valeurs par défaut.</a:t>
+            </a:r>
+          </a:p>
+          <a:p>
+            <a:r>
+              <a:rPr lang="fr-FR" sz="1200" dirty="0"/>
+              <a:t>Donc la ligne de commande a été interprétée et </a:t>
+            </a:r>
+            <a:r>
+              <a:rPr lang="fr-FR" sz="1200" dirty="0" smtClean="0"/>
+              <a:t>l’objet </a:t>
+            </a:r>
+            <a:r>
+              <a:rPr lang="fr-FR" sz="1200" dirty="0" err="1"/>
+              <a:t>Parameters</a:t>
+            </a:r>
+            <a:r>
+              <a:rPr lang="fr-FR" sz="1200" dirty="0"/>
+              <a:t> est prêt à âtre transmis pour fournir les paramètres aux traitements.</a:t>
+            </a:r>
+          </a:p>
+          <a:p>
+            <a:r>
+              <a:rPr lang="fr-FR" sz="1200" dirty="0"/>
+              <a:t> </a:t>
+            </a:r>
+          </a:p>
+          <a:p>
+            <a:r>
+              <a:rPr lang="fr-FR" sz="1200" dirty="0"/>
+              <a:t> </a:t>
+            </a:r>
+          </a:p>
+          <a:p>
+            <a:r>
+              <a:rPr lang="fr-FR" sz="1200" dirty="0"/>
+              <a:t>Notes : </a:t>
+            </a:r>
+          </a:p>
+          <a:p>
+            <a:pPr marL="171450" lvl="0" indent="-171450">
               <a:buFont typeface="Arial" panose="020B0604020202020204" pitchFamily="34" charset="0"/>
               <a:buChar char="•"/>
             </a:pPr>
             <a:r>
-              <a:rPr lang="fr-FR" sz="1200" dirty="0" smtClean="0"/>
-              <a:t>Booléen </a:t>
-            </a:r>
-            <a:r>
-              <a:rPr lang="fr-FR" sz="1200" dirty="0" smtClean="0"/>
-              <a:t>: </a:t>
-            </a:r>
-            <a:r>
-              <a:rPr lang="fr-FR" sz="1200" dirty="0"/>
-              <a:t>/&lt;</a:t>
-            </a:r>
-            <a:r>
-              <a:rPr lang="fr-FR" sz="1200" dirty="0" err="1"/>
-              <a:t>nom_paramètre</a:t>
-            </a:r>
-            <a:r>
-              <a:rPr lang="fr-FR" sz="1200" dirty="0" smtClean="0"/>
-              <a:t>&gt; : n’a pas de valeur, sa présence ou son absence sert de valeur</a:t>
+              <a:rPr lang="fr-FR" sz="1200" dirty="0"/>
+              <a:t>Quand je lève une erreur, c’est en précisant un message d’erreur. Cette erreur est catchée au plus haut et dans ce cas </a:t>
+            </a:r>
+            <a:r>
+              <a:rPr lang="fr-FR" sz="1200" dirty="0" smtClean="0"/>
+              <a:t>le </a:t>
+            </a:r>
+            <a:r>
+              <a:rPr lang="fr-FR" sz="1200" dirty="0"/>
+              <a:t>message d’erreur </a:t>
+            </a:r>
+            <a:r>
+              <a:rPr lang="fr-FR" sz="1200" dirty="0" smtClean="0"/>
+              <a:t>précisé </a:t>
+            </a:r>
+            <a:r>
+              <a:rPr lang="fr-FR" sz="1200" dirty="0"/>
+              <a:t>suivi de </a:t>
+            </a:r>
+            <a:r>
+              <a:rPr lang="fr-FR" sz="1200" dirty="0" smtClean="0"/>
+              <a:t>l’usage sont affichés.</a:t>
             </a:r>
             <a:endParaRPr lang="fr-FR" sz="1200" dirty="0"/>
           </a:p>
           <a:p>
-            <a:pPr marL="171450" lvl="1" indent="-171450">
+            <a:pPr marL="171450" lvl="0" indent="-171450">
               <a:buFont typeface="Arial" panose="020B0604020202020204" pitchFamily="34" charset="0"/>
               <a:buChar char="•"/>
             </a:pPr>
-            <a:endParaRPr lang="fr-FR" sz="1200" dirty="0" smtClean="0"/>
-          </a:p>
-          <a:p>
-            <a:pPr marL="171450" lvl="1" indent="-171450">
-              <a:buFont typeface="Arial" panose="020B0604020202020204" pitchFamily="34" charset="0"/>
-              <a:buChar char="•"/>
-            </a:pPr>
-            <a:endParaRPr lang="fr-FR" sz="1200" dirty="0" smtClean="0"/>
-          </a:p>
-          <a:p>
-            <a:pPr marL="171450" lvl="1" indent="-171450">
-              <a:buFont typeface="Arial" panose="020B0604020202020204" pitchFamily="34" charset="0"/>
-              <a:buChar char="•"/>
-            </a:pPr>
-            <a:r>
-              <a:rPr lang="fr-FR" sz="1200" u="sng" dirty="0" smtClean="0"/>
-              <a:t>Restriction de saisie </a:t>
-            </a:r>
-            <a:r>
-              <a:rPr lang="fr-FR" sz="1200" u="sng" dirty="0"/>
-              <a:t>:</a:t>
-            </a:r>
-          </a:p>
-          <a:p>
-            <a:pPr marL="171450" lvl="1" indent="-171450">
-              <a:buFont typeface="Arial" panose="020B0604020202020204" pitchFamily="34" charset="0"/>
-              <a:buChar char="•"/>
-            </a:pPr>
+            <a:r>
+              <a:rPr lang="fr-FR" sz="1200" dirty="0"/>
+              <a:t>Une autre vérification est </a:t>
+            </a:r>
+            <a:r>
+              <a:rPr lang="fr-FR" sz="1200" dirty="0" smtClean="0"/>
+              <a:t>faite </a:t>
+            </a:r>
+            <a:r>
+              <a:rPr lang="fr-FR" sz="1200" dirty="0"/>
+              <a:t>au cours de l’</a:t>
+            </a:r>
+            <a:r>
+              <a:rPr lang="fr-FR" sz="1200" dirty="0" err="1"/>
+              <a:t>algo</a:t>
+            </a:r>
+            <a:r>
+              <a:rPr lang="fr-FR" sz="1200" dirty="0"/>
+              <a:t> : si un des paramètres rencontrés est « / ? » </a:t>
+            </a:r>
+            <a:r>
+              <a:rPr lang="fr-FR" sz="1200" dirty="0" smtClean="0"/>
+              <a:t>une </a:t>
+            </a:r>
+            <a:r>
+              <a:rPr lang="fr-FR" sz="1200" dirty="0"/>
+              <a:t>erreur </a:t>
+            </a:r>
+            <a:r>
+              <a:rPr lang="fr-FR" sz="1200" smtClean="0"/>
+              <a:t>est levée sans </a:t>
+            </a:r>
+            <a:r>
+              <a:rPr lang="fr-FR" sz="1200" dirty="0"/>
+              <a:t>message spécifique ce qui provoque l’affichage de l’usage seul</a:t>
+            </a:r>
+            <a:r>
+              <a:rPr lang="fr-FR" sz="1200" dirty="0" smtClean="0"/>
+              <a:t>.</a:t>
+            </a:r>
             <a:endParaRPr lang="fr-FR" sz="1200" dirty="0"/>
-          </a:p>
-          <a:p>
-            <a:pPr marL="0" lvl="1"/>
-            <a:r>
-              <a:rPr lang="fr-FR" sz="1200" dirty="0" smtClean="0"/>
-              <a:t>Les paramètres dont les valeurs sont de type « chaîne de caractères » ou « entier » peuvent avoir une liste de valeurs autorisées.</a:t>
-            </a:r>
-            <a:endParaRPr lang="fr-FR" sz="1200" dirty="0" smtClean="0"/>
           </a:p>
         </p:txBody>
       </p:sp>
     </p:spTree>
     <p:extLst>
       <p:ext uri="{BB962C8B-B14F-4D97-AF65-F5344CB8AC3E}">
-        <p14:creationId xmlns:p14="http://schemas.microsoft.com/office/powerpoint/2010/main" val="2162708927"/>
+        <p14:creationId xmlns:p14="http://schemas.microsoft.com/office/powerpoint/2010/main" val="3166595212"/>
       </p:ext>
     </p:extLst>
   </p:cSld>
@@ -5403,7 +6153,7 @@
 </p:sld>
 </file>
 
-<file path=ppt/slides/slide5.xml><?xml version="1.0" encoding="utf-8"?>
+<file path=ppt/slides/slide2.xml><?xml version="1.0" encoding="utf-8"?>
 <p:sld xmlns:a="http://schemas.openxmlformats.org/drawingml/2006/main" xmlns:r="http://schemas.openxmlformats.org/officeDocument/2006/relationships" xmlns:p="http://schemas.openxmlformats.org/presentationml/2006/main">
   <p:cSld>
     <p:spTree>
@@ -5420,6 +6170,32 @@
           <a:chExt cx="0" cy="0"/>
         </a:xfrm>
       </p:grpSpPr>
+      <p:sp>
+        <p:nvSpPr>
+          <p:cNvPr id="3" name="Espace réservé du contenu 2"/>
+          <p:cNvSpPr>
+            <a:spLocks noGrp="1"/>
+          </p:cNvSpPr>
+          <p:nvPr>
+            <p:ph idx="1"/>
+          </p:nvPr>
+        </p:nvSpPr>
+        <p:spPr>
+          <a:xfrm>
+            <a:off x="457200" y="692696"/>
+            <a:ext cx="8229600" cy="4525963"/>
+          </a:xfrm>
+        </p:spPr>
+        <p:txBody>
+          <a:bodyPr>
+            <a:normAutofit/>
+          </a:bodyPr>
+          <a:lstStyle/>
+          <a:p>
+            <a:endParaRPr lang="fr-FR" sz="1800" dirty="0"/>
+          </a:p>
+        </p:txBody>
+      </p:sp>
       <p:sp>
         <p:nvSpPr>
           <p:cNvPr id="4" name="ZoneTexte 3"/>
@@ -5467,94 +6243,16 @@
           <a:p>
             <a:r>
               <a:rPr lang="fr-FR" sz="2400" dirty="0" smtClean="0"/>
-              <a:t>Le paramètre /?</a:t>
+              <a:t>Sommaire</a:t>
             </a:r>
             <a:endParaRPr lang="fr-FR" sz="2400" dirty="0"/>
-          </a:p>
-        </p:txBody>
-      </p:sp>
-      <p:sp>
-        <p:nvSpPr>
-          <p:cNvPr id="9" name="ZoneTexte 8"/>
-          <p:cNvSpPr txBox="1"/>
-          <p:nvPr/>
-        </p:nvSpPr>
-        <p:spPr>
-          <a:xfrm>
-            <a:off x="395536" y="1124744"/>
-            <a:ext cx="184731" cy="369332"/>
-          </a:xfrm>
-          <a:prstGeom prst="rect">
-            <a:avLst/>
-          </a:prstGeom>
-          <a:noFill/>
-        </p:spPr>
-        <p:txBody>
-          <a:bodyPr wrap="none" rtlCol="0">
-            <a:spAutoFit/>
-          </a:bodyPr>
-          <a:lstStyle/>
-          <a:p>
-            <a:endParaRPr lang="fr-FR" dirty="0"/>
-          </a:p>
-        </p:txBody>
-      </p:sp>
-      <p:sp>
-        <p:nvSpPr>
-          <p:cNvPr id="10" name="ZoneTexte 9"/>
-          <p:cNvSpPr txBox="1"/>
-          <p:nvPr/>
-        </p:nvSpPr>
-        <p:spPr>
-          <a:xfrm>
-            <a:off x="251521" y="671691"/>
-            <a:ext cx="8784976" cy="1015663"/>
-          </a:xfrm>
-          <a:prstGeom prst="rect">
-            <a:avLst/>
-          </a:prstGeom>
-          <a:noFill/>
-        </p:spPr>
-        <p:txBody>
-          <a:bodyPr wrap="square" rtlCol="0">
-            <a:spAutoFit/>
-          </a:bodyPr>
-          <a:lstStyle/>
-          <a:p>
-            <a:r>
-              <a:rPr lang="fr-FR" sz="1200" dirty="0" smtClean="0"/>
-              <a:t>Il existe un paramètre particulier qui permet l’affichage de l’usage de la fonction d’exportation en ligne de </a:t>
-            </a:r>
-            <a:r>
-              <a:rPr lang="fr-FR" sz="1200" dirty="0" smtClean="0"/>
-              <a:t>commande.</a:t>
-            </a:r>
-          </a:p>
-          <a:p>
-            <a:endParaRPr lang="fr-FR" sz="1200" dirty="0" smtClean="0"/>
-          </a:p>
-          <a:p>
-            <a:r>
-              <a:rPr lang="fr-FR" sz="1200" dirty="0" smtClean="0"/>
-              <a:t>C’est le paramètre /?</a:t>
-            </a:r>
-          </a:p>
-          <a:p>
-            <a:endParaRPr lang="fr-FR" sz="1200" dirty="0"/>
-          </a:p>
-          <a:p>
-            <a:r>
-              <a:rPr lang="fr-FR" sz="1200" dirty="0" smtClean="0"/>
-              <a:t>Quelques soient les paramètres saisis, si l’un d’entre eux est le paramètre d’usage « /? » l’usage sera affiché et la commande ignorée.</a:t>
-            </a:r>
-            <a:endParaRPr lang="fr-FR" sz="1200" dirty="0" smtClean="0"/>
           </a:p>
         </p:txBody>
       </p:sp>
     </p:spTree>
     <p:extLst>
       <p:ext uri="{BB962C8B-B14F-4D97-AF65-F5344CB8AC3E}">
-        <p14:creationId xmlns:p14="http://schemas.microsoft.com/office/powerpoint/2010/main" val="3844405044"/>
+        <p14:creationId xmlns:p14="http://schemas.microsoft.com/office/powerpoint/2010/main" val="117156479"/>
       </p:ext>
     </p:extLst>
   </p:cSld>
@@ -5564,7 +6262,7 @@
 </p:sld>
 </file>
 
-<file path=ppt/slides/slide6.xml><?xml version="1.0" encoding="utf-8"?>
+<file path=ppt/slides/slide3.xml><?xml version="1.0" encoding="utf-8"?>
 <p:sld xmlns:a="http://schemas.openxmlformats.org/drawingml/2006/main" xmlns:r="http://schemas.openxmlformats.org/officeDocument/2006/relationships" xmlns:p="http://schemas.openxmlformats.org/presentationml/2006/main">
   <p:cSld>
     <p:spTree>
@@ -5628,11 +6326,7 @@
           <a:p>
             <a:r>
               <a:rPr lang="fr-FR" sz="2400" dirty="0" smtClean="0"/>
-              <a:t>Ajout d’un </a:t>
-            </a:r>
-            <a:r>
-              <a:rPr lang="fr-FR" sz="2400" dirty="0" smtClean="0"/>
-              <a:t>paramètre</a:t>
+              <a:t>La ligne de commande</a:t>
             </a:r>
             <a:endParaRPr lang="fr-FR" sz="2400" dirty="0"/>
           </a:p>
@@ -5666,158 +6360,210 @@
       </p:sp>
       <p:sp>
         <p:nvSpPr>
-          <p:cNvPr id="2" name="Rectangle 1"/>
-          <p:cNvSpPr/>
+          <p:cNvPr id="3" name="ZoneTexte 2"/>
+          <p:cNvSpPr txBox="1"/>
           <p:nvPr/>
         </p:nvSpPr>
         <p:spPr>
           <a:xfrm>
-            <a:off x="251520" y="692696"/>
-            <a:ext cx="8712968" cy="2677656"/>
+            <a:off x="292235" y="739868"/>
+            <a:ext cx="8528237" cy="2677656"/>
           </a:xfrm>
           <a:prstGeom prst="rect">
             <a:avLst/>
           </a:prstGeom>
+          <a:noFill/>
         </p:spPr>
         <p:txBody>
-          <a:bodyPr wrap="square">
+          <a:bodyPr wrap="square" rtlCol="0">
             <a:spAutoFit/>
           </a:bodyPr>
           <a:lstStyle/>
           <a:p>
-            <a:pPr algn="just"/>
-            <a:r>
-              <a:rPr lang="fr-FR" sz="1200" dirty="0"/>
-              <a:t>L’ajout d’un paramètre consiste à faire en sorte qu’un nouveau paramètre saisissable en ligne de commande puisse être </a:t>
-            </a:r>
-            <a:r>
-              <a:rPr lang="fr-FR" sz="1200" dirty="0" smtClean="0"/>
-              <a:t>interprété </a:t>
-            </a:r>
-            <a:r>
-              <a:rPr lang="fr-FR" sz="1200" dirty="0"/>
-              <a:t>par le </a:t>
-            </a:r>
-            <a:r>
-              <a:rPr lang="fr-FR" sz="1200" dirty="0" smtClean="0"/>
-              <a:t>C# </a:t>
-            </a:r>
-            <a:r>
-              <a:rPr lang="fr-FR" sz="1200" dirty="0"/>
-              <a:t>et sa valeur mise à disposition pour le </a:t>
-            </a:r>
-            <a:r>
-              <a:rPr lang="fr-FR" sz="1200" dirty="0" smtClean="0"/>
-              <a:t>logiciel d’exportation.</a:t>
-            </a:r>
-          </a:p>
-          <a:p>
-            <a:pPr algn="just"/>
+            <a:r>
+              <a:rPr lang="fr-FR" sz="1200" dirty="0" smtClean="0"/>
+              <a:t>La ligne de commande est composé de quatre éléments :</a:t>
+            </a:r>
+          </a:p>
+          <a:p>
             <a:endParaRPr lang="fr-FR" sz="1200" dirty="0"/>
           </a:p>
           <a:p>
-            <a:pPr algn="just"/>
-            <a:r>
-              <a:rPr lang="fr-FR" sz="1200" dirty="0" smtClean="0"/>
-              <a:t>Pour cela nous disposons de deux classes :</a:t>
-            </a:r>
-          </a:p>
-          <a:p>
-            <a:pPr algn="just"/>
-            <a:endParaRPr lang="fr-FR" sz="1200" dirty="0"/>
-          </a:p>
-          <a:p>
-            <a:pPr algn="just"/>
-            <a:r>
-              <a:rPr lang="fr-FR" sz="1200" u="sng" dirty="0" err="1" smtClean="0"/>
-              <a:t>Parameters</a:t>
-            </a:r>
-            <a:r>
-              <a:rPr lang="fr-FR" sz="1200" u="sng" dirty="0" smtClean="0"/>
-              <a:t>:</a:t>
-            </a:r>
-          </a:p>
-          <a:p>
-            <a:pPr marL="444500" algn="just"/>
-            <a:r>
-              <a:rPr lang="fr-FR" sz="1200" dirty="0" smtClean="0"/>
-              <a:t>Objet C# ne contenant que des attributs correspondant à tous les paramètres qu’il est possible de saisir en ligne de commande.</a:t>
-            </a:r>
-          </a:p>
-          <a:p>
-            <a:pPr algn="just"/>
-            <a:endParaRPr lang="fr-FR" sz="1200" dirty="0"/>
-          </a:p>
-          <a:p>
-            <a:pPr algn="just"/>
-            <a:endParaRPr lang="fr-FR" sz="1200" dirty="0" smtClean="0"/>
-          </a:p>
-          <a:p>
-            <a:pPr algn="just"/>
-            <a:r>
-              <a:rPr lang="fr-FR" sz="1200" dirty="0" err="1" smtClean="0"/>
-              <a:t>ParametersReader</a:t>
-            </a:r>
-            <a:endParaRPr lang="fr-FR" sz="1200" dirty="0" smtClean="0"/>
-          </a:p>
-          <a:p>
-            <a:pPr marL="444500" algn="just"/>
-            <a:r>
-              <a:rPr lang="fr-FR" sz="1200" dirty="0" smtClean="0"/>
-              <a:t>Classe d’interprétation de la ligne de commande dont le rôle est d’</a:t>
-            </a:r>
-            <a:r>
-              <a:rPr lang="fr-FR" sz="1200" dirty="0" err="1" smtClean="0"/>
-              <a:t>intérpréter</a:t>
-            </a:r>
-            <a:r>
-              <a:rPr lang="fr-FR" sz="1200" dirty="0" smtClean="0"/>
-              <a:t> la ligne de commande, et soit </a:t>
-            </a:r>
-          </a:p>
-          <a:p>
-            <a:pPr marL="615950" indent="-171450" algn="just">
+            <a:pPr marL="285750" indent="-285750">
               <a:buFont typeface="Arial" panose="020B0604020202020204" pitchFamily="34" charset="0"/>
               <a:buChar char="•"/>
             </a:pPr>
             <a:r>
               <a:rPr lang="fr-FR" sz="1200" dirty="0" smtClean="0"/>
-              <a:t>De lever une erreur si la ligne de commande n’est pas correcte (ce qui provoque l’affichage d’une erreur puis de l’usage dans la fenêtre de sortie)</a:t>
-            </a:r>
-          </a:p>
-          <a:p>
-            <a:pPr marL="615950" indent="-171450" algn="just">
+              <a:t>Le nom </a:t>
+            </a:r>
+            <a:r>
+              <a:rPr lang="fr-FR" sz="1200" dirty="0"/>
+              <a:t>du programme : </a:t>
+            </a:r>
+            <a:r>
+              <a:rPr lang="fr-FR" sz="1200" dirty="0" err="1" smtClean="0"/>
+              <a:t>CardMasterCmdExport</a:t>
+            </a:r>
+            <a:endParaRPr lang="fr-FR" sz="1200" dirty="0" smtClean="0"/>
+          </a:p>
+          <a:p>
+            <a:pPr marL="285750" indent="-285750">
               <a:buFont typeface="Arial" panose="020B0604020202020204" pitchFamily="34" charset="0"/>
               <a:buChar char="•"/>
             </a:pPr>
-            <a:r>
-              <a:rPr lang="fr-FR" sz="1200" dirty="0" smtClean="0"/>
-              <a:t>D’alimenter l’objet </a:t>
+            <a:endParaRPr lang="fr-FR" sz="1200" dirty="0"/>
+          </a:p>
+          <a:p>
+            <a:pPr marL="285750" indent="-285750">
+              <a:buFont typeface="Arial" panose="020B0604020202020204" pitchFamily="34" charset="0"/>
+              <a:buChar char="•"/>
+            </a:pPr>
+            <a:r>
+              <a:rPr lang="fr-FR" sz="1200" dirty="0" smtClean="0"/>
+              <a:t>Le chemin du fichier du projet </a:t>
             </a:r>
             <a:r>
               <a:rPr lang="fr-FR" sz="1200" dirty="0" err="1" smtClean="0"/>
-              <a:t>Parameters</a:t>
-            </a:r>
-            <a:r>
-              <a:rPr lang="fr-FR" sz="1200" dirty="0" smtClean="0"/>
-              <a:t> et de le mettre à </a:t>
-            </a:r>
-            <a:r>
-              <a:rPr lang="fr-FR" sz="1200" dirty="0" err="1" smtClean="0"/>
-              <a:t>dispostion</a:t>
-            </a:r>
-            <a:r>
-              <a:rPr lang="fr-FR" sz="1200" dirty="0" smtClean="0"/>
-              <a:t> du fonctionnel du programme qui lancera l »exportation. </a:t>
-            </a:r>
+              <a:t>json</a:t>
+            </a:r>
+            <a:endParaRPr lang="fr-FR" sz="1200" dirty="0" smtClean="0"/>
+          </a:p>
+          <a:p>
+            <a:pPr marL="285750" indent="-285750">
+              <a:buFont typeface="Arial" panose="020B0604020202020204" pitchFamily="34" charset="0"/>
+              <a:buChar char="•"/>
+            </a:pPr>
             <a:endParaRPr lang="fr-FR" sz="1200" dirty="0"/>
+          </a:p>
+          <a:p>
+            <a:pPr marL="285750" indent="-285750">
+              <a:buFont typeface="Arial" panose="020B0604020202020204" pitchFamily="34" charset="0"/>
+              <a:buChar char="•"/>
+            </a:pPr>
+            <a:r>
+              <a:rPr lang="fr-FR" sz="1200" dirty="0" smtClean="0"/>
+              <a:t>Le chemin de destination</a:t>
+            </a:r>
+          </a:p>
+          <a:p>
+            <a:pPr marL="285750" indent="-285750">
+              <a:buFont typeface="Arial" panose="020B0604020202020204" pitchFamily="34" charset="0"/>
+              <a:buChar char="•"/>
+            </a:pPr>
+            <a:endParaRPr lang="fr-FR" sz="1200" dirty="0"/>
+          </a:p>
+          <a:p>
+            <a:pPr marL="285750" indent="-285750">
+              <a:buFont typeface="Arial" panose="020B0604020202020204" pitchFamily="34" charset="0"/>
+              <a:buChar char="•"/>
+            </a:pPr>
+            <a:r>
+              <a:rPr lang="fr-FR" sz="1200" dirty="0" smtClean="0"/>
+              <a:t>Les paramètres d’exportation</a:t>
+            </a:r>
+          </a:p>
+          <a:p>
+            <a:pPr marL="285750" indent="-285750">
+              <a:buFont typeface="Arial" panose="020B0604020202020204" pitchFamily="34" charset="0"/>
+              <a:buChar char="•"/>
+            </a:pPr>
+            <a:endParaRPr lang="fr-FR" sz="1200" dirty="0" smtClean="0"/>
+          </a:p>
+          <a:p>
+            <a:pPr marL="285750" indent="-285750">
+              <a:buFont typeface="Arial" panose="020B0604020202020204" pitchFamily="34" charset="0"/>
+              <a:buChar char="•"/>
+            </a:pPr>
+            <a:endParaRPr lang="fr-FR" sz="1200" dirty="0"/>
+          </a:p>
+          <a:p>
+            <a:r>
+              <a:rPr lang="fr-FR" sz="1200" dirty="0" smtClean="0"/>
+              <a:t>Ce qui donne par exemple : </a:t>
+            </a:r>
+          </a:p>
+          <a:p>
+            <a:endParaRPr lang="fr-FR" sz="1200" dirty="0"/>
+          </a:p>
+          <a:p>
+            <a:pPr algn="ctr"/>
+            <a:r>
+              <a:rPr lang="fr-FR" sz="1200" dirty="0" err="1" smtClean="0">
+                <a:solidFill>
+                  <a:schemeClr val="tx2"/>
+                </a:solidFill>
+              </a:rPr>
+              <a:t>CardMasterCmdExport</a:t>
+            </a:r>
+            <a:r>
+              <a:rPr lang="fr-FR" sz="1200" dirty="0" smtClean="0">
+                <a:solidFill>
+                  <a:schemeClr val="tx2"/>
+                </a:solidFill>
+              </a:rPr>
+              <a:t> "C:\Naruto.json</a:t>
+            </a:r>
+            <a:r>
+              <a:rPr lang="fr-FR" sz="1200" dirty="0">
+                <a:solidFill>
+                  <a:schemeClr val="tx2"/>
+                </a:solidFill>
+              </a:rPr>
+              <a:t>" "</a:t>
+            </a:r>
+            <a:r>
+              <a:rPr lang="fr-FR" sz="1200" dirty="0" smtClean="0">
+                <a:solidFill>
+                  <a:schemeClr val="tx2"/>
+                </a:solidFill>
+              </a:rPr>
+              <a:t>F:\Planches\" </a:t>
+            </a:r>
+            <a:r>
+              <a:rPr lang="fr-FR" sz="1200" dirty="0">
+                <a:solidFill>
+                  <a:schemeClr val="tx2"/>
+                </a:solidFill>
+              </a:rPr>
+              <a:t>/</a:t>
+            </a:r>
+            <a:r>
+              <a:rPr lang="fr-FR" sz="1200" dirty="0" err="1">
+                <a:solidFill>
+                  <a:schemeClr val="tx2"/>
+                </a:solidFill>
+              </a:rPr>
+              <a:t>m:board</a:t>
+            </a:r>
+            <a:r>
+              <a:rPr lang="fr-FR" sz="1200" dirty="0">
+                <a:solidFill>
+                  <a:schemeClr val="tx2"/>
+                </a:solidFill>
+              </a:rPr>
+              <a:t> /s:1 /</a:t>
+            </a:r>
+            <a:r>
+              <a:rPr lang="fr-FR" sz="1200" dirty="0" err="1">
+                <a:solidFill>
+                  <a:schemeClr val="tx2"/>
+                </a:solidFill>
+              </a:rPr>
+              <a:t>backside</a:t>
+            </a:r>
+            <a:endParaRPr lang="fr-FR" sz="1200" dirty="0">
+              <a:solidFill>
+                <a:schemeClr val="tx2"/>
+              </a:solidFill>
+            </a:endParaRPr>
           </a:p>
         </p:txBody>
       </p:sp>
     </p:spTree>
     <p:extLst>
       <p:ext uri="{BB962C8B-B14F-4D97-AF65-F5344CB8AC3E}">
-        <p14:creationId xmlns:p14="http://schemas.microsoft.com/office/powerpoint/2010/main" val="3701561373"/>
+        <p14:creationId xmlns:p14="http://schemas.microsoft.com/office/powerpoint/2010/main" val="3344874847"/>
       </p:ext>
     </p:extLst>
   </p:cSld>
@@ -5827,7 +6573,7 @@
 </p:sld>
 </file>
 
-<file path=ppt/slides/slide7.xml><?xml version="1.0" encoding="utf-8"?>
+<file path=ppt/slides/slide4.xml><?xml version="1.0" encoding="utf-8"?>
 <p:sld xmlns:a="http://schemas.openxmlformats.org/drawingml/2006/main" xmlns:r="http://schemas.openxmlformats.org/officeDocument/2006/relationships" xmlns:p="http://schemas.openxmlformats.org/presentationml/2006/main">
   <p:cSld>
     <p:spTree>
@@ -5891,7 +6637,7 @@
           <a:p>
             <a:r>
               <a:rPr lang="fr-FR" sz="2400" dirty="0" smtClean="0"/>
-              <a:t>Ajout d’un paramètre - Pas à pas</a:t>
+              <a:t>Les paramètres</a:t>
             </a:r>
             <a:endParaRPr lang="fr-FR" sz="2400" dirty="0"/>
           </a:p>
@@ -5931,8 +6677,8 @@
         </p:nvSpPr>
         <p:spPr>
           <a:xfrm>
-            <a:off x="251520" y="671691"/>
-            <a:ext cx="7968720" cy="5447645"/>
+            <a:off x="251521" y="671691"/>
+            <a:ext cx="8784976" cy="6001643"/>
           </a:xfrm>
           <a:prstGeom prst="rect">
             <a:avLst/>
@@ -5940,389 +6686,365 @@
           <a:noFill/>
         </p:spPr>
         <p:txBody>
-          <a:bodyPr wrap="none" rtlCol="0">
+          <a:bodyPr wrap="square" rtlCol="0">
             <a:spAutoFit/>
           </a:bodyPr>
           <a:lstStyle/>
           <a:p>
-            <a:pPr lvl="0"/>
-            <a:r>
-              <a:rPr lang="fr-FR" sz="1200" b="1" dirty="0" smtClean="0"/>
-              <a:t>Projet </a:t>
-            </a:r>
-            <a:r>
-              <a:rPr lang="fr-FR" sz="1200" b="1" dirty="0" err="1" smtClean="0"/>
-              <a:t>CardMasterCmdExport</a:t>
-            </a:r>
-            <a:endParaRPr lang="fr-FR" sz="1200" b="1" dirty="0" smtClean="0"/>
-          </a:p>
-          <a:p>
-            <a:pPr lvl="0"/>
-            <a:endParaRPr lang="fr-FR" sz="1200" b="1" dirty="0" smtClean="0"/>
+            <a:r>
+              <a:rPr lang="fr-FR" sz="1200" dirty="0" smtClean="0"/>
+              <a:t>Les paramètres sont préfixés de « / » et permettent de définir comment sera effectué l’exportation.</a:t>
+            </a:r>
+          </a:p>
+          <a:p>
+            <a:endParaRPr lang="fr-FR" sz="1200" u="sng" dirty="0" smtClean="0"/>
+          </a:p>
+          <a:p>
+            <a:endParaRPr lang="fr-FR" sz="1200" u="sng" dirty="0" smtClean="0"/>
+          </a:p>
+          <a:p>
+            <a:r>
+              <a:rPr lang="fr-FR" sz="1200" u="sng" dirty="0" smtClean="0"/>
+              <a:t>Il existe deux sortes de paramètres :</a:t>
+            </a:r>
+          </a:p>
+          <a:p>
+            <a:pPr marL="171450" indent="-171450">
+              <a:buFont typeface="Arial" panose="020B0604020202020204" pitchFamily="34" charset="0"/>
+              <a:buChar char="•"/>
+            </a:pPr>
+            <a:endParaRPr lang="fr-FR" sz="1200" dirty="0" smtClean="0"/>
+          </a:p>
+          <a:p>
+            <a:pPr marL="171450" indent="-171450">
+              <a:buFont typeface="Arial" panose="020B0604020202020204" pitchFamily="34" charset="0"/>
+              <a:buChar char="•"/>
+            </a:pPr>
+            <a:r>
+              <a:rPr lang="fr-FR" sz="1200" dirty="0" smtClean="0"/>
+              <a:t>Les paramètres obligatoires : </a:t>
+            </a:r>
           </a:p>
           <a:p>
             <a:pPr lvl="1"/>
             <a:r>
-              <a:rPr lang="fr-FR" sz="1200" b="1" dirty="0" smtClean="0"/>
-              <a:t>Classe </a:t>
-            </a:r>
-            <a:r>
-              <a:rPr lang="fr-FR" sz="1200" b="1" dirty="0" err="1" smtClean="0"/>
-              <a:t>Parameters</a:t>
-            </a:r>
-            <a:endParaRPr lang="fr-FR" sz="1200" b="1" dirty="0" smtClean="0"/>
+              <a:rPr lang="fr-FR" sz="1200" dirty="0" smtClean="0"/>
+              <a:t>Ce sont des paramètres </a:t>
+            </a:r>
+            <a:r>
+              <a:rPr lang="fr-FR" sz="1200" dirty="0"/>
+              <a:t>que l’utilisateur </a:t>
+            </a:r>
+            <a:r>
+              <a:rPr lang="fr-FR" sz="1200" u="sng" dirty="0"/>
+              <a:t>doit</a:t>
+            </a:r>
+            <a:r>
+              <a:rPr lang="fr-FR" sz="1200" dirty="0"/>
+              <a:t> définir car </a:t>
+            </a:r>
+            <a:r>
+              <a:rPr lang="fr-FR" sz="1200" dirty="0" smtClean="0"/>
+              <a:t>ils n’ont </a:t>
+            </a:r>
+            <a:r>
+              <a:rPr lang="fr-FR" sz="1200" dirty="0"/>
+              <a:t>pas de </a:t>
+            </a:r>
+            <a:r>
+              <a:rPr lang="fr-FR" sz="1200" dirty="0" smtClean="0"/>
+              <a:t>valeur </a:t>
+            </a:r>
+            <a:r>
+              <a:rPr lang="fr-FR" sz="1200" dirty="0"/>
+              <a:t>par défaut.</a:t>
+            </a:r>
+          </a:p>
+          <a:p>
+            <a:pPr marL="171450" indent="-171450">
+              <a:buFont typeface="Arial" panose="020B0604020202020204" pitchFamily="34" charset="0"/>
+              <a:buChar char="•"/>
+            </a:pPr>
+            <a:endParaRPr lang="fr-FR" sz="1200" dirty="0" smtClean="0"/>
+          </a:p>
+          <a:p>
+            <a:pPr marL="171450" indent="-171450">
+              <a:buFont typeface="Arial" panose="020B0604020202020204" pitchFamily="34" charset="0"/>
+              <a:buChar char="•"/>
+            </a:pPr>
+            <a:r>
+              <a:rPr lang="fr-FR" sz="1200" dirty="0" smtClean="0"/>
+              <a:t>Les paramètres optionnels :</a:t>
+            </a:r>
           </a:p>
           <a:p>
             <a:pPr lvl="1"/>
+            <a:r>
+              <a:rPr lang="fr-FR" sz="1200" dirty="0" smtClean="0"/>
+              <a:t>Ce sont des paramètres que l’utilisateur n’est pas obligé de définir. Ces paramètres ont une valeur </a:t>
+            </a:r>
+            <a:r>
+              <a:rPr lang="fr-FR" sz="1200" dirty="0"/>
+              <a:t>par défaut</a:t>
+            </a:r>
+            <a:r>
+              <a:rPr lang="fr-FR" sz="1200" dirty="0" smtClean="0"/>
+              <a:t>.</a:t>
+            </a:r>
+          </a:p>
+          <a:p>
+            <a:pPr marL="0" lvl="1"/>
             <a:endParaRPr lang="fr-FR" sz="1200" dirty="0"/>
           </a:p>
           <a:p>
-            <a:pPr lvl="1"/>
-            <a:r>
-              <a:rPr lang="fr-FR" sz="1200" dirty="0" smtClean="0"/>
-              <a:t>	Ajouter </a:t>
-            </a:r>
-            <a:r>
-              <a:rPr lang="fr-FR" sz="1200" dirty="0"/>
-              <a:t>un attribut getter/setter de type </a:t>
+            <a:pPr marL="0" lvl="1"/>
+            <a:endParaRPr lang="fr-FR" sz="1200" dirty="0" smtClean="0"/>
+          </a:p>
+          <a:p>
+            <a:pPr marL="0" lvl="1"/>
+            <a:r>
+              <a:rPr lang="fr-FR" sz="1200" u="sng" dirty="0" smtClean="0"/>
+              <a:t>Les paramètres peuvent être « à valeur » ou « à présence »</a:t>
+            </a:r>
+          </a:p>
+          <a:p>
+            <a:pPr marL="0" lvl="1"/>
+            <a:endParaRPr lang="fr-FR" sz="1200" dirty="0"/>
+          </a:p>
+          <a:p>
+            <a:pPr marL="171450" lvl="1" indent="-171450">
+              <a:buFont typeface="Arial" panose="020B0604020202020204" pitchFamily="34" charset="0"/>
+              <a:buChar char="•"/>
+            </a:pPr>
+            <a:r>
+              <a:rPr lang="fr-FR" sz="1200" dirty="0" smtClean="0"/>
+              <a:t>Les paramètres « à valeur » doivent… avoir une valeur, et se présentent sous cette forme : /&lt;</a:t>
+            </a:r>
+            <a:r>
+              <a:rPr lang="fr-FR" sz="1200" dirty="0" err="1" smtClean="0"/>
+              <a:t>nom_paramètre</a:t>
+            </a:r>
+            <a:r>
+              <a:rPr lang="fr-FR" sz="1200" dirty="0" smtClean="0"/>
+              <a:t>&gt;:&lt;</a:t>
+            </a:r>
+            <a:r>
+              <a:rPr lang="fr-FR" sz="1200" dirty="0" err="1" smtClean="0"/>
+              <a:t>valeur_paramètre</a:t>
+            </a:r>
+            <a:r>
+              <a:rPr lang="fr-FR" sz="1200" dirty="0" smtClean="0"/>
+              <a:t>&gt;</a:t>
+            </a:r>
+          </a:p>
+          <a:p>
+            <a:pPr marL="171450" lvl="1" indent="-171450">
+              <a:buFont typeface="Arial" panose="020B0604020202020204" pitchFamily="34" charset="0"/>
+              <a:buChar char="•"/>
+            </a:pPr>
+            <a:endParaRPr lang="fr-FR" sz="1200" dirty="0" smtClean="0"/>
+          </a:p>
+          <a:p>
+            <a:pPr marL="171450" lvl="1" indent="-171450">
+              <a:buFont typeface="Arial" panose="020B0604020202020204" pitchFamily="34" charset="0"/>
+              <a:buChar char="•"/>
+            </a:pPr>
+            <a:r>
+              <a:rPr lang="fr-FR" sz="1200" dirty="0" smtClean="0"/>
+              <a:t>Les paramètre « à présence » doivent être présent dans la ligne de commande. Ils correspondent à un </a:t>
+            </a:r>
+            <a:r>
+              <a:rPr lang="fr-FR" sz="1200" dirty="0" err="1" smtClean="0"/>
+              <a:t>bouléen</a:t>
+            </a:r>
+            <a:r>
+              <a:rPr lang="fr-FR" sz="1200" dirty="0" smtClean="0"/>
+              <a:t> à « </a:t>
+            </a:r>
+            <a:r>
+              <a:rPr lang="fr-FR" sz="1200" dirty="0" err="1" smtClean="0"/>
+              <a:t>true</a:t>
+            </a:r>
+            <a:r>
+              <a:rPr lang="fr-FR" sz="1200" dirty="0" smtClean="0"/>
+              <a:t> » si ils sont présents ou à « false » si il sont absents. Ils se présentent sous cette forme : /&lt;</a:t>
+            </a:r>
+            <a:r>
+              <a:rPr lang="fr-FR" sz="1200" dirty="0" err="1" smtClean="0"/>
+              <a:t>nom_paramètre</a:t>
+            </a:r>
+            <a:r>
+              <a:rPr lang="fr-FR" sz="1200" dirty="0" smtClean="0"/>
+              <a:t>&gt;</a:t>
+            </a:r>
+          </a:p>
+          <a:p>
+            <a:pPr marL="171450" lvl="1" indent="-171450">
+              <a:buFont typeface="Arial" panose="020B0604020202020204" pitchFamily="34" charset="0"/>
+              <a:buChar char="•"/>
+            </a:pPr>
+            <a:endParaRPr lang="fr-FR" sz="1200" dirty="0"/>
+          </a:p>
+          <a:p>
+            <a:pPr marL="0" lvl="1"/>
+            <a:endParaRPr lang="fr-FR" sz="1200" dirty="0" smtClean="0"/>
+          </a:p>
+          <a:p>
+            <a:pPr marL="0" lvl="1"/>
+            <a:r>
+              <a:rPr lang="fr-FR" sz="1200" u="sng" dirty="0" smtClean="0"/>
+              <a:t>Il existe trois types de valeurs de paramètre :</a:t>
+            </a:r>
+          </a:p>
+          <a:p>
+            <a:pPr marL="0" lvl="1"/>
+            <a:endParaRPr lang="fr-FR" sz="1200" dirty="0" smtClean="0"/>
+          </a:p>
+          <a:p>
+            <a:pPr marL="171450" lvl="1" indent="-171450">
+              <a:buFont typeface="Arial" panose="020B0604020202020204" pitchFamily="34" charset="0"/>
+              <a:buChar char="•"/>
+            </a:pPr>
+            <a:r>
+              <a:rPr lang="fr-FR" sz="1200" dirty="0" smtClean="0"/>
+              <a:t>Chaînes de caractère : </a:t>
+            </a:r>
+            <a:r>
+              <a:rPr lang="fr-FR" sz="1200" dirty="0"/>
+              <a:t>/&lt;</a:t>
             </a:r>
             <a:r>
               <a:rPr lang="fr-FR" sz="1200" dirty="0" err="1"/>
-              <a:t>Nullable</a:t>
-            </a:r>
-            <a:r>
-              <a:rPr lang="fr-FR" sz="1200" dirty="0"/>
-              <a:t> et l’initialiser à </a:t>
+              <a:t>nom_paramètre</a:t>
+            </a:r>
+            <a:r>
+              <a:rPr lang="fr-FR" sz="1200" dirty="0"/>
+              <a:t>&gt;:&lt;</a:t>
             </a:r>
             <a:r>
               <a:rPr lang="fr-FR" sz="1200" dirty="0" err="1" smtClean="0"/>
-              <a:t>null</a:t>
-            </a:r>
-            <a:r>
-              <a:rPr lang="fr-FR" sz="1200" dirty="0" smtClean="0"/>
-              <a:t>.</a:t>
-            </a:r>
-          </a:p>
-          <a:p>
-            <a:pPr lvl="1"/>
-            <a:r>
-              <a:rPr lang="fr-FR" sz="1200" dirty="0" smtClean="0"/>
-              <a:t>	Les </a:t>
-            </a:r>
-            <a:r>
-              <a:rPr lang="fr-FR" sz="1200" dirty="0"/>
-              <a:t>types autorisés sont string, </a:t>
+              <a:t>valeur_paramètre_string</a:t>
+            </a:r>
+            <a:r>
+              <a:rPr lang="fr-FR" sz="1200" dirty="0" smtClean="0"/>
+              <a:t>&gt; : accepte n’importe quel valeur sans espace ni « : »</a:t>
+            </a:r>
+          </a:p>
+          <a:p>
+            <a:pPr marL="171450" lvl="1" indent="-171450">
+              <a:buFont typeface="Arial" panose="020B0604020202020204" pitchFamily="34" charset="0"/>
+              <a:buChar char="•"/>
+            </a:pPr>
+            <a:endParaRPr lang="fr-FR" sz="1200" dirty="0"/>
+          </a:p>
+          <a:p>
+            <a:pPr marL="171450" lvl="1" indent="-171450">
+              <a:buFont typeface="Arial" panose="020B0604020202020204" pitchFamily="34" charset="0"/>
+              <a:buChar char="•"/>
+            </a:pPr>
+            <a:r>
+              <a:rPr lang="fr-FR" sz="1200" dirty="0" smtClean="0"/>
+              <a:t>Entier : </a:t>
+            </a:r>
+            <a:r>
+              <a:rPr lang="fr-FR" sz="1200" dirty="0"/>
+              <a:t>/&lt;</a:t>
             </a:r>
             <a:r>
               <a:rPr lang="fr-FR" sz="1200" dirty="0" err="1"/>
-              <a:t>int</a:t>
-            </a:r>
-            <a:r>
-              <a:rPr lang="fr-FR" sz="1200" dirty="0"/>
-              <a:t>? Et </a:t>
+              <a:t>nom_paramètre</a:t>
+            </a:r>
+            <a:r>
+              <a:rPr lang="fr-FR" sz="1200" dirty="0"/>
+              <a:t>&gt;:&lt;</a:t>
+            </a:r>
+            <a:r>
+              <a:rPr lang="fr-FR" sz="1200" dirty="0" err="1" smtClean="0"/>
+              <a:t>valeur_paramètre_int</a:t>
+            </a:r>
+            <a:r>
+              <a:rPr lang="fr-FR" sz="1200" dirty="0" smtClean="0"/>
+              <a:t>&gt; : accepte les entiers seulement</a:t>
+            </a:r>
+          </a:p>
+          <a:p>
+            <a:pPr marL="171450" lvl="1" indent="-171450">
+              <a:buFont typeface="Arial" panose="020B0604020202020204" pitchFamily="34" charset="0"/>
+              <a:buChar char="•"/>
+            </a:pPr>
+            <a:endParaRPr lang="fr-FR" sz="1200" dirty="0"/>
+          </a:p>
+          <a:p>
+            <a:pPr marL="171450" lvl="1" indent="-171450">
+              <a:buFont typeface="Arial" panose="020B0604020202020204" pitchFamily="34" charset="0"/>
+              <a:buChar char="•"/>
+            </a:pPr>
+            <a:r>
+              <a:rPr lang="fr-FR" sz="1200" dirty="0" smtClean="0"/>
+              <a:t>Booléen : </a:t>
+            </a:r>
+            <a:r>
+              <a:rPr lang="fr-FR" sz="1200" dirty="0"/>
+              <a:t>/&lt;</a:t>
             </a:r>
             <a:r>
               <a:rPr lang="fr-FR" sz="1200" dirty="0" err="1"/>
-              <a:t>bool</a:t>
-            </a:r>
-            <a:r>
-              <a:rPr lang="fr-FR" sz="1200" dirty="0"/>
-              <a:t>?</a:t>
-            </a:r>
-          </a:p>
-          <a:p>
-            <a:pPr lvl="1"/>
+              <a:t>nom_paramètre</a:t>
+            </a:r>
+            <a:r>
+              <a:rPr lang="fr-FR" sz="1200" dirty="0" smtClean="0"/>
+              <a:t>&gt; : n’a pas de valeur, sa présence ou son absence sert de valeur</a:t>
+            </a:r>
+            <a:endParaRPr lang="fr-FR" sz="1200" dirty="0"/>
+          </a:p>
+          <a:p>
+            <a:pPr marL="171450" lvl="1" indent="-171450">
+              <a:buFont typeface="Arial" panose="020B0604020202020204" pitchFamily="34" charset="0"/>
+              <a:buChar char="•"/>
+            </a:pPr>
             <a:endParaRPr lang="fr-FR" sz="1200" dirty="0" smtClean="0"/>
           </a:p>
           <a:p>
-            <a:pPr lvl="1"/>
+            <a:pPr marL="171450" lvl="1" indent="-171450">
+              <a:buFont typeface="Arial" panose="020B0604020202020204" pitchFamily="34" charset="0"/>
+              <a:buChar char="•"/>
+            </a:pPr>
             <a:endParaRPr lang="fr-FR" sz="1200" dirty="0" smtClean="0"/>
           </a:p>
           <a:p>
-            <a:pPr lvl="1"/>
-            <a:r>
-              <a:rPr lang="fr-FR" sz="1200" b="1" dirty="0" smtClean="0"/>
-              <a:t>Classe </a:t>
-            </a:r>
-            <a:r>
-              <a:rPr lang="fr-FR" sz="1200" b="1" dirty="0" err="1"/>
-              <a:t>ParametersReader</a:t>
-            </a:r>
-            <a:endParaRPr lang="fr-FR" sz="1200" b="1" dirty="0"/>
-          </a:p>
-          <a:p>
-            <a:pPr lvl="1"/>
-            <a:endParaRPr lang="fr-FR" sz="1200" dirty="0" smtClean="0"/>
-          </a:p>
-          <a:p>
-            <a:pPr lvl="2"/>
-            <a:r>
-              <a:rPr lang="fr-FR" sz="1200" dirty="0" smtClean="0"/>
-              <a:t>Dans </a:t>
-            </a:r>
-            <a:r>
-              <a:rPr lang="fr-FR" sz="1200" dirty="0"/>
-              <a:t>le </a:t>
-            </a:r>
-            <a:r>
-              <a:rPr lang="fr-FR" sz="1200" dirty="0" err="1"/>
-              <a:t>Dictionnary</a:t>
-            </a:r>
-            <a:r>
-              <a:rPr lang="fr-FR" sz="1200" dirty="0"/>
-              <a:t> </a:t>
-            </a:r>
-            <a:r>
-              <a:rPr lang="fr-FR" sz="1200" dirty="0" err="1" smtClean="0"/>
-              <a:t>parameters</a:t>
-            </a:r>
+            <a:pPr marL="171450" lvl="1" indent="-171450">
+              <a:buFont typeface="Arial" panose="020B0604020202020204" pitchFamily="34" charset="0"/>
+              <a:buChar char="•"/>
+            </a:pPr>
+            <a:r>
+              <a:rPr lang="fr-FR" sz="1200" u="sng" dirty="0" smtClean="0"/>
+              <a:t>Restriction de saisie </a:t>
+            </a:r>
+            <a:r>
+              <a:rPr lang="fr-FR" sz="1200" u="sng" dirty="0"/>
+              <a:t>:</a:t>
+            </a:r>
+          </a:p>
+          <a:p>
+            <a:pPr marL="171450" lvl="1" indent="-171450">
+              <a:buFont typeface="Arial" panose="020B0604020202020204" pitchFamily="34" charset="0"/>
+              <a:buChar char="•"/>
+            </a:pPr>
             <a:endParaRPr lang="fr-FR" sz="1200" dirty="0"/>
           </a:p>
           <a:p>
-            <a:pPr lvl="2"/>
-            <a:r>
-              <a:rPr lang="fr-FR" sz="1200" dirty="0"/>
-              <a:t>Ajouter un paramètre </a:t>
-            </a:r>
-            <a:r>
-              <a:rPr lang="fr-FR" sz="1200" dirty="0" smtClean="0"/>
-              <a:t>avec</a:t>
-            </a:r>
-            <a:endParaRPr lang="fr-FR" sz="1200" dirty="0"/>
-          </a:p>
-          <a:p>
-            <a:pPr lvl="3"/>
-            <a:r>
-              <a:rPr lang="fr-FR" sz="1200" b="1" dirty="0" smtClean="0"/>
-              <a:t>Clé:</a:t>
-            </a:r>
-            <a:r>
-              <a:rPr lang="fr-FR" sz="1200" dirty="0" smtClean="0"/>
-              <a:t> le </a:t>
-            </a:r>
-            <a:r>
-              <a:rPr lang="fr-FR" sz="1200" dirty="0"/>
-              <a:t>nom du paramètre tel qui sera saisi dans la ligne de commande. </a:t>
-            </a:r>
-            <a:endParaRPr lang="fr-FR" sz="1200" dirty="0" smtClean="0"/>
-          </a:p>
-          <a:p>
-            <a:pPr lvl="3"/>
-            <a:r>
-              <a:rPr lang="fr-FR" sz="1200" dirty="0" smtClean="0"/>
-              <a:t>	Par exemple</a:t>
-            </a:r>
-            <a:r>
-              <a:rPr lang="fr-FR" sz="1200" dirty="0"/>
-              <a:t> : </a:t>
-            </a:r>
-          </a:p>
-          <a:p>
-            <a:pPr lvl="4"/>
-            <a:r>
-              <a:rPr lang="fr-FR" sz="1200" dirty="0" smtClean="0"/>
-              <a:t>- si </a:t>
-            </a:r>
-            <a:r>
-              <a:rPr lang="fr-FR" sz="1200" dirty="0"/>
-              <a:t>on veut utiliser le paramètre /toto, le nom du paramètre à préciser sera « toto »</a:t>
-            </a:r>
-          </a:p>
-          <a:p>
-            <a:pPr lvl="4"/>
-            <a:r>
-              <a:rPr lang="fr-FR" sz="1200" dirty="0" smtClean="0"/>
-              <a:t>- si </a:t>
-            </a:r>
-            <a:r>
-              <a:rPr lang="fr-FR" sz="1200" dirty="0"/>
-              <a:t>on veut utiliser le paramètre /</a:t>
-            </a:r>
-            <a:r>
-              <a:rPr lang="fr-FR" sz="1200" dirty="0" err="1"/>
-              <a:t>titi:valeur_de_titi</a:t>
-            </a:r>
-            <a:r>
-              <a:rPr lang="fr-FR" sz="1200" dirty="0"/>
-              <a:t>, le nom du paramètre à préciser sera « titi »</a:t>
-            </a:r>
-          </a:p>
-          <a:p>
-            <a:pPr lvl="3"/>
-            <a:endParaRPr lang="fr-FR" sz="1200" dirty="0" smtClean="0"/>
-          </a:p>
-          <a:p>
-            <a:pPr lvl="3"/>
-            <a:r>
-              <a:rPr lang="fr-FR" sz="1200" b="1" dirty="0" smtClean="0"/>
-              <a:t>Valeur:</a:t>
-            </a:r>
-            <a:r>
-              <a:rPr lang="fr-FR" sz="1200" dirty="0" smtClean="0"/>
-              <a:t> </a:t>
-            </a:r>
-            <a:r>
-              <a:rPr lang="fr-FR" sz="1200" dirty="0"/>
-              <a:t>au choix :</a:t>
-            </a:r>
-          </a:p>
-          <a:p>
-            <a:pPr lvl="4"/>
-            <a:r>
-              <a:rPr lang="fr-FR" sz="1200" dirty="0" smtClean="0"/>
-              <a:t>- un </a:t>
-            </a:r>
-            <a:r>
-              <a:rPr lang="fr-FR" sz="1200" dirty="0" err="1"/>
-              <a:t>object</a:t>
-            </a:r>
-            <a:r>
-              <a:rPr lang="fr-FR" sz="1200" dirty="0"/>
-              <a:t> </a:t>
-            </a:r>
-            <a:r>
-              <a:rPr lang="fr-FR" sz="1200" dirty="0" err="1"/>
-              <a:t>PrmInfos</a:t>
-            </a:r>
-            <a:r>
-              <a:rPr lang="fr-FR" sz="1200" dirty="0"/>
-              <a:t> pour les paramètres obligatoires, avec comme paramètres</a:t>
-            </a:r>
-          </a:p>
-          <a:p>
-            <a:pPr lvl="5"/>
-            <a:r>
-              <a:rPr lang="fr-FR" sz="1200" dirty="0" smtClean="0"/>
-              <a:t>- le </a:t>
-            </a:r>
-            <a:r>
-              <a:rPr lang="fr-FR" sz="1200" dirty="0"/>
-              <a:t>nom de l’attribut de l’objet </a:t>
-            </a:r>
-            <a:r>
-              <a:rPr lang="fr-FR" sz="1200" dirty="0" err="1"/>
-              <a:t>Parameters</a:t>
-            </a:r>
-            <a:r>
-              <a:rPr lang="fr-FR" sz="1200" dirty="0"/>
-              <a:t> définit à l’étape 3</a:t>
-            </a:r>
-          </a:p>
-          <a:p>
-            <a:pPr lvl="5"/>
-            <a:r>
-              <a:rPr lang="fr-FR" sz="1200" dirty="0" smtClean="0"/>
-              <a:t>- optionnellement </a:t>
-            </a:r>
-            <a:r>
-              <a:rPr lang="fr-FR" sz="1200" dirty="0"/>
-              <a:t>un tableau de string définissant les valeurs autorisées</a:t>
-            </a:r>
-          </a:p>
-          <a:p>
-            <a:pPr lvl="4"/>
-            <a:r>
-              <a:rPr lang="fr-FR" sz="1200" dirty="0" smtClean="0"/>
-              <a:t>- un </a:t>
-            </a:r>
-            <a:r>
-              <a:rPr lang="fr-FR" sz="1200" dirty="0" err="1"/>
-              <a:t>object</a:t>
-            </a:r>
-            <a:r>
-              <a:rPr lang="fr-FR" sz="1200" dirty="0"/>
-              <a:t> </a:t>
-            </a:r>
-            <a:r>
-              <a:rPr lang="fr-FR" sz="1200" dirty="0" err="1"/>
-              <a:t>OptPrmInfos</a:t>
-            </a:r>
-            <a:r>
-              <a:rPr lang="fr-FR" sz="1200" dirty="0"/>
-              <a:t> pour les paramètres optionnels, avec comme paramètres</a:t>
-            </a:r>
-          </a:p>
-          <a:p>
-            <a:pPr lvl="5"/>
-            <a:r>
-              <a:rPr lang="fr-FR" sz="1200" dirty="0" smtClean="0"/>
-              <a:t>- le </a:t>
-            </a:r>
-            <a:r>
-              <a:rPr lang="fr-FR" sz="1200" dirty="0"/>
-              <a:t>nom de l’attribut de l’objet </a:t>
-            </a:r>
-            <a:r>
-              <a:rPr lang="fr-FR" sz="1200" dirty="0" err="1"/>
-              <a:t>Parameters</a:t>
-            </a:r>
-            <a:r>
-              <a:rPr lang="fr-FR" sz="1200" dirty="0"/>
-              <a:t> définit à l’étape 3</a:t>
-            </a:r>
-          </a:p>
-          <a:p>
-            <a:pPr lvl="5"/>
-            <a:r>
-              <a:rPr lang="fr-FR" sz="1200" dirty="0" smtClean="0"/>
-              <a:t>- optionnellement </a:t>
-            </a:r>
-            <a:r>
-              <a:rPr lang="fr-FR" sz="1200" dirty="0"/>
-              <a:t>un tableau de string définissant les valeurs autorisées</a:t>
-            </a:r>
-          </a:p>
-          <a:p>
-            <a:pPr lvl="5"/>
-            <a:r>
-              <a:rPr lang="fr-FR" sz="1200" dirty="0" smtClean="0"/>
-              <a:t>- une </a:t>
-            </a:r>
-            <a:r>
-              <a:rPr lang="fr-FR" sz="1200" dirty="0"/>
-              <a:t>valeur par défaut</a:t>
-            </a:r>
-          </a:p>
-          <a:p>
-            <a:pPr lvl="1"/>
-            <a:r>
-              <a:rPr lang="fr-FR" sz="1200" dirty="0"/>
-              <a:t> </a:t>
-            </a:r>
-          </a:p>
-          <a:p>
-            <a:pPr lvl="1"/>
-            <a:r>
-              <a:rPr lang="fr-FR" sz="1200" b="1" dirty="0" smtClean="0"/>
-              <a:t>Classe Usage</a:t>
-            </a:r>
-          </a:p>
-          <a:p>
-            <a:pPr lvl="1"/>
-            <a:endParaRPr lang="fr-FR" sz="1200" dirty="0" smtClean="0"/>
-          </a:p>
-          <a:p>
-            <a:pPr lvl="2"/>
-            <a:r>
-              <a:rPr lang="fr-FR" sz="1200" dirty="0" smtClean="0"/>
-              <a:t>Mettre </a:t>
-            </a:r>
-            <a:r>
-              <a:rPr lang="fr-FR" sz="1200" dirty="0"/>
-              <a:t>à jour </a:t>
-            </a:r>
-            <a:r>
-              <a:rPr lang="fr-FR" sz="1200" dirty="0" smtClean="0"/>
-              <a:t>l’usage.</a:t>
-            </a:r>
-            <a:endParaRPr lang="fr-FR" sz="1200" dirty="0"/>
+            <a:pPr marL="0" lvl="1"/>
+            <a:r>
+              <a:rPr lang="fr-FR" sz="1200" dirty="0" smtClean="0"/>
+              <a:t>Les paramètres dont les valeurs sont de type « chaîne de caractères » ou « entier » peuvent avoir une liste de valeurs autorisées.</a:t>
+            </a:r>
           </a:p>
         </p:txBody>
       </p:sp>
     </p:spTree>
     <p:extLst>
       <p:ext uri="{BB962C8B-B14F-4D97-AF65-F5344CB8AC3E}">
-        <p14:creationId xmlns:p14="http://schemas.microsoft.com/office/powerpoint/2010/main" val="1203155697"/>
+        <p14:creationId xmlns:p14="http://schemas.microsoft.com/office/powerpoint/2010/main" val="2162708927"/>
       </p:ext>
     </p:extLst>
   </p:cSld>
@@ -6332,7 +7054,7 @@
 </p:sld>
 </file>
 
-<file path=ppt/slides/slide8.xml><?xml version="1.0" encoding="utf-8"?>
+<file path=ppt/slides/slide5.xml><?xml version="1.0" encoding="utf-8"?>
 <p:sld xmlns:a="http://schemas.openxmlformats.org/drawingml/2006/main" xmlns:r="http://schemas.openxmlformats.org/officeDocument/2006/relationships" xmlns:p="http://schemas.openxmlformats.org/presentationml/2006/main">
   <p:cSld>
     <p:spTree>
@@ -6396,15 +7118,7 @@
           <a:p>
             <a:r>
               <a:rPr lang="fr-FR" sz="2400" dirty="0" smtClean="0"/>
-              <a:t>Ajout d’un </a:t>
-            </a:r>
-            <a:r>
-              <a:rPr lang="fr-FR" sz="2400" dirty="0" smtClean="0"/>
-              <a:t>paramètre par l’exemple </a:t>
-            </a:r>
-            <a:r>
-              <a:rPr lang="fr-FR" sz="2400" dirty="0" smtClean="0"/>
-              <a:t>– Exemple 1</a:t>
+              <a:t>Le paramètre /?</a:t>
             </a:r>
             <a:endParaRPr lang="fr-FR" sz="2400" dirty="0"/>
           </a:p>
@@ -6438,14 +7152,14 @@
       </p:sp>
       <p:sp>
         <p:nvSpPr>
-          <p:cNvPr id="2" name="ZoneTexte 1"/>
+          <p:cNvPr id="10" name="ZoneTexte 9"/>
           <p:cNvSpPr txBox="1"/>
           <p:nvPr/>
         </p:nvSpPr>
         <p:spPr>
           <a:xfrm>
-            <a:off x="179513" y="620688"/>
-            <a:ext cx="8712968" cy="6093976"/>
+            <a:off x="251521" y="671691"/>
+            <a:ext cx="8784976" cy="1015663"/>
           </a:xfrm>
           <a:prstGeom prst="rect">
             <a:avLst/>
@@ -6460,981 +7174,33 @@
           <a:p>
             <a:r>
               <a:rPr lang="fr-FR" sz="1200" dirty="0" smtClean="0"/>
-              <a:t>On </a:t>
-            </a:r>
-            <a:r>
-              <a:rPr lang="fr-FR" sz="1200" dirty="0"/>
-              <a:t>souhaite ajouter un paramètre </a:t>
-            </a:r>
-            <a:r>
-              <a:rPr lang="fr-FR" sz="1200" b="1" dirty="0"/>
-              <a:t>obligatoire</a:t>
-            </a:r>
-            <a:r>
-              <a:rPr lang="fr-FR" sz="1200" dirty="0"/>
-              <a:t> définissant le </a:t>
-            </a:r>
-            <a:r>
-              <a:rPr lang="fr-FR" sz="1200" b="1" dirty="0"/>
-              <a:t>mode d’exportation</a:t>
-            </a:r>
-            <a:r>
-              <a:rPr lang="fr-FR" sz="1200" dirty="0"/>
-              <a:t>.</a:t>
-            </a:r>
-          </a:p>
-          <a:p>
-            <a:r>
-              <a:rPr lang="fr-FR" sz="1200" dirty="0" smtClean="0"/>
-              <a:t>Nous allons représenter les modes par des </a:t>
-            </a:r>
-            <a:r>
-              <a:rPr lang="fr-FR" sz="1200" b="1" dirty="0" smtClean="0"/>
-              <a:t>chaînes de caractères</a:t>
-            </a:r>
-            <a:r>
-              <a:rPr lang="fr-FR" sz="1200" dirty="0" smtClean="0"/>
-              <a:t> dans la ligne de commande.</a:t>
-            </a:r>
-          </a:p>
-          <a:p>
-            <a:r>
-              <a:rPr lang="fr-FR" sz="1200" dirty="0"/>
-              <a:t> </a:t>
-            </a:r>
-          </a:p>
-          <a:p>
-            <a:r>
-              <a:rPr lang="fr-FR" sz="1200" dirty="0"/>
-              <a:t>Il peut exister deux modes d’exportation :</a:t>
-            </a:r>
-          </a:p>
-          <a:p>
-            <a:pPr marL="171450" lvl="0" indent="-171450">
-              <a:buFont typeface="Arial" panose="020B0604020202020204" pitchFamily="34" charset="0"/>
-              <a:buChar char="•"/>
-            </a:pPr>
-            <a:r>
-              <a:rPr lang="fr-FR" sz="1200" dirty="0" smtClean="0"/>
-              <a:t>Exportation </a:t>
-            </a:r>
-            <a:r>
-              <a:rPr lang="fr-FR" sz="1200" dirty="0"/>
-              <a:t>de chacune des cartes </a:t>
-            </a:r>
-            <a:r>
-              <a:rPr lang="fr-FR" sz="1200" dirty="0" smtClean="0">
-                <a:sym typeface="Wingdings" panose="05000000000000000000" pitchFamily="2" charset="2"/>
-              </a:rPr>
-              <a:t></a:t>
-            </a:r>
-            <a:r>
-              <a:rPr lang="fr-FR" sz="1200" dirty="0" smtClean="0"/>
-              <a:t> valeur </a:t>
-            </a:r>
-            <a:r>
-              <a:rPr lang="fr-FR" sz="1200" dirty="0"/>
-              <a:t>à saisir « </a:t>
-            </a:r>
-            <a:r>
-              <a:rPr lang="fr-FR" sz="1200" b="1" dirty="0"/>
-              <a:t>all</a:t>
-            </a:r>
-            <a:r>
-              <a:rPr lang="fr-FR" sz="1200" dirty="0"/>
-              <a:t> »</a:t>
-            </a:r>
-          </a:p>
-          <a:p>
-            <a:pPr marL="171450" lvl="0" indent="-171450">
-              <a:buFont typeface="Arial" panose="020B0604020202020204" pitchFamily="34" charset="0"/>
-              <a:buChar char="•"/>
-            </a:pPr>
-            <a:r>
-              <a:rPr lang="fr-FR" sz="1200" dirty="0"/>
-              <a:t>Exportation de toutes les cartes sous forme de planche </a:t>
-            </a:r>
-            <a:r>
-              <a:rPr lang="fr-FR" sz="1200" dirty="0" smtClean="0">
-                <a:sym typeface="Wingdings" panose="05000000000000000000" pitchFamily="2" charset="2"/>
-              </a:rPr>
-              <a:t></a:t>
-            </a:r>
-            <a:r>
-              <a:rPr lang="fr-FR" sz="1200" dirty="0" smtClean="0"/>
-              <a:t> </a:t>
-            </a:r>
-            <a:r>
-              <a:rPr lang="fr-FR" sz="1200" dirty="0"/>
-              <a:t>valeur à saisir « </a:t>
-            </a:r>
-            <a:r>
-              <a:rPr lang="fr-FR" sz="1200" b="1" dirty="0" err="1"/>
-              <a:t>board</a:t>
-            </a:r>
-            <a:r>
-              <a:rPr lang="fr-FR" sz="1200" dirty="0"/>
-              <a:t> »</a:t>
+              <a:t>Il existe un paramètre particulier qui permet l’affichage de l’usage de la fonction d’exportation en ligne de commande.</a:t>
             </a:r>
           </a:p>
           <a:p>
             <a:endParaRPr lang="fr-FR" sz="1200" dirty="0" smtClean="0"/>
           </a:p>
           <a:p>
-            <a:pPr algn="just"/>
-            <a:r>
-              <a:rPr lang="fr-FR" sz="1200" dirty="0" smtClean="0"/>
-              <a:t>Ce </a:t>
-            </a:r>
-            <a:r>
-              <a:rPr lang="fr-FR" sz="1200" dirty="0"/>
-              <a:t>paramètre est </a:t>
-            </a:r>
-            <a:r>
-              <a:rPr lang="fr-FR" sz="1200" b="1" dirty="0"/>
-              <a:t>obligatoire</a:t>
-            </a:r>
-            <a:r>
-              <a:rPr lang="fr-FR" sz="1200" dirty="0"/>
-              <a:t>, l’utilisateur devra saisir le type d’export </a:t>
-            </a:r>
-            <a:r>
-              <a:rPr lang="fr-FR" sz="1200" dirty="0" smtClean="0"/>
-              <a:t>voulu.</a:t>
-            </a:r>
+            <a:r>
+              <a:rPr lang="fr-FR" sz="1200" dirty="0" smtClean="0"/>
+              <a:t>C’est le paramètre /?</a:t>
+            </a:r>
+          </a:p>
+          <a:p>
             <a:endParaRPr lang="fr-FR" sz="1200" dirty="0"/>
           </a:p>
           <a:p>
-            <a:pPr algn="just"/>
-            <a:r>
-              <a:rPr lang="fr-FR" sz="1200" dirty="0"/>
-              <a:t>Le nom du </a:t>
-            </a:r>
-            <a:r>
-              <a:rPr lang="fr-FR" sz="1200" dirty="0" smtClean="0"/>
-              <a:t>paramètre </a:t>
-            </a:r>
-            <a:r>
-              <a:rPr lang="fr-FR" sz="1200" dirty="0"/>
-              <a:t>dans la ligne de commande sera « </a:t>
-            </a:r>
-            <a:r>
-              <a:rPr lang="fr-FR" sz="1200" b="1" dirty="0"/>
-              <a:t>m</a:t>
-            </a:r>
-            <a:r>
-              <a:rPr lang="fr-FR" sz="1200" dirty="0"/>
-              <a:t> » (pour mode) l’utilisateur devra donc saisir « /</a:t>
-            </a:r>
-            <a:r>
-              <a:rPr lang="fr-FR" sz="1200" dirty="0" err="1"/>
-              <a:t>m:all</a:t>
-            </a:r>
-            <a:r>
-              <a:rPr lang="fr-FR" sz="1200" dirty="0"/>
-              <a:t> » ou « /</a:t>
-            </a:r>
-            <a:r>
-              <a:rPr lang="fr-FR" sz="1200" dirty="0" err="1"/>
-              <a:t>m:board</a:t>
-            </a:r>
-            <a:r>
-              <a:rPr lang="fr-FR" sz="1200" dirty="0"/>
-              <a:t> »</a:t>
-            </a:r>
-          </a:p>
-          <a:p>
-            <a:endParaRPr lang="fr-FR" sz="1200" dirty="0" smtClean="0"/>
-          </a:p>
-          <a:p>
-            <a:endParaRPr lang="fr-FR" sz="1200" dirty="0"/>
-          </a:p>
-          <a:p>
-            <a:r>
-              <a:rPr lang="fr-FR" sz="1200" u="sng" dirty="0" smtClean="0"/>
-              <a:t>Etape </a:t>
-            </a:r>
-            <a:r>
-              <a:rPr lang="fr-FR" sz="1200" u="sng" dirty="0"/>
-              <a:t>1</a:t>
-            </a:r>
-            <a:r>
-              <a:rPr lang="fr-FR" sz="1200" dirty="0"/>
-              <a:t> : Ajouter un attribut getter/setter dans la classe </a:t>
-            </a:r>
-            <a:r>
-              <a:rPr lang="fr-FR" sz="1200" dirty="0" err="1"/>
-              <a:t>Parameters</a:t>
-            </a:r>
-            <a:r>
-              <a:rPr lang="fr-FR" sz="1200" dirty="0"/>
-              <a:t> (</a:t>
-            </a:r>
-            <a:r>
-              <a:rPr lang="fr-FR" sz="1200" dirty="0" err="1"/>
-              <a:t>Nullable</a:t>
-            </a:r>
-            <a:r>
-              <a:rPr lang="fr-FR" sz="1200" dirty="0"/>
-              <a:t> et initialisé à </a:t>
-            </a:r>
-            <a:r>
-              <a:rPr lang="fr-FR" sz="1200" dirty="0" err="1"/>
-              <a:t>null</a:t>
-            </a:r>
-            <a:r>
-              <a:rPr lang="fr-FR" sz="1200" dirty="0"/>
-              <a:t>)</a:t>
-            </a:r>
-          </a:p>
-          <a:p>
-            <a:endParaRPr lang="fr-FR" sz="1200" dirty="0" smtClean="0"/>
-          </a:p>
-          <a:p>
-            <a:pPr algn="ctr"/>
-            <a:r>
-              <a:rPr lang="fr-FR" sz="1200" dirty="0">
-                <a:solidFill>
-                  <a:schemeClr val="tx2"/>
-                </a:solidFill>
-              </a:rPr>
-              <a:t>public </a:t>
-            </a:r>
-            <a:r>
-              <a:rPr lang="fr-FR" sz="1200" dirty="0">
-                <a:solidFill>
-                  <a:schemeClr val="tx2"/>
-                </a:solidFill>
-              </a:rPr>
-              <a:t>string </a:t>
-            </a:r>
-            <a:r>
-              <a:rPr lang="fr-FR" sz="1200" dirty="0" err="1">
-                <a:solidFill>
-                  <a:schemeClr val="tx2"/>
-                </a:solidFill>
-              </a:rPr>
-              <a:t>ExportMode</a:t>
-            </a:r>
-            <a:r>
-              <a:rPr lang="fr-FR" sz="1200" dirty="0">
-                <a:solidFill>
-                  <a:schemeClr val="tx2"/>
-                </a:solidFill>
-              </a:rPr>
-              <a:t> { </a:t>
-            </a:r>
-            <a:r>
-              <a:rPr lang="fr-FR" sz="1200" dirty="0" err="1">
-                <a:solidFill>
-                  <a:schemeClr val="tx2"/>
-                </a:solidFill>
-              </a:rPr>
-              <a:t>get</a:t>
-            </a:r>
-            <a:r>
-              <a:rPr lang="fr-FR" sz="1200" dirty="0">
-                <a:solidFill>
-                  <a:schemeClr val="tx2"/>
-                </a:solidFill>
-              </a:rPr>
-              <a:t>; set; } = </a:t>
-            </a:r>
-            <a:r>
-              <a:rPr lang="fr-FR" sz="1200" dirty="0" err="1">
-                <a:solidFill>
-                  <a:schemeClr val="tx2"/>
-                </a:solidFill>
-              </a:rPr>
-              <a:t>null</a:t>
-            </a:r>
-            <a:r>
-              <a:rPr lang="fr-FR" sz="1200" dirty="0">
-                <a:solidFill>
-                  <a:schemeClr val="tx2"/>
-                </a:solidFill>
-              </a:rPr>
-              <a:t>;</a:t>
-            </a:r>
-          </a:p>
-          <a:p>
-            <a:r>
-              <a:rPr lang="fr-FR" sz="1200" dirty="0"/>
-              <a:t> </a:t>
-            </a:r>
-          </a:p>
-          <a:p>
-            <a:r>
-              <a:rPr lang="fr-FR" sz="1200" dirty="0"/>
-              <a:t> </a:t>
-            </a:r>
-          </a:p>
-          <a:p>
-            <a:r>
-              <a:rPr lang="fr-FR" sz="1200" u="sng" dirty="0" smtClean="0"/>
-              <a:t>Etape </a:t>
-            </a:r>
-            <a:r>
-              <a:rPr lang="fr-FR" sz="1200" u="sng" dirty="0"/>
-              <a:t>2</a:t>
-            </a:r>
-            <a:r>
-              <a:rPr lang="fr-FR" sz="1200" dirty="0"/>
-              <a:t> : Ajouter un paramètre dans le </a:t>
-            </a:r>
-            <a:r>
-              <a:rPr lang="fr-FR" sz="1200" dirty="0" err="1"/>
-              <a:t>Dictionnary</a:t>
-            </a:r>
-            <a:r>
-              <a:rPr lang="fr-FR" sz="1200" dirty="0"/>
-              <a:t> </a:t>
-            </a:r>
-            <a:r>
-              <a:rPr lang="fr-FR" sz="1200" dirty="0" err="1"/>
-              <a:t>parameters</a:t>
-            </a:r>
-            <a:r>
-              <a:rPr lang="fr-FR" sz="1200" dirty="0"/>
-              <a:t> de la classe </a:t>
-            </a:r>
-            <a:r>
-              <a:rPr lang="fr-FR" sz="1200" dirty="0" err="1"/>
-              <a:t>ParametersReader</a:t>
-            </a:r>
-            <a:r>
-              <a:rPr lang="fr-FR" sz="1200" dirty="0"/>
-              <a:t>. Ce qui donne ceci :</a:t>
-            </a:r>
-          </a:p>
-          <a:p>
-            <a:r>
-              <a:rPr lang="fr-FR" sz="1200" dirty="0"/>
-              <a:t> </a:t>
-            </a:r>
-          </a:p>
-          <a:p>
-            <a:r>
-              <a:rPr lang="fr-FR" sz="1200" dirty="0">
-                <a:solidFill>
-                  <a:schemeClr val="accent5">
-                    <a:lumMod val="60000"/>
-                    <a:lumOff val="40000"/>
-                  </a:schemeClr>
-                </a:solidFill>
-              </a:rPr>
-              <a:t>        </a:t>
-            </a:r>
-            <a:r>
-              <a:rPr lang="fr-FR" sz="1200" dirty="0" err="1">
-                <a:solidFill>
-                  <a:schemeClr val="accent5">
-                    <a:lumMod val="60000"/>
-                    <a:lumOff val="40000"/>
-                  </a:schemeClr>
-                </a:solidFill>
-              </a:rPr>
-              <a:t>private</a:t>
-            </a:r>
-            <a:r>
-              <a:rPr lang="fr-FR" sz="1200" dirty="0">
-                <a:solidFill>
-                  <a:schemeClr val="accent5">
-                    <a:lumMod val="60000"/>
-                    <a:lumOff val="40000"/>
-                  </a:schemeClr>
-                </a:solidFill>
-              </a:rPr>
-              <a:t> </a:t>
-            </a:r>
-            <a:r>
-              <a:rPr lang="fr-FR" sz="1200" dirty="0" err="1">
-                <a:solidFill>
-                  <a:schemeClr val="accent5">
-                    <a:lumMod val="60000"/>
-                    <a:lumOff val="40000"/>
-                  </a:schemeClr>
-                </a:solidFill>
-              </a:rPr>
-              <a:t>Dictionary</a:t>
-            </a:r>
-            <a:r>
-              <a:rPr lang="fr-FR" sz="1200" dirty="0">
-                <a:solidFill>
-                  <a:schemeClr val="accent5">
-                    <a:lumMod val="60000"/>
-                    <a:lumOff val="40000"/>
-                  </a:schemeClr>
-                </a:solidFill>
-              </a:rPr>
-              <a:t>&lt;string, </a:t>
-            </a:r>
-            <a:r>
-              <a:rPr lang="fr-FR" sz="1200" dirty="0" err="1">
-                <a:solidFill>
-                  <a:schemeClr val="accent5">
-                    <a:lumMod val="60000"/>
-                    <a:lumOff val="40000"/>
-                  </a:schemeClr>
-                </a:solidFill>
-              </a:rPr>
-              <a:t>PrmInfos</a:t>
-            </a:r>
-            <a:r>
-              <a:rPr lang="fr-FR" sz="1200" dirty="0">
-                <a:solidFill>
-                  <a:schemeClr val="accent5">
-                    <a:lumMod val="60000"/>
-                    <a:lumOff val="40000"/>
-                  </a:schemeClr>
-                </a:solidFill>
-              </a:rPr>
-              <a:t>&gt; </a:t>
-            </a:r>
-            <a:r>
-              <a:rPr lang="fr-FR" sz="1200" dirty="0" err="1">
-                <a:solidFill>
-                  <a:schemeClr val="accent5">
-                    <a:lumMod val="60000"/>
-                    <a:lumOff val="40000"/>
-                  </a:schemeClr>
-                </a:solidFill>
-              </a:rPr>
-              <a:t>parameters</a:t>
-            </a:r>
-            <a:r>
-              <a:rPr lang="fr-FR" sz="1200" dirty="0">
-                <a:solidFill>
-                  <a:schemeClr val="accent5">
-                    <a:lumMod val="60000"/>
-                    <a:lumOff val="40000"/>
-                  </a:schemeClr>
-                </a:solidFill>
-              </a:rPr>
-              <a:t> = new </a:t>
-            </a:r>
-            <a:r>
-              <a:rPr lang="fr-FR" sz="1200" dirty="0" err="1">
-                <a:solidFill>
-                  <a:schemeClr val="accent5">
-                    <a:lumMod val="60000"/>
-                    <a:lumOff val="40000"/>
-                  </a:schemeClr>
-                </a:solidFill>
-              </a:rPr>
-              <a:t>Dictionary</a:t>
-            </a:r>
-            <a:r>
-              <a:rPr lang="fr-FR" sz="1200" dirty="0">
-                <a:solidFill>
-                  <a:schemeClr val="accent5">
-                    <a:lumMod val="60000"/>
-                    <a:lumOff val="40000"/>
-                  </a:schemeClr>
-                </a:solidFill>
-              </a:rPr>
-              <a:t>&lt;string, </a:t>
-            </a:r>
-            <a:r>
-              <a:rPr lang="fr-FR" sz="1200" dirty="0" err="1">
-                <a:solidFill>
-                  <a:schemeClr val="accent5">
-                    <a:lumMod val="60000"/>
-                    <a:lumOff val="40000"/>
-                  </a:schemeClr>
-                </a:solidFill>
-              </a:rPr>
-              <a:t>PrmInfos</a:t>
-            </a:r>
-            <a:r>
-              <a:rPr lang="fr-FR" sz="1200" dirty="0">
-                <a:solidFill>
-                  <a:schemeClr val="accent5">
-                    <a:lumMod val="60000"/>
-                    <a:lumOff val="40000"/>
-                  </a:schemeClr>
-                </a:solidFill>
-              </a:rPr>
-              <a:t>&gt;()</a:t>
-            </a:r>
-          </a:p>
-          <a:p>
-            <a:r>
-              <a:rPr lang="fr-FR" sz="1200" dirty="0">
-                <a:solidFill>
-                  <a:schemeClr val="accent5">
-                    <a:lumMod val="60000"/>
-                    <a:lumOff val="40000"/>
-                  </a:schemeClr>
-                </a:solidFill>
-              </a:rPr>
-              <a:t>        {</a:t>
-            </a:r>
-          </a:p>
-          <a:p>
-            <a:r>
-              <a:rPr lang="fr-FR" sz="1200" dirty="0">
-                <a:solidFill>
-                  <a:schemeClr val="accent5">
-                    <a:lumMod val="60000"/>
-                    <a:lumOff val="40000"/>
-                  </a:schemeClr>
-                </a:solidFill>
-              </a:rPr>
-              <a:t>            { "</a:t>
-            </a:r>
-            <a:r>
-              <a:rPr lang="fr-FR" sz="1200" dirty="0" err="1">
-                <a:solidFill>
-                  <a:schemeClr val="accent5">
-                    <a:lumMod val="60000"/>
-                    <a:lumOff val="40000"/>
-                  </a:schemeClr>
-                </a:solidFill>
-              </a:rPr>
-              <a:t>backside</a:t>
-            </a:r>
-            <a:r>
-              <a:rPr lang="fr-FR" sz="1200" dirty="0">
-                <a:solidFill>
-                  <a:schemeClr val="accent5">
-                    <a:lumMod val="60000"/>
-                    <a:lumOff val="40000"/>
-                  </a:schemeClr>
-                </a:solidFill>
-              </a:rPr>
-              <a:t>", </a:t>
-            </a:r>
-            <a:r>
-              <a:rPr lang="fr-FR" sz="1200" dirty="0" smtClean="0">
-                <a:solidFill>
-                  <a:schemeClr val="accent5">
-                    <a:lumMod val="60000"/>
-                    <a:lumOff val="40000"/>
-                  </a:schemeClr>
-                </a:solidFill>
-              </a:rPr>
-              <a:t>	new </a:t>
-            </a:r>
-            <a:r>
-              <a:rPr lang="fr-FR" sz="1200" dirty="0" err="1">
-                <a:solidFill>
-                  <a:schemeClr val="accent5">
-                    <a:lumMod val="60000"/>
-                    <a:lumOff val="40000"/>
-                  </a:schemeClr>
-                </a:solidFill>
-              </a:rPr>
-              <a:t>OptPrmInfos</a:t>
-            </a:r>
-            <a:r>
-              <a:rPr lang="fr-FR" sz="1200" dirty="0">
-                <a:solidFill>
-                  <a:schemeClr val="accent5">
-                    <a:lumMod val="60000"/>
-                    <a:lumOff val="40000"/>
-                  </a:schemeClr>
-                </a:solidFill>
-              </a:rPr>
-              <a:t>("</a:t>
-            </a:r>
-            <a:r>
-              <a:rPr lang="fr-FR" sz="1200" dirty="0" err="1">
-                <a:solidFill>
-                  <a:schemeClr val="accent5">
-                    <a:lumMod val="60000"/>
-                    <a:lumOff val="40000"/>
-                  </a:schemeClr>
-                </a:solidFill>
-              </a:rPr>
-              <a:t>WithBackSide</a:t>
-            </a:r>
-            <a:r>
-              <a:rPr lang="fr-FR" sz="1200" dirty="0">
-                <a:solidFill>
-                  <a:schemeClr val="accent5">
-                    <a:lumMod val="60000"/>
-                    <a:lumOff val="40000"/>
-                  </a:schemeClr>
-                </a:solidFill>
-              </a:rPr>
-              <a:t>", false) },</a:t>
-            </a:r>
-          </a:p>
-          <a:p>
-            <a:r>
-              <a:rPr lang="fr-FR" sz="1200" dirty="0">
-                <a:solidFill>
-                  <a:schemeClr val="accent5">
-                    <a:lumMod val="60000"/>
-                    <a:lumOff val="40000"/>
-                  </a:schemeClr>
-                </a:solidFill>
-              </a:rPr>
-              <a:t>            { "f</a:t>
-            </a:r>
-            <a:r>
-              <a:rPr lang="fr-FR" sz="1200" dirty="0" smtClean="0">
-                <a:solidFill>
-                  <a:schemeClr val="accent5">
-                    <a:lumMod val="60000"/>
-                    <a:lumOff val="40000"/>
-                  </a:schemeClr>
-                </a:solidFill>
-              </a:rPr>
-              <a:t>",		new </a:t>
-            </a:r>
-            <a:r>
-              <a:rPr lang="fr-FR" sz="1200" dirty="0" err="1">
-                <a:solidFill>
-                  <a:schemeClr val="accent5">
-                    <a:lumMod val="60000"/>
-                    <a:lumOff val="40000"/>
-                  </a:schemeClr>
-                </a:solidFill>
-              </a:rPr>
-              <a:t>OptPrmInfos</a:t>
-            </a:r>
-            <a:r>
-              <a:rPr lang="fr-FR" sz="1200" dirty="0">
-                <a:solidFill>
-                  <a:schemeClr val="accent5">
-                    <a:lumMod val="60000"/>
-                    <a:lumOff val="40000"/>
-                  </a:schemeClr>
-                </a:solidFill>
-              </a:rPr>
-              <a:t>("</a:t>
-            </a:r>
-            <a:r>
-              <a:rPr lang="fr-FR" sz="1200" dirty="0" err="1">
-                <a:solidFill>
-                  <a:schemeClr val="accent5">
-                    <a:lumMod val="60000"/>
-                    <a:lumOff val="40000"/>
-                  </a:schemeClr>
-                </a:solidFill>
-              </a:rPr>
-              <a:t>ExportFormat</a:t>
-            </a:r>
-            <a:r>
-              <a:rPr lang="fr-FR" sz="1200" dirty="0">
-                <a:solidFill>
-                  <a:schemeClr val="accent5">
-                    <a:lumMod val="60000"/>
-                    <a:lumOff val="40000"/>
-                  </a:schemeClr>
-                </a:solidFill>
-              </a:rPr>
-              <a:t>", new string[] {"</a:t>
-            </a:r>
-            <a:r>
-              <a:rPr lang="fr-FR" sz="1200" dirty="0" err="1">
-                <a:solidFill>
-                  <a:schemeClr val="accent5">
-                    <a:lumMod val="60000"/>
-                    <a:lumOff val="40000"/>
-                  </a:schemeClr>
-                </a:solidFill>
-              </a:rPr>
-              <a:t>png</a:t>
-            </a:r>
-            <a:r>
-              <a:rPr lang="fr-FR" sz="1200" dirty="0">
-                <a:solidFill>
-                  <a:schemeClr val="accent5">
-                    <a:lumMod val="60000"/>
-                    <a:lumOff val="40000"/>
-                  </a:schemeClr>
-                </a:solidFill>
-              </a:rPr>
-              <a:t>", "</a:t>
-            </a:r>
-            <a:r>
-              <a:rPr lang="fr-FR" sz="1200" dirty="0" err="1">
-                <a:solidFill>
-                  <a:schemeClr val="accent5">
-                    <a:lumMod val="60000"/>
-                    <a:lumOff val="40000"/>
-                  </a:schemeClr>
-                </a:solidFill>
-              </a:rPr>
-              <a:t>pdf</a:t>
-            </a:r>
-            <a:r>
-              <a:rPr lang="fr-FR" sz="1200" dirty="0">
-                <a:solidFill>
-                  <a:schemeClr val="accent5">
-                    <a:lumMod val="60000"/>
-                    <a:lumOff val="40000"/>
-                  </a:schemeClr>
-                </a:solidFill>
-              </a:rPr>
-              <a:t>"}, "</a:t>
-            </a:r>
-            <a:r>
-              <a:rPr lang="fr-FR" sz="1200" dirty="0" err="1">
-                <a:solidFill>
-                  <a:schemeClr val="accent5">
-                    <a:lumMod val="60000"/>
-                    <a:lumOff val="40000"/>
-                  </a:schemeClr>
-                </a:solidFill>
-              </a:rPr>
-              <a:t>png</a:t>
-            </a:r>
-            <a:r>
-              <a:rPr lang="fr-FR" sz="1200" dirty="0">
-                <a:solidFill>
-                  <a:schemeClr val="accent5">
-                    <a:lumMod val="60000"/>
-                    <a:lumOff val="40000"/>
-                  </a:schemeClr>
-                </a:solidFill>
-              </a:rPr>
-              <a:t>") },</a:t>
-            </a:r>
-          </a:p>
-          <a:p>
-            <a:r>
-              <a:rPr lang="fr-FR" sz="1200" dirty="0">
-                <a:solidFill>
-                  <a:schemeClr val="tx2"/>
-                </a:solidFill>
-              </a:rPr>
-              <a:t>            { "m</a:t>
-            </a:r>
-            <a:r>
-              <a:rPr lang="fr-FR" sz="1200" dirty="0" smtClean="0">
-                <a:solidFill>
-                  <a:schemeClr val="tx2"/>
-                </a:solidFill>
-              </a:rPr>
-              <a:t>",		new </a:t>
-            </a:r>
-            <a:r>
-              <a:rPr lang="fr-FR" sz="1200" dirty="0" err="1">
-                <a:solidFill>
-                  <a:schemeClr val="tx2"/>
-                </a:solidFill>
-              </a:rPr>
-              <a:t>PrmInfos</a:t>
-            </a:r>
-            <a:r>
-              <a:rPr lang="fr-FR" sz="1200" dirty="0">
-                <a:solidFill>
-                  <a:schemeClr val="tx2"/>
-                </a:solidFill>
-              </a:rPr>
-              <a:t>("</a:t>
-            </a:r>
-            <a:r>
-              <a:rPr lang="fr-FR" sz="1200" dirty="0" err="1">
-                <a:solidFill>
-                  <a:schemeClr val="tx2"/>
-                </a:solidFill>
-              </a:rPr>
-              <a:t>ExportMode</a:t>
-            </a:r>
-            <a:r>
-              <a:rPr lang="fr-FR" sz="1200" dirty="0">
-                <a:solidFill>
-                  <a:schemeClr val="tx2"/>
-                </a:solidFill>
-              </a:rPr>
-              <a:t>", new string[] {"all", "</a:t>
-            </a:r>
-            <a:r>
-              <a:rPr lang="fr-FR" sz="1200" dirty="0" err="1">
-                <a:solidFill>
-                  <a:schemeClr val="tx2"/>
-                </a:solidFill>
-              </a:rPr>
-              <a:t>board</a:t>
-            </a:r>
-            <a:r>
-              <a:rPr lang="fr-FR" sz="1200" dirty="0">
-                <a:solidFill>
-                  <a:schemeClr val="tx2"/>
-                </a:solidFill>
-              </a:rPr>
-              <a:t>"}) },</a:t>
-            </a:r>
-          </a:p>
-          <a:p>
-            <a:r>
-              <a:rPr lang="fr-FR" sz="1200" dirty="0">
-                <a:solidFill>
-                  <a:schemeClr val="accent5">
-                    <a:lumMod val="60000"/>
-                    <a:lumOff val="40000"/>
-                  </a:schemeClr>
-                </a:solidFill>
-              </a:rPr>
-              <a:t>            { "s</a:t>
-            </a:r>
-            <a:r>
-              <a:rPr lang="fr-FR" sz="1200" dirty="0" smtClean="0">
-                <a:solidFill>
-                  <a:schemeClr val="accent5">
-                    <a:lumMod val="60000"/>
-                    <a:lumOff val="40000"/>
-                  </a:schemeClr>
-                </a:solidFill>
-              </a:rPr>
-              <a:t>",		new </a:t>
-            </a:r>
-            <a:r>
-              <a:rPr lang="fr-FR" sz="1200" dirty="0" err="1">
-                <a:solidFill>
-                  <a:schemeClr val="accent5">
-                    <a:lumMod val="60000"/>
-                    <a:lumOff val="40000"/>
-                  </a:schemeClr>
-                </a:solidFill>
-              </a:rPr>
-              <a:t>OptPrmInfos</a:t>
-            </a:r>
-            <a:r>
-              <a:rPr lang="fr-FR" sz="1200" dirty="0">
-                <a:solidFill>
-                  <a:schemeClr val="accent5">
-                    <a:lumMod val="60000"/>
-                    <a:lumOff val="40000"/>
-                  </a:schemeClr>
-                </a:solidFill>
-              </a:rPr>
-              <a:t>("</a:t>
-            </a:r>
-            <a:r>
-              <a:rPr lang="fr-FR" sz="1200" dirty="0" err="1">
-                <a:solidFill>
-                  <a:schemeClr val="accent5">
-                    <a:lumMod val="60000"/>
-                    <a:lumOff val="40000"/>
-                  </a:schemeClr>
-                </a:solidFill>
-              </a:rPr>
-              <a:t>BoardSpace</a:t>
-            </a:r>
-            <a:r>
-              <a:rPr lang="fr-FR" sz="1200" dirty="0">
-                <a:solidFill>
-                  <a:schemeClr val="accent5">
-                    <a:lumMod val="60000"/>
-                    <a:lumOff val="40000"/>
-                  </a:schemeClr>
-                </a:solidFill>
-              </a:rPr>
-              <a:t>", 0) }</a:t>
-            </a:r>
-          </a:p>
-          <a:p>
-            <a:r>
-              <a:rPr lang="fr-FR" sz="1200" dirty="0">
-                <a:solidFill>
-                  <a:schemeClr val="accent5">
-                    <a:lumMod val="60000"/>
-                    <a:lumOff val="40000"/>
-                  </a:schemeClr>
-                </a:solidFill>
-              </a:rPr>
-              <a:t>        };</a:t>
-            </a:r>
-          </a:p>
-          <a:p>
-            <a:r>
-              <a:rPr lang="fr-FR" sz="1200" dirty="0"/>
-              <a:t> </a:t>
-            </a:r>
-          </a:p>
-          <a:p>
-            <a:pPr algn="just"/>
-            <a:r>
-              <a:rPr lang="fr-FR" sz="1200" dirty="0"/>
-              <a:t>On voit que le paramètre de ligne de commande « m » est un paramètre obligatoire (</a:t>
-            </a:r>
-            <a:r>
-              <a:rPr lang="fr-FR" sz="1200" dirty="0" err="1"/>
-              <a:t>PrmInfos</a:t>
-            </a:r>
-            <a:r>
-              <a:rPr lang="fr-FR" sz="1200" dirty="0"/>
-              <a:t> et non </a:t>
-            </a:r>
-            <a:r>
-              <a:rPr lang="fr-FR" sz="1200" dirty="0" err="1"/>
-              <a:t>OptPrmInfos</a:t>
-            </a:r>
-            <a:r>
-              <a:rPr lang="fr-FR" sz="1200" dirty="0" smtClean="0"/>
-              <a:t>), </a:t>
-            </a:r>
-            <a:r>
-              <a:rPr lang="fr-FR" sz="1200" dirty="0"/>
-              <a:t>qu’il sert à alimenter l’attribut « </a:t>
-            </a:r>
-            <a:r>
-              <a:rPr lang="fr-FR" sz="1200" dirty="0" err="1"/>
-              <a:t>ExportMode</a:t>
-            </a:r>
-            <a:r>
-              <a:rPr lang="fr-FR" sz="1200" dirty="0"/>
-              <a:t> » du </a:t>
-            </a:r>
-            <a:r>
-              <a:rPr lang="fr-FR" sz="1200" dirty="0" err="1"/>
-              <a:t>Parameters</a:t>
-            </a:r>
-            <a:r>
-              <a:rPr lang="fr-FR" sz="1200" dirty="0"/>
-              <a:t>, et que ces valeurs autorisées sont « all » et « </a:t>
-            </a:r>
-            <a:r>
-              <a:rPr lang="fr-FR" sz="1200" dirty="0" err="1"/>
-              <a:t>board</a:t>
-            </a:r>
-            <a:r>
-              <a:rPr lang="fr-FR" sz="1200" dirty="0"/>
-              <a:t> </a:t>
-            </a:r>
-            <a:r>
-              <a:rPr lang="fr-FR" sz="1200" dirty="0" smtClean="0"/>
-              <a:t>»,</a:t>
-            </a:r>
-            <a:endParaRPr lang="fr-FR" sz="1200" dirty="0"/>
-          </a:p>
-          <a:p>
-            <a:pPr algn="just"/>
-            <a:r>
-              <a:rPr lang="fr-FR" sz="1200" dirty="0"/>
-              <a:t> </a:t>
-            </a:r>
-          </a:p>
-          <a:p>
-            <a:pPr algn="just"/>
-            <a:r>
-              <a:rPr lang="fr-FR" sz="1200" dirty="0"/>
-              <a:t>Après avoir mis à jour l’usage de la classe Usage, le nouveau paramètre de la ligne de commande est désormais </a:t>
-            </a:r>
-            <a:r>
-              <a:rPr lang="fr-FR" sz="1200" dirty="0" smtClean="0"/>
-              <a:t>interprétable, </a:t>
-            </a:r>
-            <a:r>
-              <a:rPr lang="fr-FR" sz="1200" dirty="0"/>
-              <a:t>il ne reste plus qu’à s’en servir.</a:t>
-            </a:r>
-          </a:p>
-          <a:p>
-            <a:endParaRPr lang="fr-FR" sz="1200" dirty="0"/>
+            <a:r>
+              <a:rPr lang="fr-FR" sz="1200" dirty="0" smtClean="0"/>
+              <a:t>Quelques soient les paramètres saisis, si l’un d’entre eux est le paramètre d’usage « /? » l’usage sera affiché et la commande ignorée.</a:t>
+            </a:r>
           </a:p>
         </p:txBody>
       </p:sp>
     </p:spTree>
     <p:extLst>
       <p:ext uri="{BB962C8B-B14F-4D97-AF65-F5344CB8AC3E}">
-        <p14:creationId xmlns:p14="http://schemas.microsoft.com/office/powerpoint/2010/main" val="4093465408"/>
+        <p14:creationId xmlns:p14="http://schemas.microsoft.com/office/powerpoint/2010/main" val="3844405044"/>
       </p:ext>
     </p:extLst>
   </p:cSld>
@@ -7444,7 +7210,7 @@
 </p:sld>
 </file>
 
-<file path=ppt/slides/slide9.xml><?xml version="1.0" encoding="utf-8"?>
+<file path=ppt/slides/slide6.xml><?xml version="1.0" encoding="utf-8"?>
 <p:sld xmlns:a="http://schemas.openxmlformats.org/drawingml/2006/main" xmlns:r="http://schemas.openxmlformats.org/officeDocument/2006/relationships" xmlns:p="http://schemas.openxmlformats.org/presentationml/2006/main">
   <p:cSld>
     <p:spTree>
@@ -7508,19 +7274,7 @@
           <a:p>
             <a:r>
               <a:rPr lang="fr-FR" sz="2400" dirty="0" smtClean="0"/>
-              <a:t>Ajout d’un </a:t>
-            </a:r>
-            <a:r>
-              <a:rPr lang="fr-FR" sz="2400" dirty="0" smtClean="0"/>
-              <a:t>paramètre par l’exemple </a:t>
-            </a:r>
-            <a:r>
-              <a:rPr lang="fr-FR" sz="2400" dirty="0" smtClean="0"/>
-              <a:t>– Exemple </a:t>
-            </a:r>
-            <a:r>
-              <a:rPr lang="fr-FR" sz="2400" dirty="0" smtClean="0"/>
-              <a:t>2</a:t>
+              <a:t>Ajout d’un paramètre</a:t>
             </a:r>
             <a:endParaRPr lang="fr-FR" sz="2400" dirty="0"/>
           </a:p>
@@ -7554,6 +7308,1866 @@
       </p:sp>
       <p:sp>
         <p:nvSpPr>
+          <p:cNvPr id="2" name="Rectangle 1"/>
+          <p:cNvSpPr/>
+          <p:nvPr/>
+        </p:nvSpPr>
+        <p:spPr>
+          <a:xfrm>
+            <a:off x="251520" y="692696"/>
+            <a:ext cx="8712968" cy="2677656"/>
+          </a:xfrm>
+          <a:prstGeom prst="rect">
+            <a:avLst/>
+          </a:prstGeom>
+        </p:spPr>
+        <p:txBody>
+          <a:bodyPr wrap="square">
+            <a:spAutoFit/>
+          </a:bodyPr>
+          <a:lstStyle/>
+          <a:p>
+            <a:pPr algn="just"/>
+            <a:r>
+              <a:rPr lang="fr-FR" sz="1200" dirty="0"/>
+              <a:t>L’ajout d’un paramètre consiste à faire en sorte qu’un nouveau paramètre saisissable en ligne de commande puisse être </a:t>
+            </a:r>
+            <a:r>
+              <a:rPr lang="fr-FR" sz="1200" dirty="0" smtClean="0"/>
+              <a:t>interprété </a:t>
+            </a:r>
+            <a:r>
+              <a:rPr lang="fr-FR" sz="1200" dirty="0"/>
+              <a:t>par le </a:t>
+            </a:r>
+            <a:r>
+              <a:rPr lang="fr-FR" sz="1200" dirty="0" smtClean="0"/>
+              <a:t>C# </a:t>
+            </a:r>
+            <a:r>
+              <a:rPr lang="fr-FR" sz="1200" dirty="0"/>
+              <a:t>et sa valeur mise à disposition pour le </a:t>
+            </a:r>
+            <a:r>
+              <a:rPr lang="fr-FR" sz="1200" dirty="0" smtClean="0"/>
+              <a:t>logiciel d’exportation.</a:t>
+            </a:r>
+          </a:p>
+          <a:p>
+            <a:pPr algn="just"/>
+            <a:endParaRPr lang="fr-FR" sz="1200" dirty="0"/>
+          </a:p>
+          <a:p>
+            <a:pPr algn="just"/>
+            <a:r>
+              <a:rPr lang="fr-FR" sz="1200" dirty="0" smtClean="0"/>
+              <a:t>Pour cela nous disposons de deux classes :</a:t>
+            </a:r>
+          </a:p>
+          <a:p>
+            <a:pPr algn="just"/>
+            <a:endParaRPr lang="fr-FR" sz="1200" dirty="0"/>
+          </a:p>
+          <a:p>
+            <a:pPr algn="just"/>
+            <a:r>
+              <a:rPr lang="fr-FR" sz="1200" u="sng" dirty="0" err="1" smtClean="0"/>
+              <a:t>Parameters</a:t>
+            </a:r>
+            <a:r>
+              <a:rPr lang="fr-FR" sz="1200" u="sng" dirty="0" smtClean="0"/>
+              <a:t>:</a:t>
+            </a:r>
+          </a:p>
+          <a:p>
+            <a:pPr marL="444500" algn="just"/>
+            <a:r>
+              <a:rPr lang="fr-FR" sz="1200" dirty="0" smtClean="0"/>
+              <a:t>Objet C# ne contenant que des attributs correspondant à tous les paramètres qu’il est possible de saisir en ligne de commande.</a:t>
+            </a:r>
+          </a:p>
+          <a:p>
+            <a:pPr algn="just"/>
+            <a:endParaRPr lang="fr-FR" sz="1200" dirty="0"/>
+          </a:p>
+          <a:p>
+            <a:pPr algn="just"/>
+            <a:endParaRPr lang="fr-FR" sz="1200" dirty="0" smtClean="0"/>
+          </a:p>
+          <a:p>
+            <a:pPr algn="just"/>
+            <a:r>
+              <a:rPr lang="fr-FR" sz="1200" dirty="0" err="1" smtClean="0"/>
+              <a:t>ParametersReader</a:t>
+            </a:r>
+            <a:endParaRPr lang="fr-FR" sz="1200" dirty="0" smtClean="0"/>
+          </a:p>
+          <a:p>
+            <a:pPr marL="444500" algn="just"/>
+            <a:r>
+              <a:rPr lang="fr-FR" sz="1200" dirty="0" smtClean="0"/>
+              <a:t>Classe d’interprétation de la ligne de commande dont le rôle est d’</a:t>
+            </a:r>
+            <a:r>
+              <a:rPr lang="fr-FR" sz="1200" dirty="0" err="1" smtClean="0"/>
+              <a:t>intérpréter</a:t>
+            </a:r>
+            <a:r>
+              <a:rPr lang="fr-FR" sz="1200" dirty="0" smtClean="0"/>
+              <a:t> la ligne de commande, et soit </a:t>
+            </a:r>
+          </a:p>
+          <a:p>
+            <a:pPr marL="615950" indent="-171450" algn="just">
+              <a:buFont typeface="Arial" panose="020B0604020202020204" pitchFamily="34" charset="0"/>
+              <a:buChar char="•"/>
+            </a:pPr>
+            <a:r>
+              <a:rPr lang="fr-FR" sz="1200" dirty="0" smtClean="0"/>
+              <a:t>De lever une erreur si la ligne de commande n’est pas correcte (ce qui provoque l’affichage d’une erreur puis de l’usage dans la fenêtre de sortie)</a:t>
+            </a:r>
+          </a:p>
+          <a:p>
+            <a:pPr marL="615950" indent="-171450" algn="just">
+              <a:buFont typeface="Arial" panose="020B0604020202020204" pitchFamily="34" charset="0"/>
+              <a:buChar char="•"/>
+            </a:pPr>
+            <a:r>
+              <a:rPr lang="fr-FR" sz="1200" dirty="0" smtClean="0"/>
+              <a:t>D’alimenter l’objet </a:t>
+            </a:r>
+            <a:r>
+              <a:rPr lang="fr-FR" sz="1200" dirty="0" err="1" smtClean="0"/>
+              <a:t>Parameters</a:t>
+            </a:r>
+            <a:r>
+              <a:rPr lang="fr-FR" sz="1200" dirty="0" smtClean="0"/>
+              <a:t> et de le mettre à </a:t>
+            </a:r>
+            <a:r>
+              <a:rPr lang="fr-FR" sz="1200" dirty="0" err="1" smtClean="0"/>
+              <a:t>dispostion</a:t>
+            </a:r>
+            <a:r>
+              <a:rPr lang="fr-FR" sz="1200" dirty="0" smtClean="0"/>
+              <a:t> du fonctionnel du programme qui lancera l »exportation. </a:t>
+            </a:r>
+            <a:endParaRPr lang="fr-FR" sz="1200" dirty="0"/>
+          </a:p>
+        </p:txBody>
+      </p:sp>
+    </p:spTree>
+    <p:extLst>
+      <p:ext uri="{BB962C8B-B14F-4D97-AF65-F5344CB8AC3E}">
+        <p14:creationId xmlns:p14="http://schemas.microsoft.com/office/powerpoint/2010/main" val="3701561373"/>
+      </p:ext>
+    </p:extLst>
+  </p:cSld>
+  <p:clrMapOvr>
+    <a:masterClrMapping/>
+  </p:clrMapOvr>
+</p:sld>
+</file>
+
+<file path=ppt/slides/slide7.xml><?xml version="1.0" encoding="utf-8"?>
+<p:sld xmlns:a="http://schemas.openxmlformats.org/drawingml/2006/main" xmlns:r="http://schemas.openxmlformats.org/officeDocument/2006/relationships" xmlns:p="http://schemas.openxmlformats.org/presentationml/2006/main">
+  <p:cSld>
+    <p:spTree>
+      <p:nvGrpSpPr>
+        <p:cNvPr id="1" name=""/>
+        <p:cNvGrpSpPr/>
+        <p:nvPr/>
+      </p:nvGrpSpPr>
+      <p:grpSpPr>
+        <a:xfrm>
+          <a:off x="0" y="0"/>
+          <a:ext cx="0" cy="0"/>
+          <a:chOff x="0" y="0"/>
+          <a:chExt cx="0" cy="0"/>
+        </a:xfrm>
+      </p:grpSpPr>
+      <p:sp>
+        <p:nvSpPr>
+          <p:cNvPr id="4" name="ZoneTexte 3"/>
+          <p:cNvSpPr txBox="1"/>
+          <p:nvPr/>
+        </p:nvSpPr>
+        <p:spPr>
+          <a:xfrm>
+            <a:off x="0" y="0"/>
+            <a:ext cx="9144000" cy="461665"/>
+          </a:xfrm>
+          <a:prstGeom prst="rect">
+            <a:avLst/>
+          </a:prstGeom>
+          <a:gradFill>
+            <a:gsLst>
+              <a:gs pos="0">
+                <a:schemeClr val="accent6">
+                  <a:lumMod val="60000"/>
+                  <a:lumOff val="40000"/>
+                </a:schemeClr>
+              </a:gs>
+              <a:gs pos="100000">
+                <a:schemeClr val="accent6">
+                  <a:lumMod val="20000"/>
+                  <a:lumOff val="80000"/>
+                </a:schemeClr>
+              </a:gs>
+            </a:gsLst>
+            <a:lin ang="5400000" scaled="0"/>
+          </a:gradFill>
+          <a:ln>
+            <a:solidFill>
+              <a:schemeClr val="accent6">
+                <a:lumMod val="75000"/>
+              </a:schemeClr>
+            </a:solidFill>
+          </a:ln>
+        </p:spPr>
+        <p:txBody>
+          <a:bodyPr wrap="square" rtlCol="0">
+            <a:spAutoFit/>
+          </a:bodyPr>
+          <a:lstStyle/>
+          <a:p>
+            <a:r>
+              <a:rPr lang="fr-FR" sz="2400" dirty="0" smtClean="0"/>
+              <a:t>Ajout d’un paramètre - Pas à pas</a:t>
+            </a:r>
+            <a:endParaRPr lang="fr-FR" sz="2400" dirty="0"/>
+          </a:p>
+        </p:txBody>
+      </p:sp>
+      <p:sp>
+        <p:nvSpPr>
+          <p:cNvPr id="9" name="ZoneTexte 8"/>
+          <p:cNvSpPr txBox="1"/>
+          <p:nvPr/>
+        </p:nvSpPr>
+        <p:spPr>
+          <a:xfrm>
+            <a:off x="395536" y="1124744"/>
+            <a:ext cx="184731" cy="369332"/>
+          </a:xfrm>
+          <a:prstGeom prst="rect">
+            <a:avLst/>
+          </a:prstGeom>
+          <a:noFill/>
+        </p:spPr>
+        <p:txBody>
+          <a:bodyPr wrap="none" rtlCol="0">
+            <a:spAutoFit/>
+          </a:bodyPr>
+          <a:lstStyle/>
+          <a:p>
+            <a:endParaRPr lang="fr-FR" dirty="0"/>
+          </a:p>
+        </p:txBody>
+      </p:sp>
+      <p:sp>
+        <p:nvSpPr>
+          <p:cNvPr id="10" name="ZoneTexte 9"/>
+          <p:cNvSpPr txBox="1"/>
+          <p:nvPr/>
+        </p:nvSpPr>
+        <p:spPr>
+          <a:xfrm>
+            <a:off x="251520" y="671691"/>
+            <a:ext cx="7968720" cy="5447645"/>
+          </a:xfrm>
+          <a:prstGeom prst="rect">
+            <a:avLst/>
+          </a:prstGeom>
+          <a:noFill/>
+        </p:spPr>
+        <p:txBody>
+          <a:bodyPr wrap="none" rtlCol="0">
+            <a:spAutoFit/>
+          </a:bodyPr>
+          <a:lstStyle/>
+          <a:p>
+            <a:pPr lvl="0"/>
+            <a:r>
+              <a:rPr lang="fr-FR" sz="1200" b="1" dirty="0" smtClean="0"/>
+              <a:t>Projet </a:t>
+            </a:r>
+            <a:r>
+              <a:rPr lang="fr-FR" sz="1200" b="1" dirty="0" err="1" smtClean="0"/>
+              <a:t>CardMasterCmdExport</a:t>
+            </a:r>
+            <a:endParaRPr lang="fr-FR" sz="1200" b="1" dirty="0" smtClean="0"/>
+          </a:p>
+          <a:p>
+            <a:pPr lvl="0"/>
+            <a:endParaRPr lang="fr-FR" sz="1200" b="1" dirty="0" smtClean="0"/>
+          </a:p>
+          <a:p>
+            <a:pPr lvl="1"/>
+            <a:r>
+              <a:rPr lang="fr-FR" sz="1200" b="1" dirty="0" smtClean="0"/>
+              <a:t>Classe </a:t>
+            </a:r>
+            <a:r>
+              <a:rPr lang="fr-FR" sz="1200" b="1" dirty="0" err="1" smtClean="0"/>
+              <a:t>Parameters</a:t>
+            </a:r>
+            <a:endParaRPr lang="fr-FR" sz="1200" b="1" dirty="0" smtClean="0"/>
+          </a:p>
+          <a:p>
+            <a:pPr lvl="1"/>
+            <a:endParaRPr lang="fr-FR" sz="1200" dirty="0"/>
+          </a:p>
+          <a:p>
+            <a:pPr lvl="1"/>
+            <a:r>
+              <a:rPr lang="fr-FR" sz="1200" dirty="0" smtClean="0"/>
+              <a:t>	Ajouter </a:t>
+            </a:r>
+            <a:r>
+              <a:rPr lang="fr-FR" sz="1200" dirty="0"/>
+              <a:t>un attribut getter/setter de type </a:t>
+            </a:r>
+            <a:r>
+              <a:rPr lang="fr-FR" sz="1200" dirty="0" err="1"/>
+              <a:t>Nullable</a:t>
+            </a:r>
+            <a:r>
+              <a:rPr lang="fr-FR" sz="1200" dirty="0"/>
+              <a:t> et l’initialiser à </a:t>
+            </a:r>
+            <a:r>
+              <a:rPr lang="fr-FR" sz="1200" dirty="0" err="1" smtClean="0"/>
+              <a:t>null</a:t>
+            </a:r>
+            <a:r>
+              <a:rPr lang="fr-FR" sz="1200" dirty="0" smtClean="0"/>
+              <a:t>.</a:t>
+            </a:r>
+          </a:p>
+          <a:p>
+            <a:pPr lvl="1"/>
+            <a:r>
+              <a:rPr lang="fr-FR" sz="1200" dirty="0" smtClean="0"/>
+              <a:t>	Les </a:t>
+            </a:r>
+            <a:r>
+              <a:rPr lang="fr-FR" sz="1200" dirty="0"/>
+              <a:t>types autorisés sont string, </a:t>
+            </a:r>
+            <a:r>
+              <a:rPr lang="fr-FR" sz="1200" dirty="0" err="1"/>
+              <a:t>int</a:t>
+            </a:r>
+            <a:r>
+              <a:rPr lang="fr-FR" sz="1200" dirty="0"/>
+              <a:t>? Et </a:t>
+            </a:r>
+            <a:r>
+              <a:rPr lang="fr-FR" sz="1200" dirty="0" err="1"/>
+              <a:t>bool</a:t>
+            </a:r>
+            <a:r>
+              <a:rPr lang="fr-FR" sz="1200" dirty="0"/>
+              <a:t>?</a:t>
+            </a:r>
+          </a:p>
+          <a:p>
+            <a:pPr lvl="1"/>
+            <a:endParaRPr lang="fr-FR" sz="1200" dirty="0" smtClean="0"/>
+          </a:p>
+          <a:p>
+            <a:pPr lvl="1"/>
+            <a:endParaRPr lang="fr-FR" sz="1200" dirty="0" smtClean="0"/>
+          </a:p>
+          <a:p>
+            <a:pPr lvl="1"/>
+            <a:r>
+              <a:rPr lang="fr-FR" sz="1200" b="1" dirty="0" smtClean="0"/>
+              <a:t>Classe </a:t>
+            </a:r>
+            <a:r>
+              <a:rPr lang="fr-FR" sz="1200" b="1" dirty="0" err="1"/>
+              <a:t>ParametersReader</a:t>
+            </a:r>
+            <a:endParaRPr lang="fr-FR" sz="1200" b="1" dirty="0"/>
+          </a:p>
+          <a:p>
+            <a:pPr lvl="1"/>
+            <a:endParaRPr lang="fr-FR" sz="1200" dirty="0" smtClean="0"/>
+          </a:p>
+          <a:p>
+            <a:pPr lvl="2"/>
+            <a:r>
+              <a:rPr lang="fr-FR" sz="1200" dirty="0" smtClean="0"/>
+              <a:t>Dans </a:t>
+            </a:r>
+            <a:r>
+              <a:rPr lang="fr-FR" sz="1200" dirty="0"/>
+              <a:t>le </a:t>
+            </a:r>
+            <a:r>
+              <a:rPr lang="fr-FR" sz="1200" dirty="0" err="1"/>
+              <a:t>Dictionnary</a:t>
+            </a:r>
+            <a:r>
+              <a:rPr lang="fr-FR" sz="1200" dirty="0"/>
+              <a:t> </a:t>
+            </a:r>
+            <a:r>
+              <a:rPr lang="fr-FR" sz="1200" dirty="0" err="1" smtClean="0"/>
+              <a:t>parameters</a:t>
+            </a:r>
+            <a:endParaRPr lang="fr-FR" sz="1200" dirty="0"/>
+          </a:p>
+          <a:p>
+            <a:pPr lvl="2"/>
+            <a:r>
+              <a:rPr lang="fr-FR" sz="1200" dirty="0"/>
+              <a:t>Ajouter un paramètre </a:t>
+            </a:r>
+            <a:r>
+              <a:rPr lang="fr-FR" sz="1200" dirty="0" smtClean="0"/>
+              <a:t>avec</a:t>
+            </a:r>
+            <a:endParaRPr lang="fr-FR" sz="1200" dirty="0"/>
+          </a:p>
+          <a:p>
+            <a:pPr lvl="3"/>
+            <a:r>
+              <a:rPr lang="fr-FR" sz="1200" b="1" dirty="0" smtClean="0"/>
+              <a:t>Clé:</a:t>
+            </a:r>
+            <a:r>
+              <a:rPr lang="fr-FR" sz="1200" dirty="0" smtClean="0"/>
+              <a:t> le </a:t>
+            </a:r>
+            <a:r>
+              <a:rPr lang="fr-FR" sz="1200" dirty="0"/>
+              <a:t>nom du paramètre tel qui sera saisi dans la ligne de commande. </a:t>
+            </a:r>
+            <a:endParaRPr lang="fr-FR" sz="1200" dirty="0" smtClean="0"/>
+          </a:p>
+          <a:p>
+            <a:pPr lvl="3"/>
+            <a:r>
+              <a:rPr lang="fr-FR" sz="1200" dirty="0" smtClean="0"/>
+              <a:t>	Par exemple</a:t>
+            </a:r>
+            <a:r>
+              <a:rPr lang="fr-FR" sz="1200" dirty="0"/>
+              <a:t> : </a:t>
+            </a:r>
+          </a:p>
+          <a:p>
+            <a:pPr lvl="4"/>
+            <a:r>
+              <a:rPr lang="fr-FR" sz="1200" dirty="0" smtClean="0"/>
+              <a:t>- si </a:t>
+            </a:r>
+            <a:r>
+              <a:rPr lang="fr-FR" sz="1200" dirty="0"/>
+              <a:t>on veut utiliser le paramètre /toto, le nom du paramètre à préciser sera « toto »</a:t>
+            </a:r>
+          </a:p>
+          <a:p>
+            <a:pPr lvl="4"/>
+            <a:r>
+              <a:rPr lang="fr-FR" sz="1200" dirty="0" smtClean="0"/>
+              <a:t>- si </a:t>
+            </a:r>
+            <a:r>
+              <a:rPr lang="fr-FR" sz="1200" dirty="0"/>
+              <a:t>on veut utiliser le paramètre /</a:t>
+            </a:r>
+            <a:r>
+              <a:rPr lang="fr-FR" sz="1200" dirty="0" err="1"/>
+              <a:t>titi:valeur_de_titi</a:t>
+            </a:r>
+            <a:r>
+              <a:rPr lang="fr-FR" sz="1200" dirty="0"/>
+              <a:t>, le nom du paramètre à préciser sera « titi »</a:t>
+            </a:r>
+          </a:p>
+          <a:p>
+            <a:pPr lvl="3"/>
+            <a:endParaRPr lang="fr-FR" sz="1200" dirty="0" smtClean="0"/>
+          </a:p>
+          <a:p>
+            <a:pPr lvl="3"/>
+            <a:r>
+              <a:rPr lang="fr-FR" sz="1200" b="1" dirty="0" smtClean="0"/>
+              <a:t>Valeur:</a:t>
+            </a:r>
+            <a:r>
+              <a:rPr lang="fr-FR" sz="1200" dirty="0" smtClean="0"/>
+              <a:t> </a:t>
+            </a:r>
+            <a:r>
+              <a:rPr lang="fr-FR" sz="1200" dirty="0"/>
+              <a:t>au choix :</a:t>
+            </a:r>
+          </a:p>
+          <a:p>
+            <a:pPr lvl="4"/>
+            <a:r>
+              <a:rPr lang="fr-FR" sz="1200" dirty="0" smtClean="0"/>
+              <a:t>- un </a:t>
+            </a:r>
+            <a:r>
+              <a:rPr lang="fr-FR" sz="1200" dirty="0" err="1"/>
+              <a:t>object</a:t>
+            </a:r>
+            <a:r>
+              <a:rPr lang="fr-FR" sz="1200" dirty="0"/>
+              <a:t> </a:t>
+            </a:r>
+            <a:r>
+              <a:rPr lang="fr-FR" sz="1200" dirty="0" err="1"/>
+              <a:t>PrmInfos</a:t>
+            </a:r>
+            <a:r>
+              <a:rPr lang="fr-FR" sz="1200" dirty="0"/>
+              <a:t> pour les paramètres obligatoires, avec comme paramètres</a:t>
+            </a:r>
+          </a:p>
+          <a:p>
+            <a:pPr lvl="5"/>
+            <a:r>
+              <a:rPr lang="fr-FR" sz="1200" dirty="0" smtClean="0"/>
+              <a:t>- le </a:t>
+            </a:r>
+            <a:r>
+              <a:rPr lang="fr-FR" sz="1200" dirty="0"/>
+              <a:t>nom de l’attribut de l’objet </a:t>
+            </a:r>
+            <a:r>
+              <a:rPr lang="fr-FR" sz="1200" dirty="0" err="1"/>
+              <a:t>Parameters</a:t>
+            </a:r>
+            <a:r>
+              <a:rPr lang="fr-FR" sz="1200" dirty="0"/>
+              <a:t> définit à l’étape 3</a:t>
+            </a:r>
+          </a:p>
+          <a:p>
+            <a:pPr lvl="5"/>
+            <a:r>
+              <a:rPr lang="fr-FR" sz="1200" dirty="0" smtClean="0"/>
+              <a:t>- optionnellement </a:t>
+            </a:r>
+            <a:r>
+              <a:rPr lang="fr-FR" sz="1200" dirty="0"/>
+              <a:t>un tableau de string définissant les valeurs autorisées</a:t>
+            </a:r>
+          </a:p>
+          <a:p>
+            <a:pPr lvl="4"/>
+            <a:r>
+              <a:rPr lang="fr-FR" sz="1200" dirty="0" smtClean="0"/>
+              <a:t>- un </a:t>
+            </a:r>
+            <a:r>
+              <a:rPr lang="fr-FR" sz="1200" dirty="0" err="1"/>
+              <a:t>object</a:t>
+            </a:r>
+            <a:r>
+              <a:rPr lang="fr-FR" sz="1200" dirty="0"/>
+              <a:t> </a:t>
+            </a:r>
+            <a:r>
+              <a:rPr lang="fr-FR" sz="1200" dirty="0" err="1"/>
+              <a:t>OptPrmInfos</a:t>
+            </a:r>
+            <a:r>
+              <a:rPr lang="fr-FR" sz="1200" dirty="0"/>
+              <a:t> pour les paramètres optionnels, avec comme paramètres</a:t>
+            </a:r>
+          </a:p>
+          <a:p>
+            <a:pPr lvl="5"/>
+            <a:r>
+              <a:rPr lang="fr-FR" sz="1200" dirty="0" smtClean="0"/>
+              <a:t>- le </a:t>
+            </a:r>
+            <a:r>
+              <a:rPr lang="fr-FR" sz="1200" dirty="0"/>
+              <a:t>nom de l’attribut de l’objet </a:t>
+            </a:r>
+            <a:r>
+              <a:rPr lang="fr-FR" sz="1200" dirty="0" err="1"/>
+              <a:t>Parameters</a:t>
+            </a:r>
+            <a:r>
+              <a:rPr lang="fr-FR" sz="1200" dirty="0"/>
+              <a:t> définit à l’étape 3</a:t>
+            </a:r>
+          </a:p>
+          <a:p>
+            <a:pPr lvl="5"/>
+            <a:r>
+              <a:rPr lang="fr-FR" sz="1200" dirty="0" smtClean="0"/>
+              <a:t>- optionnellement </a:t>
+            </a:r>
+            <a:r>
+              <a:rPr lang="fr-FR" sz="1200" dirty="0"/>
+              <a:t>un tableau de string définissant les valeurs autorisées</a:t>
+            </a:r>
+          </a:p>
+          <a:p>
+            <a:pPr lvl="5"/>
+            <a:r>
+              <a:rPr lang="fr-FR" sz="1200" dirty="0" smtClean="0"/>
+              <a:t>- une </a:t>
+            </a:r>
+            <a:r>
+              <a:rPr lang="fr-FR" sz="1200" dirty="0"/>
+              <a:t>valeur par défaut</a:t>
+            </a:r>
+          </a:p>
+          <a:p>
+            <a:pPr lvl="1"/>
+            <a:r>
+              <a:rPr lang="fr-FR" sz="1200" dirty="0"/>
+              <a:t> </a:t>
+            </a:r>
+          </a:p>
+          <a:p>
+            <a:pPr lvl="1"/>
+            <a:r>
+              <a:rPr lang="fr-FR" sz="1200" b="1" dirty="0" smtClean="0"/>
+              <a:t>Classe Usage</a:t>
+            </a:r>
+          </a:p>
+          <a:p>
+            <a:pPr lvl="1"/>
+            <a:endParaRPr lang="fr-FR" sz="1200" dirty="0" smtClean="0"/>
+          </a:p>
+          <a:p>
+            <a:pPr lvl="2"/>
+            <a:r>
+              <a:rPr lang="fr-FR" sz="1200" dirty="0" smtClean="0"/>
+              <a:t>Mettre </a:t>
+            </a:r>
+            <a:r>
+              <a:rPr lang="fr-FR" sz="1200" dirty="0"/>
+              <a:t>à jour </a:t>
+            </a:r>
+            <a:r>
+              <a:rPr lang="fr-FR" sz="1200" dirty="0" smtClean="0"/>
+              <a:t>l’usage.</a:t>
+            </a:r>
+            <a:endParaRPr lang="fr-FR" sz="1200" dirty="0"/>
+          </a:p>
+        </p:txBody>
+      </p:sp>
+    </p:spTree>
+    <p:extLst>
+      <p:ext uri="{BB962C8B-B14F-4D97-AF65-F5344CB8AC3E}">
+        <p14:creationId xmlns:p14="http://schemas.microsoft.com/office/powerpoint/2010/main" val="1203155697"/>
+      </p:ext>
+    </p:extLst>
+  </p:cSld>
+  <p:clrMapOvr>
+    <a:masterClrMapping/>
+  </p:clrMapOvr>
+</p:sld>
+</file>
+
+<file path=ppt/slides/slide8.xml><?xml version="1.0" encoding="utf-8"?>
+<p:sld xmlns:a="http://schemas.openxmlformats.org/drawingml/2006/main" xmlns:r="http://schemas.openxmlformats.org/officeDocument/2006/relationships" xmlns:p="http://schemas.openxmlformats.org/presentationml/2006/main">
+  <p:cSld>
+    <p:spTree>
+      <p:nvGrpSpPr>
+        <p:cNvPr id="1" name=""/>
+        <p:cNvGrpSpPr/>
+        <p:nvPr/>
+      </p:nvGrpSpPr>
+      <p:grpSpPr>
+        <a:xfrm>
+          <a:off x="0" y="0"/>
+          <a:ext cx="0" cy="0"/>
+          <a:chOff x="0" y="0"/>
+          <a:chExt cx="0" cy="0"/>
+        </a:xfrm>
+      </p:grpSpPr>
+      <p:sp>
+        <p:nvSpPr>
+          <p:cNvPr id="4" name="ZoneTexte 3"/>
+          <p:cNvSpPr txBox="1"/>
+          <p:nvPr/>
+        </p:nvSpPr>
+        <p:spPr>
+          <a:xfrm>
+            <a:off x="0" y="0"/>
+            <a:ext cx="9144000" cy="461665"/>
+          </a:xfrm>
+          <a:prstGeom prst="rect">
+            <a:avLst/>
+          </a:prstGeom>
+          <a:gradFill>
+            <a:gsLst>
+              <a:gs pos="0">
+                <a:schemeClr val="accent6">
+                  <a:lumMod val="60000"/>
+                  <a:lumOff val="40000"/>
+                </a:schemeClr>
+              </a:gs>
+              <a:gs pos="100000">
+                <a:schemeClr val="accent6">
+                  <a:lumMod val="20000"/>
+                  <a:lumOff val="80000"/>
+                </a:schemeClr>
+              </a:gs>
+            </a:gsLst>
+            <a:lin ang="5400000" scaled="0"/>
+          </a:gradFill>
+          <a:ln>
+            <a:solidFill>
+              <a:schemeClr val="accent6">
+                <a:lumMod val="75000"/>
+              </a:schemeClr>
+            </a:solidFill>
+          </a:ln>
+        </p:spPr>
+        <p:txBody>
+          <a:bodyPr wrap="square" rtlCol="0">
+            <a:spAutoFit/>
+          </a:bodyPr>
+          <a:lstStyle/>
+          <a:p>
+            <a:r>
+              <a:rPr lang="fr-FR" sz="2400" dirty="0" smtClean="0"/>
+              <a:t>Ajout d’un paramètre par l’exemple – Exemple 1</a:t>
+            </a:r>
+            <a:endParaRPr lang="fr-FR" sz="2400" dirty="0"/>
+          </a:p>
+        </p:txBody>
+      </p:sp>
+      <p:sp>
+        <p:nvSpPr>
+          <p:cNvPr id="9" name="ZoneTexte 8"/>
+          <p:cNvSpPr txBox="1"/>
+          <p:nvPr/>
+        </p:nvSpPr>
+        <p:spPr>
+          <a:xfrm>
+            <a:off x="395536" y="1124744"/>
+            <a:ext cx="184731" cy="369332"/>
+          </a:xfrm>
+          <a:prstGeom prst="rect">
+            <a:avLst/>
+          </a:prstGeom>
+          <a:noFill/>
+        </p:spPr>
+        <p:txBody>
+          <a:bodyPr wrap="none" rtlCol="0">
+            <a:spAutoFit/>
+          </a:bodyPr>
+          <a:lstStyle/>
+          <a:p>
+            <a:endParaRPr lang="fr-FR" dirty="0"/>
+          </a:p>
+        </p:txBody>
+      </p:sp>
+      <p:sp>
+        <p:nvSpPr>
+          <p:cNvPr id="2" name="ZoneTexte 1"/>
+          <p:cNvSpPr txBox="1"/>
+          <p:nvPr/>
+        </p:nvSpPr>
+        <p:spPr>
+          <a:xfrm>
+            <a:off x="179513" y="620688"/>
+            <a:ext cx="8712968" cy="6093976"/>
+          </a:xfrm>
+          <a:prstGeom prst="rect">
+            <a:avLst/>
+          </a:prstGeom>
+          <a:noFill/>
+        </p:spPr>
+        <p:txBody>
+          <a:bodyPr wrap="square" rtlCol="0">
+            <a:spAutoFit/>
+          </a:bodyPr>
+          <a:lstStyle/>
+          <a:p>
+            <a:r>
+              <a:rPr lang="fr-FR" sz="1200" dirty="0" smtClean="0"/>
+              <a:t>On </a:t>
+            </a:r>
+            <a:r>
+              <a:rPr lang="fr-FR" sz="1200" dirty="0"/>
+              <a:t>souhaite ajouter un paramètre </a:t>
+            </a:r>
+            <a:r>
+              <a:rPr lang="fr-FR" sz="1200" b="1" dirty="0"/>
+              <a:t>obligatoire</a:t>
+            </a:r>
+            <a:r>
+              <a:rPr lang="fr-FR" sz="1200" dirty="0"/>
+              <a:t> définissant le </a:t>
+            </a:r>
+            <a:r>
+              <a:rPr lang="fr-FR" sz="1200" b="1" dirty="0"/>
+              <a:t>mode d’exportation</a:t>
+            </a:r>
+            <a:r>
+              <a:rPr lang="fr-FR" sz="1200" dirty="0"/>
+              <a:t>.</a:t>
+            </a:r>
+          </a:p>
+          <a:p>
+            <a:r>
+              <a:rPr lang="fr-FR" sz="1200" dirty="0" smtClean="0"/>
+              <a:t>Nous allons représenter les modes par des </a:t>
+            </a:r>
+            <a:r>
+              <a:rPr lang="fr-FR" sz="1200" b="1" dirty="0" smtClean="0"/>
+              <a:t>chaînes de caractères</a:t>
+            </a:r>
+            <a:r>
+              <a:rPr lang="fr-FR" sz="1200" dirty="0" smtClean="0"/>
+              <a:t> dans la ligne de commande.</a:t>
+            </a:r>
+          </a:p>
+          <a:p>
+            <a:r>
+              <a:rPr lang="fr-FR" sz="1200" dirty="0"/>
+              <a:t> </a:t>
+            </a:r>
+          </a:p>
+          <a:p>
+            <a:r>
+              <a:rPr lang="fr-FR" sz="1200" dirty="0"/>
+              <a:t>Il peut exister deux modes d’exportation :</a:t>
+            </a:r>
+          </a:p>
+          <a:p>
+            <a:pPr marL="171450" lvl="0" indent="-171450">
+              <a:buFont typeface="Arial" panose="020B0604020202020204" pitchFamily="34" charset="0"/>
+              <a:buChar char="•"/>
+            </a:pPr>
+            <a:r>
+              <a:rPr lang="fr-FR" sz="1200" dirty="0" smtClean="0"/>
+              <a:t>Exportation </a:t>
+            </a:r>
+            <a:r>
+              <a:rPr lang="fr-FR" sz="1200" dirty="0"/>
+              <a:t>de chacune des cartes </a:t>
+            </a:r>
+            <a:r>
+              <a:rPr lang="fr-FR" sz="1200" dirty="0" smtClean="0">
+                <a:sym typeface="Wingdings" panose="05000000000000000000" pitchFamily="2" charset="2"/>
+              </a:rPr>
+              <a:t></a:t>
+            </a:r>
+            <a:r>
+              <a:rPr lang="fr-FR" sz="1200" dirty="0" smtClean="0"/>
+              <a:t> valeur </a:t>
+            </a:r>
+            <a:r>
+              <a:rPr lang="fr-FR" sz="1200" dirty="0"/>
+              <a:t>à saisir « </a:t>
+            </a:r>
+            <a:r>
+              <a:rPr lang="fr-FR" sz="1200" b="1" dirty="0"/>
+              <a:t>all</a:t>
+            </a:r>
+            <a:r>
+              <a:rPr lang="fr-FR" sz="1200" dirty="0"/>
+              <a:t> »</a:t>
+            </a:r>
+          </a:p>
+          <a:p>
+            <a:pPr marL="171450" lvl="0" indent="-171450">
+              <a:buFont typeface="Arial" panose="020B0604020202020204" pitchFamily="34" charset="0"/>
+              <a:buChar char="•"/>
+            </a:pPr>
+            <a:r>
+              <a:rPr lang="fr-FR" sz="1200" dirty="0"/>
+              <a:t>Exportation de toutes les cartes sous forme de planche </a:t>
+            </a:r>
+            <a:r>
+              <a:rPr lang="fr-FR" sz="1200" dirty="0" smtClean="0">
+                <a:sym typeface="Wingdings" panose="05000000000000000000" pitchFamily="2" charset="2"/>
+              </a:rPr>
+              <a:t></a:t>
+            </a:r>
+            <a:r>
+              <a:rPr lang="fr-FR" sz="1200" dirty="0" smtClean="0"/>
+              <a:t> </a:t>
+            </a:r>
+            <a:r>
+              <a:rPr lang="fr-FR" sz="1200" dirty="0"/>
+              <a:t>valeur à saisir « </a:t>
+            </a:r>
+            <a:r>
+              <a:rPr lang="fr-FR" sz="1200" b="1" dirty="0" err="1"/>
+              <a:t>board</a:t>
+            </a:r>
+            <a:r>
+              <a:rPr lang="fr-FR" sz="1200" dirty="0"/>
+              <a:t> »</a:t>
+            </a:r>
+          </a:p>
+          <a:p>
+            <a:endParaRPr lang="fr-FR" sz="1200" dirty="0" smtClean="0"/>
+          </a:p>
+          <a:p>
+            <a:pPr algn="just"/>
+            <a:r>
+              <a:rPr lang="fr-FR" sz="1200" dirty="0" smtClean="0"/>
+              <a:t>Ce </a:t>
+            </a:r>
+            <a:r>
+              <a:rPr lang="fr-FR" sz="1200" dirty="0"/>
+              <a:t>paramètre est </a:t>
+            </a:r>
+            <a:r>
+              <a:rPr lang="fr-FR" sz="1200" b="1" dirty="0"/>
+              <a:t>obligatoire</a:t>
+            </a:r>
+            <a:r>
+              <a:rPr lang="fr-FR" sz="1200" dirty="0"/>
+              <a:t>, l’utilisateur devra saisir le type d’export </a:t>
+            </a:r>
+            <a:r>
+              <a:rPr lang="fr-FR" sz="1200" dirty="0" smtClean="0"/>
+              <a:t>voulu.</a:t>
+            </a:r>
+            <a:endParaRPr lang="fr-FR" sz="1200" dirty="0"/>
+          </a:p>
+          <a:p>
+            <a:pPr algn="just"/>
+            <a:r>
+              <a:rPr lang="fr-FR" sz="1200" dirty="0"/>
+              <a:t>Le nom du </a:t>
+            </a:r>
+            <a:r>
+              <a:rPr lang="fr-FR" sz="1200" dirty="0" smtClean="0"/>
+              <a:t>paramètre </a:t>
+            </a:r>
+            <a:r>
+              <a:rPr lang="fr-FR" sz="1200" dirty="0"/>
+              <a:t>dans la ligne de commande sera « </a:t>
+            </a:r>
+            <a:r>
+              <a:rPr lang="fr-FR" sz="1200" b="1" dirty="0"/>
+              <a:t>m</a:t>
+            </a:r>
+            <a:r>
+              <a:rPr lang="fr-FR" sz="1200" dirty="0"/>
+              <a:t> » (pour mode) l’utilisateur devra donc saisir « /</a:t>
+            </a:r>
+            <a:r>
+              <a:rPr lang="fr-FR" sz="1200" dirty="0" err="1"/>
+              <a:t>m:all</a:t>
+            </a:r>
+            <a:r>
+              <a:rPr lang="fr-FR" sz="1200" dirty="0"/>
+              <a:t> » ou « /</a:t>
+            </a:r>
+            <a:r>
+              <a:rPr lang="fr-FR" sz="1200" dirty="0" err="1"/>
+              <a:t>m:board</a:t>
+            </a:r>
+            <a:r>
+              <a:rPr lang="fr-FR" sz="1200" dirty="0"/>
+              <a:t> »</a:t>
+            </a:r>
+          </a:p>
+          <a:p>
+            <a:endParaRPr lang="fr-FR" sz="1200" dirty="0" smtClean="0"/>
+          </a:p>
+          <a:p>
+            <a:endParaRPr lang="fr-FR" sz="1200" dirty="0"/>
+          </a:p>
+          <a:p>
+            <a:r>
+              <a:rPr lang="fr-FR" sz="1200" u="sng" dirty="0" smtClean="0"/>
+              <a:t>Etape </a:t>
+            </a:r>
+            <a:r>
+              <a:rPr lang="fr-FR" sz="1200" u="sng" dirty="0"/>
+              <a:t>1</a:t>
+            </a:r>
+            <a:r>
+              <a:rPr lang="fr-FR" sz="1200" dirty="0"/>
+              <a:t> : Ajouter un attribut getter/setter dans la classe </a:t>
+            </a:r>
+            <a:r>
+              <a:rPr lang="fr-FR" sz="1200" dirty="0" err="1"/>
+              <a:t>Parameters</a:t>
+            </a:r>
+            <a:r>
+              <a:rPr lang="fr-FR" sz="1200" dirty="0"/>
+              <a:t> (</a:t>
+            </a:r>
+            <a:r>
+              <a:rPr lang="fr-FR" sz="1200" dirty="0" err="1"/>
+              <a:t>Nullable</a:t>
+            </a:r>
+            <a:r>
+              <a:rPr lang="fr-FR" sz="1200" dirty="0"/>
+              <a:t> et initialisé à </a:t>
+            </a:r>
+            <a:r>
+              <a:rPr lang="fr-FR" sz="1200" dirty="0" err="1"/>
+              <a:t>null</a:t>
+            </a:r>
+            <a:r>
+              <a:rPr lang="fr-FR" sz="1200" dirty="0"/>
+              <a:t>)</a:t>
+            </a:r>
+          </a:p>
+          <a:p>
+            <a:endParaRPr lang="fr-FR" sz="1200" dirty="0" smtClean="0"/>
+          </a:p>
+          <a:p>
+            <a:pPr algn="ctr"/>
+            <a:r>
+              <a:rPr lang="fr-FR" sz="1200" dirty="0">
+                <a:solidFill>
+                  <a:schemeClr val="tx2"/>
+                </a:solidFill>
+              </a:rPr>
+              <a:t>public string </a:t>
+            </a:r>
+            <a:r>
+              <a:rPr lang="fr-FR" sz="1200" dirty="0" err="1">
+                <a:solidFill>
+                  <a:schemeClr val="tx2"/>
+                </a:solidFill>
+              </a:rPr>
+              <a:t>ExportMode</a:t>
+            </a:r>
+            <a:r>
+              <a:rPr lang="fr-FR" sz="1200" dirty="0">
+                <a:solidFill>
+                  <a:schemeClr val="tx2"/>
+                </a:solidFill>
+              </a:rPr>
+              <a:t> { </a:t>
+            </a:r>
+            <a:r>
+              <a:rPr lang="fr-FR" sz="1200" dirty="0" err="1">
+                <a:solidFill>
+                  <a:schemeClr val="tx2"/>
+                </a:solidFill>
+              </a:rPr>
+              <a:t>get</a:t>
+            </a:r>
+            <a:r>
+              <a:rPr lang="fr-FR" sz="1200" dirty="0">
+                <a:solidFill>
+                  <a:schemeClr val="tx2"/>
+                </a:solidFill>
+              </a:rPr>
+              <a:t>; set; } = </a:t>
+            </a:r>
+            <a:r>
+              <a:rPr lang="fr-FR" sz="1200" dirty="0" err="1">
+                <a:solidFill>
+                  <a:schemeClr val="tx2"/>
+                </a:solidFill>
+              </a:rPr>
+              <a:t>null</a:t>
+            </a:r>
+            <a:r>
+              <a:rPr lang="fr-FR" sz="1200" dirty="0">
+                <a:solidFill>
+                  <a:schemeClr val="tx2"/>
+                </a:solidFill>
+              </a:rPr>
+              <a:t>;</a:t>
+            </a:r>
+          </a:p>
+          <a:p>
+            <a:r>
+              <a:rPr lang="fr-FR" sz="1200" dirty="0"/>
+              <a:t> </a:t>
+            </a:r>
+          </a:p>
+          <a:p>
+            <a:r>
+              <a:rPr lang="fr-FR" sz="1200" dirty="0"/>
+              <a:t> </a:t>
+            </a:r>
+          </a:p>
+          <a:p>
+            <a:r>
+              <a:rPr lang="fr-FR" sz="1200" u="sng" dirty="0" smtClean="0"/>
+              <a:t>Etape </a:t>
+            </a:r>
+            <a:r>
+              <a:rPr lang="fr-FR" sz="1200" u="sng" dirty="0"/>
+              <a:t>2</a:t>
+            </a:r>
+            <a:r>
+              <a:rPr lang="fr-FR" sz="1200" dirty="0"/>
+              <a:t> : Ajouter un paramètre dans le </a:t>
+            </a:r>
+            <a:r>
+              <a:rPr lang="fr-FR" sz="1200" dirty="0" err="1"/>
+              <a:t>Dictionnary</a:t>
+            </a:r>
+            <a:r>
+              <a:rPr lang="fr-FR" sz="1200" dirty="0"/>
+              <a:t> </a:t>
+            </a:r>
+            <a:r>
+              <a:rPr lang="fr-FR" sz="1200" dirty="0" err="1"/>
+              <a:t>parameters</a:t>
+            </a:r>
+            <a:r>
+              <a:rPr lang="fr-FR" sz="1200" dirty="0"/>
+              <a:t> de la classe </a:t>
+            </a:r>
+            <a:r>
+              <a:rPr lang="fr-FR" sz="1200" dirty="0" err="1"/>
+              <a:t>ParametersReader</a:t>
+            </a:r>
+            <a:r>
+              <a:rPr lang="fr-FR" sz="1200" dirty="0"/>
+              <a:t>. Ce qui donne ceci :</a:t>
+            </a:r>
+          </a:p>
+          <a:p>
+            <a:r>
+              <a:rPr lang="fr-FR" sz="1200" dirty="0"/>
+              <a:t> </a:t>
+            </a:r>
+          </a:p>
+          <a:p>
+            <a:r>
+              <a:rPr lang="fr-FR" sz="1200" dirty="0">
+                <a:solidFill>
+                  <a:schemeClr val="accent5">
+                    <a:lumMod val="60000"/>
+                    <a:lumOff val="40000"/>
+                  </a:schemeClr>
+                </a:solidFill>
+              </a:rPr>
+              <a:t>        </a:t>
+            </a:r>
+            <a:r>
+              <a:rPr lang="fr-FR" sz="1200" dirty="0" err="1">
+                <a:solidFill>
+                  <a:schemeClr val="accent5">
+                    <a:lumMod val="60000"/>
+                    <a:lumOff val="40000"/>
+                  </a:schemeClr>
+                </a:solidFill>
+              </a:rPr>
+              <a:t>private</a:t>
+            </a:r>
+            <a:r>
+              <a:rPr lang="fr-FR" sz="1200" dirty="0">
+                <a:solidFill>
+                  <a:schemeClr val="accent5">
+                    <a:lumMod val="60000"/>
+                    <a:lumOff val="40000"/>
+                  </a:schemeClr>
+                </a:solidFill>
+              </a:rPr>
+              <a:t> </a:t>
+            </a:r>
+            <a:r>
+              <a:rPr lang="fr-FR" sz="1200" dirty="0" err="1">
+                <a:solidFill>
+                  <a:schemeClr val="accent5">
+                    <a:lumMod val="60000"/>
+                    <a:lumOff val="40000"/>
+                  </a:schemeClr>
+                </a:solidFill>
+              </a:rPr>
+              <a:t>Dictionary</a:t>
+            </a:r>
+            <a:r>
+              <a:rPr lang="fr-FR" sz="1200" dirty="0">
+                <a:solidFill>
+                  <a:schemeClr val="accent5">
+                    <a:lumMod val="60000"/>
+                    <a:lumOff val="40000"/>
+                  </a:schemeClr>
+                </a:solidFill>
+              </a:rPr>
+              <a:t>&lt;string, </a:t>
+            </a:r>
+            <a:r>
+              <a:rPr lang="fr-FR" sz="1200" dirty="0" err="1">
+                <a:solidFill>
+                  <a:schemeClr val="accent5">
+                    <a:lumMod val="60000"/>
+                    <a:lumOff val="40000"/>
+                  </a:schemeClr>
+                </a:solidFill>
+              </a:rPr>
+              <a:t>PrmInfos</a:t>
+            </a:r>
+            <a:r>
+              <a:rPr lang="fr-FR" sz="1200" dirty="0">
+                <a:solidFill>
+                  <a:schemeClr val="accent5">
+                    <a:lumMod val="60000"/>
+                    <a:lumOff val="40000"/>
+                  </a:schemeClr>
+                </a:solidFill>
+              </a:rPr>
+              <a:t>&gt; </a:t>
+            </a:r>
+            <a:r>
+              <a:rPr lang="fr-FR" sz="1200" dirty="0" err="1">
+                <a:solidFill>
+                  <a:schemeClr val="accent5">
+                    <a:lumMod val="60000"/>
+                    <a:lumOff val="40000"/>
+                  </a:schemeClr>
+                </a:solidFill>
+              </a:rPr>
+              <a:t>parameters</a:t>
+            </a:r>
+            <a:r>
+              <a:rPr lang="fr-FR" sz="1200" dirty="0">
+                <a:solidFill>
+                  <a:schemeClr val="accent5">
+                    <a:lumMod val="60000"/>
+                    <a:lumOff val="40000"/>
+                  </a:schemeClr>
+                </a:solidFill>
+              </a:rPr>
+              <a:t> = new </a:t>
+            </a:r>
+            <a:r>
+              <a:rPr lang="fr-FR" sz="1200" dirty="0" err="1">
+                <a:solidFill>
+                  <a:schemeClr val="accent5">
+                    <a:lumMod val="60000"/>
+                    <a:lumOff val="40000"/>
+                  </a:schemeClr>
+                </a:solidFill>
+              </a:rPr>
+              <a:t>Dictionary</a:t>
+            </a:r>
+            <a:r>
+              <a:rPr lang="fr-FR" sz="1200" dirty="0">
+                <a:solidFill>
+                  <a:schemeClr val="accent5">
+                    <a:lumMod val="60000"/>
+                    <a:lumOff val="40000"/>
+                  </a:schemeClr>
+                </a:solidFill>
+              </a:rPr>
+              <a:t>&lt;string, </a:t>
+            </a:r>
+            <a:r>
+              <a:rPr lang="fr-FR" sz="1200" dirty="0" err="1">
+                <a:solidFill>
+                  <a:schemeClr val="accent5">
+                    <a:lumMod val="60000"/>
+                    <a:lumOff val="40000"/>
+                  </a:schemeClr>
+                </a:solidFill>
+              </a:rPr>
+              <a:t>PrmInfos</a:t>
+            </a:r>
+            <a:r>
+              <a:rPr lang="fr-FR" sz="1200" dirty="0">
+                <a:solidFill>
+                  <a:schemeClr val="accent5">
+                    <a:lumMod val="60000"/>
+                    <a:lumOff val="40000"/>
+                  </a:schemeClr>
+                </a:solidFill>
+              </a:rPr>
+              <a:t>&gt;()</a:t>
+            </a:r>
+          </a:p>
+          <a:p>
+            <a:r>
+              <a:rPr lang="fr-FR" sz="1200" dirty="0">
+                <a:solidFill>
+                  <a:schemeClr val="accent5">
+                    <a:lumMod val="60000"/>
+                    <a:lumOff val="40000"/>
+                  </a:schemeClr>
+                </a:solidFill>
+              </a:rPr>
+              <a:t>        {</a:t>
+            </a:r>
+          </a:p>
+          <a:p>
+            <a:r>
+              <a:rPr lang="fr-FR" sz="1200" dirty="0">
+                <a:solidFill>
+                  <a:schemeClr val="accent5">
+                    <a:lumMod val="60000"/>
+                    <a:lumOff val="40000"/>
+                  </a:schemeClr>
+                </a:solidFill>
+              </a:rPr>
+              <a:t>            { "</a:t>
+            </a:r>
+            <a:r>
+              <a:rPr lang="fr-FR" sz="1200" dirty="0" err="1">
+                <a:solidFill>
+                  <a:schemeClr val="accent5">
+                    <a:lumMod val="60000"/>
+                    <a:lumOff val="40000"/>
+                  </a:schemeClr>
+                </a:solidFill>
+              </a:rPr>
+              <a:t>backside</a:t>
+            </a:r>
+            <a:r>
+              <a:rPr lang="fr-FR" sz="1200" dirty="0">
+                <a:solidFill>
+                  <a:schemeClr val="accent5">
+                    <a:lumMod val="60000"/>
+                    <a:lumOff val="40000"/>
+                  </a:schemeClr>
+                </a:solidFill>
+              </a:rPr>
+              <a:t>", </a:t>
+            </a:r>
+            <a:r>
+              <a:rPr lang="fr-FR" sz="1200" dirty="0" smtClean="0">
+                <a:solidFill>
+                  <a:schemeClr val="accent5">
+                    <a:lumMod val="60000"/>
+                    <a:lumOff val="40000"/>
+                  </a:schemeClr>
+                </a:solidFill>
+              </a:rPr>
+              <a:t>	new </a:t>
+            </a:r>
+            <a:r>
+              <a:rPr lang="fr-FR" sz="1200" dirty="0" err="1">
+                <a:solidFill>
+                  <a:schemeClr val="accent5">
+                    <a:lumMod val="60000"/>
+                    <a:lumOff val="40000"/>
+                  </a:schemeClr>
+                </a:solidFill>
+              </a:rPr>
+              <a:t>OptPrmInfos</a:t>
+            </a:r>
+            <a:r>
+              <a:rPr lang="fr-FR" sz="1200" dirty="0">
+                <a:solidFill>
+                  <a:schemeClr val="accent5">
+                    <a:lumMod val="60000"/>
+                    <a:lumOff val="40000"/>
+                  </a:schemeClr>
+                </a:solidFill>
+              </a:rPr>
+              <a:t>("</a:t>
+            </a:r>
+            <a:r>
+              <a:rPr lang="fr-FR" sz="1200" dirty="0" err="1">
+                <a:solidFill>
+                  <a:schemeClr val="accent5">
+                    <a:lumMod val="60000"/>
+                    <a:lumOff val="40000"/>
+                  </a:schemeClr>
+                </a:solidFill>
+              </a:rPr>
+              <a:t>WithBackSide</a:t>
+            </a:r>
+            <a:r>
+              <a:rPr lang="fr-FR" sz="1200" dirty="0">
+                <a:solidFill>
+                  <a:schemeClr val="accent5">
+                    <a:lumMod val="60000"/>
+                    <a:lumOff val="40000"/>
+                  </a:schemeClr>
+                </a:solidFill>
+              </a:rPr>
+              <a:t>", false) },</a:t>
+            </a:r>
+          </a:p>
+          <a:p>
+            <a:r>
+              <a:rPr lang="fr-FR" sz="1200" dirty="0">
+                <a:solidFill>
+                  <a:schemeClr val="accent5">
+                    <a:lumMod val="60000"/>
+                    <a:lumOff val="40000"/>
+                  </a:schemeClr>
+                </a:solidFill>
+              </a:rPr>
+              <a:t>            { "f</a:t>
+            </a:r>
+            <a:r>
+              <a:rPr lang="fr-FR" sz="1200" dirty="0" smtClean="0">
+                <a:solidFill>
+                  <a:schemeClr val="accent5">
+                    <a:lumMod val="60000"/>
+                    <a:lumOff val="40000"/>
+                  </a:schemeClr>
+                </a:solidFill>
+              </a:rPr>
+              <a:t>",		new </a:t>
+            </a:r>
+            <a:r>
+              <a:rPr lang="fr-FR" sz="1200" dirty="0" err="1">
+                <a:solidFill>
+                  <a:schemeClr val="accent5">
+                    <a:lumMod val="60000"/>
+                    <a:lumOff val="40000"/>
+                  </a:schemeClr>
+                </a:solidFill>
+              </a:rPr>
+              <a:t>OptPrmInfos</a:t>
+            </a:r>
+            <a:r>
+              <a:rPr lang="fr-FR" sz="1200" dirty="0">
+                <a:solidFill>
+                  <a:schemeClr val="accent5">
+                    <a:lumMod val="60000"/>
+                    <a:lumOff val="40000"/>
+                  </a:schemeClr>
+                </a:solidFill>
+              </a:rPr>
+              <a:t>("</a:t>
+            </a:r>
+            <a:r>
+              <a:rPr lang="fr-FR" sz="1200" dirty="0" err="1">
+                <a:solidFill>
+                  <a:schemeClr val="accent5">
+                    <a:lumMod val="60000"/>
+                    <a:lumOff val="40000"/>
+                  </a:schemeClr>
+                </a:solidFill>
+              </a:rPr>
+              <a:t>ExportFormat</a:t>
+            </a:r>
+            <a:r>
+              <a:rPr lang="fr-FR" sz="1200" dirty="0">
+                <a:solidFill>
+                  <a:schemeClr val="accent5">
+                    <a:lumMod val="60000"/>
+                    <a:lumOff val="40000"/>
+                  </a:schemeClr>
+                </a:solidFill>
+              </a:rPr>
+              <a:t>", new string[] {"</a:t>
+            </a:r>
+            <a:r>
+              <a:rPr lang="fr-FR" sz="1200" dirty="0" err="1">
+                <a:solidFill>
+                  <a:schemeClr val="accent5">
+                    <a:lumMod val="60000"/>
+                    <a:lumOff val="40000"/>
+                  </a:schemeClr>
+                </a:solidFill>
+              </a:rPr>
+              <a:t>png</a:t>
+            </a:r>
+            <a:r>
+              <a:rPr lang="fr-FR" sz="1200" dirty="0">
+                <a:solidFill>
+                  <a:schemeClr val="accent5">
+                    <a:lumMod val="60000"/>
+                    <a:lumOff val="40000"/>
+                  </a:schemeClr>
+                </a:solidFill>
+              </a:rPr>
+              <a:t>", "</a:t>
+            </a:r>
+            <a:r>
+              <a:rPr lang="fr-FR" sz="1200" dirty="0" err="1">
+                <a:solidFill>
+                  <a:schemeClr val="accent5">
+                    <a:lumMod val="60000"/>
+                    <a:lumOff val="40000"/>
+                  </a:schemeClr>
+                </a:solidFill>
+              </a:rPr>
+              <a:t>pdf</a:t>
+            </a:r>
+            <a:r>
+              <a:rPr lang="fr-FR" sz="1200" dirty="0">
+                <a:solidFill>
+                  <a:schemeClr val="accent5">
+                    <a:lumMod val="60000"/>
+                    <a:lumOff val="40000"/>
+                  </a:schemeClr>
+                </a:solidFill>
+              </a:rPr>
+              <a:t>"}, "</a:t>
+            </a:r>
+            <a:r>
+              <a:rPr lang="fr-FR" sz="1200" dirty="0" err="1">
+                <a:solidFill>
+                  <a:schemeClr val="accent5">
+                    <a:lumMod val="60000"/>
+                    <a:lumOff val="40000"/>
+                  </a:schemeClr>
+                </a:solidFill>
+              </a:rPr>
+              <a:t>png</a:t>
+            </a:r>
+            <a:r>
+              <a:rPr lang="fr-FR" sz="1200" dirty="0">
+                <a:solidFill>
+                  <a:schemeClr val="accent5">
+                    <a:lumMod val="60000"/>
+                    <a:lumOff val="40000"/>
+                  </a:schemeClr>
+                </a:solidFill>
+              </a:rPr>
+              <a:t>") },</a:t>
+            </a:r>
+          </a:p>
+          <a:p>
+            <a:r>
+              <a:rPr lang="fr-FR" sz="1200" dirty="0">
+                <a:solidFill>
+                  <a:schemeClr val="tx2"/>
+                </a:solidFill>
+              </a:rPr>
+              <a:t>            { "m</a:t>
+            </a:r>
+            <a:r>
+              <a:rPr lang="fr-FR" sz="1200" dirty="0" smtClean="0">
+                <a:solidFill>
+                  <a:schemeClr val="tx2"/>
+                </a:solidFill>
+              </a:rPr>
+              <a:t>",		new </a:t>
+            </a:r>
+            <a:r>
+              <a:rPr lang="fr-FR" sz="1200" dirty="0" err="1">
+                <a:solidFill>
+                  <a:schemeClr val="tx2"/>
+                </a:solidFill>
+              </a:rPr>
+              <a:t>PrmInfos</a:t>
+            </a:r>
+            <a:r>
+              <a:rPr lang="fr-FR" sz="1200" dirty="0">
+                <a:solidFill>
+                  <a:schemeClr val="tx2"/>
+                </a:solidFill>
+              </a:rPr>
+              <a:t>("</a:t>
+            </a:r>
+            <a:r>
+              <a:rPr lang="fr-FR" sz="1200" dirty="0" err="1">
+                <a:solidFill>
+                  <a:schemeClr val="tx2"/>
+                </a:solidFill>
+              </a:rPr>
+              <a:t>ExportMode</a:t>
+            </a:r>
+            <a:r>
+              <a:rPr lang="fr-FR" sz="1200" dirty="0">
+                <a:solidFill>
+                  <a:schemeClr val="tx2"/>
+                </a:solidFill>
+              </a:rPr>
+              <a:t>", new string[] {"all", "</a:t>
+            </a:r>
+            <a:r>
+              <a:rPr lang="fr-FR" sz="1200" dirty="0" err="1">
+                <a:solidFill>
+                  <a:schemeClr val="tx2"/>
+                </a:solidFill>
+              </a:rPr>
+              <a:t>board</a:t>
+            </a:r>
+            <a:r>
+              <a:rPr lang="fr-FR" sz="1200" dirty="0">
+                <a:solidFill>
+                  <a:schemeClr val="tx2"/>
+                </a:solidFill>
+              </a:rPr>
+              <a:t>"}) },</a:t>
+            </a:r>
+          </a:p>
+          <a:p>
+            <a:r>
+              <a:rPr lang="fr-FR" sz="1200" dirty="0">
+                <a:solidFill>
+                  <a:schemeClr val="accent5">
+                    <a:lumMod val="60000"/>
+                    <a:lumOff val="40000"/>
+                  </a:schemeClr>
+                </a:solidFill>
+              </a:rPr>
+              <a:t>            { "s</a:t>
+            </a:r>
+            <a:r>
+              <a:rPr lang="fr-FR" sz="1200" dirty="0" smtClean="0">
+                <a:solidFill>
+                  <a:schemeClr val="accent5">
+                    <a:lumMod val="60000"/>
+                    <a:lumOff val="40000"/>
+                  </a:schemeClr>
+                </a:solidFill>
+              </a:rPr>
+              <a:t>",		new </a:t>
+            </a:r>
+            <a:r>
+              <a:rPr lang="fr-FR" sz="1200" dirty="0" err="1">
+                <a:solidFill>
+                  <a:schemeClr val="accent5">
+                    <a:lumMod val="60000"/>
+                    <a:lumOff val="40000"/>
+                  </a:schemeClr>
+                </a:solidFill>
+              </a:rPr>
+              <a:t>OptPrmInfos</a:t>
+            </a:r>
+            <a:r>
+              <a:rPr lang="fr-FR" sz="1200" dirty="0">
+                <a:solidFill>
+                  <a:schemeClr val="accent5">
+                    <a:lumMod val="60000"/>
+                    <a:lumOff val="40000"/>
+                  </a:schemeClr>
+                </a:solidFill>
+              </a:rPr>
+              <a:t>("</a:t>
+            </a:r>
+            <a:r>
+              <a:rPr lang="fr-FR" sz="1200" dirty="0" err="1">
+                <a:solidFill>
+                  <a:schemeClr val="accent5">
+                    <a:lumMod val="60000"/>
+                    <a:lumOff val="40000"/>
+                  </a:schemeClr>
+                </a:solidFill>
+              </a:rPr>
+              <a:t>BoardSpace</a:t>
+            </a:r>
+            <a:r>
+              <a:rPr lang="fr-FR" sz="1200" dirty="0">
+                <a:solidFill>
+                  <a:schemeClr val="accent5">
+                    <a:lumMod val="60000"/>
+                    <a:lumOff val="40000"/>
+                  </a:schemeClr>
+                </a:solidFill>
+              </a:rPr>
+              <a:t>", 0) }</a:t>
+            </a:r>
+          </a:p>
+          <a:p>
+            <a:r>
+              <a:rPr lang="fr-FR" sz="1200" dirty="0">
+                <a:solidFill>
+                  <a:schemeClr val="accent5">
+                    <a:lumMod val="60000"/>
+                    <a:lumOff val="40000"/>
+                  </a:schemeClr>
+                </a:solidFill>
+              </a:rPr>
+              <a:t>        };</a:t>
+            </a:r>
+          </a:p>
+          <a:p>
+            <a:r>
+              <a:rPr lang="fr-FR" sz="1200" dirty="0"/>
+              <a:t> </a:t>
+            </a:r>
+          </a:p>
+          <a:p>
+            <a:pPr algn="just"/>
+            <a:r>
+              <a:rPr lang="fr-FR" sz="1200" dirty="0"/>
+              <a:t>On voit que le paramètre de ligne de commande « m » est un paramètre obligatoire (</a:t>
+            </a:r>
+            <a:r>
+              <a:rPr lang="fr-FR" sz="1200" dirty="0" err="1"/>
+              <a:t>PrmInfos</a:t>
+            </a:r>
+            <a:r>
+              <a:rPr lang="fr-FR" sz="1200" dirty="0"/>
+              <a:t> et non </a:t>
+            </a:r>
+            <a:r>
+              <a:rPr lang="fr-FR" sz="1200" dirty="0" err="1"/>
+              <a:t>OptPrmInfos</a:t>
+            </a:r>
+            <a:r>
+              <a:rPr lang="fr-FR" sz="1200" dirty="0" smtClean="0"/>
+              <a:t>), </a:t>
+            </a:r>
+            <a:r>
+              <a:rPr lang="fr-FR" sz="1200" dirty="0"/>
+              <a:t>qu’il sert à alimenter l’attribut « </a:t>
+            </a:r>
+            <a:r>
+              <a:rPr lang="fr-FR" sz="1200" dirty="0" err="1"/>
+              <a:t>ExportMode</a:t>
+            </a:r>
+            <a:r>
+              <a:rPr lang="fr-FR" sz="1200" dirty="0"/>
+              <a:t> » du </a:t>
+            </a:r>
+            <a:r>
+              <a:rPr lang="fr-FR" sz="1200" dirty="0" err="1"/>
+              <a:t>Parameters</a:t>
+            </a:r>
+            <a:r>
+              <a:rPr lang="fr-FR" sz="1200" dirty="0"/>
+              <a:t>, et que ces valeurs autorisées sont « all » et « </a:t>
+            </a:r>
+            <a:r>
+              <a:rPr lang="fr-FR" sz="1200" dirty="0" err="1"/>
+              <a:t>board</a:t>
+            </a:r>
+            <a:r>
+              <a:rPr lang="fr-FR" sz="1200" dirty="0"/>
+              <a:t> </a:t>
+            </a:r>
+            <a:r>
+              <a:rPr lang="fr-FR" sz="1200" dirty="0" smtClean="0"/>
+              <a:t>»,</a:t>
+            </a:r>
+            <a:endParaRPr lang="fr-FR" sz="1200" dirty="0"/>
+          </a:p>
+          <a:p>
+            <a:pPr algn="just"/>
+            <a:r>
+              <a:rPr lang="fr-FR" sz="1200" dirty="0"/>
+              <a:t> </a:t>
+            </a:r>
+          </a:p>
+          <a:p>
+            <a:pPr algn="just"/>
+            <a:r>
+              <a:rPr lang="fr-FR" sz="1200" dirty="0"/>
+              <a:t>Après avoir mis à jour l’usage de la classe Usage, le nouveau paramètre de la ligne de commande est désormais </a:t>
+            </a:r>
+            <a:r>
+              <a:rPr lang="fr-FR" sz="1200" dirty="0" smtClean="0"/>
+              <a:t>interprétable, </a:t>
+            </a:r>
+            <a:r>
+              <a:rPr lang="fr-FR" sz="1200" dirty="0"/>
+              <a:t>il ne reste plus qu’à s’en servir.</a:t>
+            </a:r>
+          </a:p>
+          <a:p>
+            <a:endParaRPr lang="fr-FR" sz="1200" dirty="0"/>
+          </a:p>
+        </p:txBody>
+      </p:sp>
+    </p:spTree>
+    <p:extLst>
+      <p:ext uri="{BB962C8B-B14F-4D97-AF65-F5344CB8AC3E}">
+        <p14:creationId xmlns:p14="http://schemas.microsoft.com/office/powerpoint/2010/main" val="4093465408"/>
+      </p:ext>
+    </p:extLst>
+  </p:cSld>
+  <p:clrMapOvr>
+    <a:masterClrMapping/>
+  </p:clrMapOvr>
+</p:sld>
+</file>
+
+<file path=ppt/slides/slide9.xml><?xml version="1.0" encoding="utf-8"?>
+<p:sld xmlns:a="http://schemas.openxmlformats.org/drawingml/2006/main" xmlns:r="http://schemas.openxmlformats.org/officeDocument/2006/relationships" xmlns:p="http://schemas.openxmlformats.org/presentationml/2006/main">
+  <p:cSld>
+    <p:spTree>
+      <p:nvGrpSpPr>
+        <p:cNvPr id="1" name=""/>
+        <p:cNvGrpSpPr/>
+        <p:nvPr/>
+      </p:nvGrpSpPr>
+      <p:grpSpPr>
+        <a:xfrm>
+          <a:off x="0" y="0"/>
+          <a:ext cx="0" cy="0"/>
+          <a:chOff x="0" y="0"/>
+          <a:chExt cx="0" cy="0"/>
+        </a:xfrm>
+      </p:grpSpPr>
+      <p:sp>
+        <p:nvSpPr>
+          <p:cNvPr id="4" name="ZoneTexte 3"/>
+          <p:cNvSpPr txBox="1"/>
+          <p:nvPr/>
+        </p:nvSpPr>
+        <p:spPr>
+          <a:xfrm>
+            <a:off x="0" y="0"/>
+            <a:ext cx="9144000" cy="461665"/>
+          </a:xfrm>
+          <a:prstGeom prst="rect">
+            <a:avLst/>
+          </a:prstGeom>
+          <a:gradFill>
+            <a:gsLst>
+              <a:gs pos="0">
+                <a:schemeClr val="accent6">
+                  <a:lumMod val="60000"/>
+                  <a:lumOff val="40000"/>
+                </a:schemeClr>
+              </a:gs>
+              <a:gs pos="100000">
+                <a:schemeClr val="accent6">
+                  <a:lumMod val="20000"/>
+                  <a:lumOff val="80000"/>
+                </a:schemeClr>
+              </a:gs>
+            </a:gsLst>
+            <a:lin ang="5400000" scaled="0"/>
+          </a:gradFill>
+          <a:ln>
+            <a:solidFill>
+              <a:schemeClr val="accent6">
+                <a:lumMod val="75000"/>
+              </a:schemeClr>
+            </a:solidFill>
+          </a:ln>
+        </p:spPr>
+        <p:txBody>
+          <a:bodyPr wrap="square" rtlCol="0">
+            <a:spAutoFit/>
+          </a:bodyPr>
+          <a:lstStyle/>
+          <a:p>
+            <a:r>
+              <a:rPr lang="fr-FR" sz="2400" dirty="0" smtClean="0"/>
+              <a:t>Ajout d’un paramètre par l’exemple – Exemple 2</a:t>
+            </a:r>
+            <a:endParaRPr lang="fr-FR" sz="2400" dirty="0"/>
+          </a:p>
+        </p:txBody>
+      </p:sp>
+      <p:sp>
+        <p:nvSpPr>
+          <p:cNvPr id="9" name="ZoneTexte 8"/>
+          <p:cNvSpPr txBox="1"/>
+          <p:nvPr/>
+        </p:nvSpPr>
+        <p:spPr>
+          <a:xfrm>
+            <a:off x="395536" y="1124744"/>
+            <a:ext cx="184731" cy="369332"/>
+          </a:xfrm>
+          <a:prstGeom prst="rect">
+            <a:avLst/>
+          </a:prstGeom>
+          <a:noFill/>
+        </p:spPr>
+        <p:txBody>
+          <a:bodyPr wrap="none" rtlCol="0">
+            <a:spAutoFit/>
+          </a:bodyPr>
+          <a:lstStyle/>
+          <a:p>
+            <a:endParaRPr lang="fr-FR" dirty="0"/>
+          </a:p>
+        </p:txBody>
+      </p:sp>
+      <p:sp>
+        <p:nvSpPr>
           <p:cNvPr id="2" name="ZoneTexte 1"/>
           <p:cNvSpPr txBox="1"/>
           <p:nvPr/>
@@ -7804,11 +9418,7 @@
             </a:r>
             <a:r>
               <a:rPr lang="fr-FR" sz="1200" dirty="0"/>
-              <a:t>l’utilisateur devra </a:t>
-            </a:r>
-            <a:r>
-              <a:rPr lang="fr-FR" sz="1200" dirty="0"/>
-              <a:t>donc saisir « /</a:t>
+              <a:t>l’utilisateur devra donc saisir « /</a:t>
             </a:r>
             <a:r>
               <a:rPr lang="fr-FR" sz="1200" dirty="0" err="1"/>
@@ -8245,15 +9855,7 @@
                   <a:schemeClr val="tx2"/>
                 </a:solidFill>
               </a:rPr>
-              <a:t>{ "f</a:t>
-            </a:r>
-            <a:r>
-              <a:rPr lang="fr-FR" sz="1200" dirty="0">
-                <a:solidFill>
-                  <a:schemeClr val="tx2"/>
-                </a:solidFill>
-              </a:rPr>
-              <a:t>",		new </a:t>
+              <a:t>{ "f",		new </a:t>
             </a:r>
             <a:r>
               <a:rPr lang="fr-FR" sz="1200" dirty="0" err="1">
